--- a/azure-blob-control-and-data-access/images/figures.pptx
+++ b/azure-blob-control-and-data-access/images/figures.pptx
@@ -6,6 +6,9 @@
   </p:sldMasterIdLst>
   <p:sldIdLst>
     <p:sldId id="256" r:id="rId2"/>
+    <p:sldId id="257" r:id="rId3"/>
+    <p:sldId id="258" r:id="rId4"/>
+    <p:sldId id="259" r:id="rId5"/>
   </p:sldIdLst>
   <p:sldSz cx="12192000" cy="6858000"/>
   <p:notesSz cx="6858000" cy="9144000"/>
@@ -104,6 +107,11 @@
       </a:defRPr>
     </a:lvl9pPr>
   </p:defaultTextStyle>
+  <p:extLst>
+    <p:ext uri="{EFAFB233-063F-42B5-8137-9DF3F51BA10A}">
+      <p15:sldGuideLst xmlns:p15="http://schemas.microsoft.com/office/powerpoint/2012/main"/>
+    </p:ext>
+  </p:extLst>
 </p:presentation>
 </file>
 
@@ -5325,6 +5333,1099 @@
 </p:sld>
 </file>
 
+<file path=ppt/slides/slide2.xml><?xml version="1.0" encoding="utf-8"?>
+<p:sld xmlns:a="http://schemas.openxmlformats.org/drawingml/2006/main" xmlns:r="http://schemas.openxmlformats.org/officeDocument/2006/relationships" xmlns:p="http://schemas.openxmlformats.org/presentationml/2006/main">
+  <p:cSld>
+    <p:spTree>
+      <p:nvGrpSpPr>
+        <p:cNvPr id="1" name=""/>
+        <p:cNvGrpSpPr/>
+        <p:nvPr/>
+      </p:nvGrpSpPr>
+      <p:grpSpPr>
+        <a:xfrm>
+          <a:off x="0" y="0"/>
+          <a:ext cx="0" cy="0"/>
+          <a:chOff x="0" y="0"/>
+          <a:chExt cx="0" cy="0"/>
+        </a:xfrm>
+      </p:grpSpPr>
+      <p:pic>
+        <p:nvPicPr>
+          <p:cNvPr id="7" name="図 6">
+            <a:extLst>
+              <a:ext uri="{FF2B5EF4-FFF2-40B4-BE49-F238E27FC236}">
+                <a16:creationId xmlns:a16="http://schemas.microsoft.com/office/drawing/2014/main" id="{6AD59D88-DBE4-4CE6-A345-ECFEB0EE2934}"/>
+              </a:ext>
+            </a:extLst>
+          </p:cNvPr>
+          <p:cNvPicPr>
+            <a:picLocks noChangeAspect="1"/>
+          </p:cNvPicPr>
+          <p:nvPr/>
+        </p:nvPicPr>
+        <p:blipFill>
+          <a:blip r:embed="rId2"/>
+          <a:stretch>
+            <a:fillRect/>
+          </a:stretch>
+        </p:blipFill>
+        <p:spPr>
+          <a:xfrm>
+            <a:off x="1057984" y="1315553"/>
+            <a:ext cx="10076033" cy="4226895"/>
+          </a:xfrm>
+          <a:prstGeom prst="rect">
+            <a:avLst/>
+          </a:prstGeom>
+          <a:ln>
+            <a:noFill/>
+          </a:ln>
+          <a:effectLst>
+            <a:outerShdw blurRad="292100" dist="139700" dir="2700000" algn="tl" rotWithShape="0">
+              <a:srgbClr val="333333">
+                <a:alpha val="65000"/>
+              </a:srgbClr>
+            </a:outerShdw>
+          </a:effectLst>
+        </p:spPr>
+      </p:pic>
+    </p:spTree>
+    <p:extLst>
+      <p:ext uri="{BB962C8B-B14F-4D97-AF65-F5344CB8AC3E}">
+        <p14:creationId xmlns:p14="http://schemas.microsoft.com/office/powerpoint/2010/main" val="765789854"/>
+      </p:ext>
+    </p:extLst>
+  </p:cSld>
+  <p:clrMapOvr>
+    <a:masterClrMapping/>
+  </p:clrMapOvr>
+</p:sld>
+</file>
+
+<file path=ppt/slides/slide3.xml><?xml version="1.0" encoding="utf-8"?>
+<p:sld xmlns:a="http://schemas.openxmlformats.org/drawingml/2006/main" xmlns:r="http://schemas.openxmlformats.org/officeDocument/2006/relationships" xmlns:p="http://schemas.openxmlformats.org/presentationml/2006/main">
+  <p:cSld>
+    <p:spTree>
+      <p:nvGrpSpPr>
+        <p:cNvPr id="1" name=""/>
+        <p:cNvGrpSpPr/>
+        <p:nvPr/>
+      </p:nvGrpSpPr>
+      <p:grpSpPr>
+        <a:xfrm>
+          <a:off x="0" y="0"/>
+          <a:ext cx="0" cy="0"/>
+          <a:chOff x="0" y="0"/>
+          <a:chExt cx="0" cy="0"/>
+        </a:xfrm>
+      </p:grpSpPr>
+      <p:pic>
+        <p:nvPicPr>
+          <p:cNvPr id="3" name="図 2">
+            <a:extLst>
+              <a:ext uri="{FF2B5EF4-FFF2-40B4-BE49-F238E27FC236}">
+                <a16:creationId xmlns:a16="http://schemas.microsoft.com/office/drawing/2014/main" id="{53D3ACF9-2CB5-42FC-AD99-43C4C4725B63}"/>
+              </a:ext>
+            </a:extLst>
+          </p:cNvPr>
+          <p:cNvPicPr>
+            <a:picLocks noChangeAspect="1"/>
+          </p:cNvPicPr>
+          <p:nvPr/>
+        </p:nvPicPr>
+        <p:blipFill>
+          <a:blip r:embed="rId2"/>
+          <a:stretch>
+            <a:fillRect/>
+          </a:stretch>
+        </p:blipFill>
+        <p:spPr>
+          <a:xfrm>
+            <a:off x="1057984" y="1548934"/>
+            <a:ext cx="10076033" cy="3760132"/>
+          </a:xfrm>
+          <a:prstGeom prst="rect">
+            <a:avLst/>
+          </a:prstGeom>
+          <a:ln>
+            <a:noFill/>
+          </a:ln>
+          <a:effectLst>
+            <a:outerShdw blurRad="292100" dist="139700" dir="2700000" algn="tl" rotWithShape="0">
+              <a:srgbClr val="333333">
+                <a:alpha val="65000"/>
+              </a:srgbClr>
+            </a:outerShdw>
+          </a:effectLst>
+        </p:spPr>
+      </p:pic>
+    </p:spTree>
+    <p:extLst>
+      <p:ext uri="{BB962C8B-B14F-4D97-AF65-F5344CB8AC3E}">
+        <p14:creationId xmlns:p14="http://schemas.microsoft.com/office/powerpoint/2010/main" val="351650060"/>
+      </p:ext>
+    </p:extLst>
+  </p:cSld>
+  <p:clrMapOvr>
+    <a:masterClrMapping/>
+  </p:clrMapOvr>
+</p:sld>
+</file>
+
+<file path=ppt/slides/slide4.xml><?xml version="1.0" encoding="utf-8"?>
+<p:sld xmlns:a="http://schemas.openxmlformats.org/drawingml/2006/main" xmlns:r="http://schemas.openxmlformats.org/officeDocument/2006/relationships" xmlns:p="http://schemas.openxmlformats.org/presentationml/2006/main">
+  <p:cSld>
+    <p:spTree>
+      <p:nvGrpSpPr>
+        <p:cNvPr id="1" name=""/>
+        <p:cNvGrpSpPr/>
+        <p:nvPr/>
+      </p:nvGrpSpPr>
+      <p:grpSpPr>
+        <a:xfrm>
+          <a:off x="0" y="0"/>
+          <a:ext cx="0" cy="0"/>
+          <a:chOff x="0" y="0"/>
+          <a:chExt cx="0" cy="0"/>
+        </a:xfrm>
+      </p:grpSpPr>
+      <p:sp>
+        <p:nvSpPr>
+          <p:cNvPr id="6" name="四角形: 角を丸くする 5">
+            <a:extLst>
+              <a:ext uri="{FF2B5EF4-FFF2-40B4-BE49-F238E27FC236}">
+                <a16:creationId xmlns:a16="http://schemas.microsoft.com/office/drawing/2014/main" id="{EC28EE7C-AE8C-439F-8934-4FDFCA73EC8F}"/>
+              </a:ext>
+            </a:extLst>
+          </p:cNvPr>
+          <p:cNvSpPr/>
+          <p:nvPr/>
+        </p:nvSpPr>
+        <p:spPr>
+          <a:xfrm>
+            <a:off x="4694984" y="1223702"/>
+            <a:ext cx="1756618" cy="932169"/>
+          </a:xfrm>
+          <a:prstGeom prst="roundRect">
+            <a:avLst/>
+          </a:prstGeom>
+          <a:noFill/>
+          <a:ln w="28575"/>
+        </p:spPr>
+        <p:style>
+          <a:lnRef idx="2">
+            <a:schemeClr val="accent1">
+              <a:shade val="50000"/>
+            </a:schemeClr>
+          </a:lnRef>
+          <a:fillRef idx="1">
+            <a:schemeClr val="accent1"/>
+          </a:fillRef>
+          <a:effectRef idx="0">
+            <a:schemeClr val="accent1"/>
+          </a:effectRef>
+          <a:fontRef idx="minor">
+            <a:schemeClr val="lt1"/>
+          </a:fontRef>
+        </p:style>
+        <p:txBody>
+          <a:bodyPr rtlCol="0" anchor="ctr"/>
+          <a:lstStyle/>
+          <a:p>
+            <a:r>
+              <a:rPr kumimoji="1" lang="ja-JP" altLang="en-US" dirty="0">
+                <a:solidFill>
+                  <a:schemeClr val="tx1"/>
+                </a:solidFill>
+              </a:rPr>
+              <a:t>データ</a:t>
+            </a:r>
+            <a:br>
+              <a:rPr kumimoji="1" lang="en-US" altLang="ja-JP" dirty="0">
+                <a:solidFill>
+                  <a:schemeClr val="tx1"/>
+                </a:solidFill>
+              </a:rPr>
+            </a:br>
+            <a:r>
+              <a:rPr kumimoji="1" lang="ja-JP" altLang="en-US" dirty="0">
+                <a:solidFill>
+                  <a:schemeClr val="tx1"/>
+                </a:solidFill>
+              </a:rPr>
+              <a:t>プレーン</a:t>
+            </a:r>
+          </a:p>
+        </p:txBody>
+      </p:sp>
+      <p:sp>
+        <p:nvSpPr>
+          <p:cNvPr id="7" name="楕円 6">
+            <a:extLst>
+              <a:ext uri="{FF2B5EF4-FFF2-40B4-BE49-F238E27FC236}">
+                <a16:creationId xmlns:a16="http://schemas.microsoft.com/office/drawing/2014/main" id="{E62BD395-278A-47E0-A356-513DCA97FAF2}"/>
+              </a:ext>
+            </a:extLst>
+          </p:cNvPr>
+          <p:cNvSpPr/>
+          <p:nvPr/>
+        </p:nvSpPr>
+        <p:spPr>
+          <a:xfrm>
+            <a:off x="3413630" y="1540791"/>
+            <a:ext cx="297989" cy="297989"/>
+          </a:xfrm>
+          <a:prstGeom prst="ellipse">
+            <a:avLst/>
+          </a:prstGeom>
+        </p:spPr>
+        <p:style>
+          <a:lnRef idx="2">
+            <a:schemeClr val="accent1">
+              <a:shade val="50000"/>
+            </a:schemeClr>
+          </a:lnRef>
+          <a:fillRef idx="1">
+            <a:schemeClr val="accent1"/>
+          </a:fillRef>
+          <a:effectRef idx="0">
+            <a:schemeClr val="accent1"/>
+          </a:effectRef>
+          <a:fontRef idx="minor">
+            <a:schemeClr val="lt1"/>
+          </a:fontRef>
+        </p:style>
+        <p:txBody>
+          <a:bodyPr rtlCol="0" anchor="ctr"/>
+          <a:lstStyle/>
+          <a:p>
+            <a:pPr algn="ctr"/>
+            <a:endParaRPr kumimoji="1" lang="ja-JP" altLang="en-US"/>
+          </a:p>
+        </p:txBody>
+      </p:sp>
+      <p:cxnSp>
+        <p:nvCxnSpPr>
+          <p:cNvPr id="9" name="直線コネクタ 8">
+            <a:extLst>
+              <a:ext uri="{FF2B5EF4-FFF2-40B4-BE49-F238E27FC236}">
+                <a16:creationId xmlns:a16="http://schemas.microsoft.com/office/drawing/2014/main" id="{7CEA9682-0B73-447B-9710-700924131D8C}"/>
+              </a:ext>
+            </a:extLst>
+          </p:cNvPr>
+          <p:cNvCxnSpPr>
+            <a:cxnSpLocks/>
+            <a:stCxn id="7" idx="6"/>
+            <a:endCxn id="6" idx="1"/>
+          </p:cNvCxnSpPr>
+          <p:nvPr/>
+        </p:nvCxnSpPr>
+        <p:spPr>
+          <a:xfrm>
+            <a:off x="3711619" y="1689786"/>
+            <a:ext cx="983365" cy="1"/>
+          </a:xfrm>
+          <a:prstGeom prst="line">
+            <a:avLst/>
+          </a:prstGeom>
+          <a:ln w="28575"/>
+        </p:spPr>
+        <p:style>
+          <a:lnRef idx="1">
+            <a:schemeClr val="accent1"/>
+          </a:lnRef>
+          <a:fillRef idx="0">
+            <a:schemeClr val="accent1"/>
+          </a:fillRef>
+          <a:effectRef idx="0">
+            <a:schemeClr val="accent1"/>
+          </a:effectRef>
+          <a:fontRef idx="minor">
+            <a:schemeClr val="tx1"/>
+          </a:fontRef>
+        </p:style>
+      </p:cxnSp>
+      <p:pic>
+        <p:nvPicPr>
+          <p:cNvPr id="25" name="グラフィックス 24">
+            <a:extLst>
+              <a:ext uri="{FF2B5EF4-FFF2-40B4-BE49-F238E27FC236}">
+                <a16:creationId xmlns:a16="http://schemas.microsoft.com/office/drawing/2014/main" id="{4EA477ED-7EFB-4787-8F2B-88475753B17D}"/>
+              </a:ext>
+            </a:extLst>
+          </p:cNvPr>
+          <p:cNvPicPr>
+            <a:picLocks noChangeAspect="1"/>
+          </p:cNvPicPr>
+          <p:nvPr/>
+        </p:nvPicPr>
+        <p:blipFill>
+          <a:blip r:embed="rId2">
+            <a:extLst>
+              <a:ext uri="{28A0092B-C50C-407E-A947-70E740481C1C}">
+                <a14:useLocalDpi xmlns:a14="http://schemas.microsoft.com/office/drawing/2010/main" val="0"/>
+              </a:ext>
+              <a:ext uri="{96DAC541-7B7A-43D3-8B79-37D633B846F1}">
+                <asvg:svgBlip xmlns:asvg="http://schemas.microsoft.com/office/drawing/2016/SVG/main" r:embed="rId3"/>
+              </a:ext>
+            </a:extLst>
+          </a:blip>
+          <a:stretch>
+            <a:fillRect/>
+          </a:stretch>
+        </p:blipFill>
+        <p:spPr>
+          <a:xfrm>
+            <a:off x="7437158" y="2834827"/>
+            <a:ext cx="591895" cy="591895"/>
+          </a:xfrm>
+          <a:prstGeom prst="rect">
+            <a:avLst/>
+          </a:prstGeom>
+        </p:spPr>
+      </p:pic>
+      <p:sp>
+        <p:nvSpPr>
+          <p:cNvPr id="46" name="テキスト ボックス 45">
+            <a:extLst>
+              <a:ext uri="{FF2B5EF4-FFF2-40B4-BE49-F238E27FC236}">
+                <a16:creationId xmlns:a16="http://schemas.microsoft.com/office/drawing/2014/main" id="{0D1C0DD0-0B72-4144-9179-EC2D99830AA7}"/>
+              </a:ext>
+            </a:extLst>
+          </p:cNvPr>
+          <p:cNvSpPr txBox="1"/>
+          <p:nvPr/>
+        </p:nvSpPr>
+        <p:spPr>
+          <a:xfrm>
+            <a:off x="7988589" y="2888330"/>
+            <a:ext cx="1082348" cy="523220"/>
+          </a:xfrm>
+          <a:prstGeom prst="rect">
+            <a:avLst/>
+          </a:prstGeom>
+          <a:noFill/>
+        </p:spPr>
+        <p:txBody>
+          <a:bodyPr wrap="none" rtlCol="0">
+            <a:spAutoFit/>
+          </a:bodyPr>
+          <a:lstStyle/>
+          <a:p>
+            <a:r>
+              <a:rPr lang="ja-JP" altLang="en-US" sz="1400" dirty="0"/>
+              <a:t>ストレージ</a:t>
+            </a:r>
+            <a:br>
+              <a:rPr lang="en-US" altLang="ja-JP" sz="1400" dirty="0"/>
+            </a:br>
+            <a:r>
+              <a:rPr lang="ja-JP" altLang="en-US" sz="1400" dirty="0"/>
+              <a:t>アカウント</a:t>
+            </a:r>
+            <a:endParaRPr kumimoji="1" lang="ja-JP" altLang="en-US" sz="1400" dirty="0"/>
+          </a:p>
+        </p:txBody>
+      </p:sp>
+      <p:sp>
+        <p:nvSpPr>
+          <p:cNvPr id="47" name="吹き出し: 角を丸めた四角形 46">
+            <a:extLst>
+              <a:ext uri="{FF2B5EF4-FFF2-40B4-BE49-F238E27FC236}">
+                <a16:creationId xmlns:a16="http://schemas.microsoft.com/office/drawing/2014/main" id="{CF34E990-7D1C-4EE4-8088-49DCDC058D18}"/>
+              </a:ext>
+            </a:extLst>
+          </p:cNvPr>
+          <p:cNvSpPr/>
+          <p:nvPr/>
+        </p:nvSpPr>
+        <p:spPr>
+          <a:xfrm>
+            <a:off x="7516991" y="1187976"/>
+            <a:ext cx="1334990" cy="967895"/>
+          </a:xfrm>
+          <a:prstGeom prst="wedgeRoundRectCallout">
+            <a:avLst>
+              <a:gd name="adj1" fmla="val -42165"/>
+              <a:gd name="adj2" fmla="val 137620"/>
+              <a:gd name="adj3" fmla="val 16667"/>
+            </a:avLst>
+          </a:prstGeom>
+        </p:spPr>
+        <p:style>
+          <a:lnRef idx="2">
+            <a:schemeClr val="accent1"/>
+          </a:lnRef>
+          <a:fillRef idx="1">
+            <a:schemeClr val="lt1"/>
+          </a:fillRef>
+          <a:effectRef idx="0">
+            <a:schemeClr val="accent1"/>
+          </a:effectRef>
+          <a:fontRef idx="minor">
+            <a:schemeClr val="dk1"/>
+          </a:fontRef>
+        </p:style>
+        <p:txBody>
+          <a:bodyPr rtlCol="0" anchor="ctr"/>
+          <a:lstStyle/>
+          <a:p>
+            <a:pPr algn="ctr"/>
+            <a:endParaRPr kumimoji="1" lang="ja-JP" altLang="en-US"/>
+          </a:p>
+        </p:txBody>
+      </p:sp>
+      <p:pic>
+        <p:nvPicPr>
+          <p:cNvPr id="48" name="グラフィックス 47">
+            <a:extLst>
+              <a:ext uri="{FF2B5EF4-FFF2-40B4-BE49-F238E27FC236}">
+                <a16:creationId xmlns:a16="http://schemas.microsoft.com/office/drawing/2014/main" id="{F4396ADF-A49A-498C-8D25-CA5C2B277A28}"/>
+              </a:ext>
+            </a:extLst>
+          </p:cNvPr>
+          <p:cNvPicPr>
+            <a:picLocks noChangeAspect="1"/>
+          </p:cNvPicPr>
+          <p:nvPr/>
+        </p:nvPicPr>
+        <p:blipFill>
+          <a:blip r:embed="rId4">
+            <a:extLst>
+              <a:ext uri="{28A0092B-C50C-407E-A947-70E740481C1C}">
+                <a14:useLocalDpi xmlns:a14="http://schemas.microsoft.com/office/drawing/2010/main" val="0"/>
+              </a:ext>
+              <a:ext uri="{96DAC541-7B7A-43D3-8B79-37D633B846F1}">
+                <asvg:svgBlip xmlns:asvg="http://schemas.microsoft.com/office/drawing/2016/SVG/main" r:embed="rId5"/>
+              </a:ext>
+            </a:extLst>
+          </a:blip>
+          <a:stretch>
+            <a:fillRect/>
+          </a:stretch>
+        </p:blipFill>
+        <p:spPr>
+          <a:xfrm>
+            <a:off x="7870007" y="1267651"/>
+            <a:ext cx="404272" cy="404272"/>
+          </a:xfrm>
+          <a:prstGeom prst="rect">
+            <a:avLst/>
+          </a:prstGeom>
+        </p:spPr>
+      </p:pic>
+      <p:sp>
+        <p:nvSpPr>
+          <p:cNvPr id="54" name="吹き出し: 角を丸めた四角形 53">
+            <a:extLst>
+              <a:ext uri="{FF2B5EF4-FFF2-40B4-BE49-F238E27FC236}">
+                <a16:creationId xmlns:a16="http://schemas.microsoft.com/office/drawing/2014/main" id="{CBE113A4-9919-4DA6-9F38-6C3403B8D5CB}"/>
+              </a:ext>
+            </a:extLst>
+          </p:cNvPr>
+          <p:cNvSpPr/>
+          <p:nvPr/>
+        </p:nvSpPr>
+        <p:spPr>
+          <a:xfrm>
+            <a:off x="9509797" y="1205837"/>
+            <a:ext cx="2157439" cy="967895"/>
+          </a:xfrm>
+          <a:prstGeom prst="wedgeRoundRectCallout">
+            <a:avLst>
+              <a:gd name="adj1" fmla="val -100075"/>
+              <a:gd name="adj2" fmla="val 13856"/>
+              <a:gd name="adj3" fmla="val 16667"/>
+            </a:avLst>
+          </a:prstGeom>
+        </p:spPr>
+        <p:style>
+          <a:lnRef idx="2">
+            <a:schemeClr val="accent1"/>
+          </a:lnRef>
+          <a:fillRef idx="1">
+            <a:schemeClr val="lt1"/>
+          </a:fillRef>
+          <a:effectRef idx="0">
+            <a:schemeClr val="accent1"/>
+          </a:effectRef>
+          <a:fontRef idx="minor">
+            <a:schemeClr val="dk1"/>
+          </a:fontRef>
+        </p:style>
+        <p:txBody>
+          <a:bodyPr rtlCol="0" anchor="ctr"/>
+          <a:lstStyle/>
+          <a:p>
+            <a:pPr algn="ctr"/>
+            <a:endParaRPr kumimoji="1" lang="ja-JP" altLang="en-US"/>
+          </a:p>
+        </p:txBody>
+      </p:sp>
+      <p:pic>
+        <p:nvPicPr>
+          <p:cNvPr id="56" name="グラフィックス 55">
+            <a:extLst>
+              <a:ext uri="{FF2B5EF4-FFF2-40B4-BE49-F238E27FC236}">
+                <a16:creationId xmlns:a16="http://schemas.microsoft.com/office/drawing/2014/main" id="{0C2CD08B-F629-4834-AD0E-0C021DB5D91D}"/>
+              </a:ext>
+            </a:extLst>
+          </p:cNvPr>
+          <p:cNvPicPr>
+            <a:picLocks noChangeAspect="1"/>
+          </p:cNvPicPr>
+          <p:nvPr/>
+        </p:nvPicPr>
+        <p:blipFill>
+          <a:blip r:embed="rId4">
+            <a:extLst>
+              <a:ext uri="{28A0092B-C50C-407E-A947-70E740481C1C}">
+                <a14:useLocalDpi xmlns:a14="http://schemas.microsoft.com/office/drawing/2010/main" val="0"/>
+              </a:ext>
+              <a:ext uri="{96DAC541-7B7A-43D3-8B79-37D633B846F1}">
+                <asvg:svgBlip xmlns:asvg="http://schemas.microsoft.com/office/drawing/2016/SVG/main" r:embed="rId5"/>
+              </a:ext>
+            </a:extLst>
+          </a:blip>
+          <a:stretch>
+            <a:fillRect/>
+          </a:stretch>
+        </p:blipFill>
+        <p:spPr>
+          <a:xfrm>
+            <a:off x="8022407" y="1420051"/>
+            <a:ext cx="404272" cy="404272"/>
+          </a:xfrm>
+          <a:prstGeom prst="rect">
+            <a:avLst/>
+          </a:prstGeom>
+        </p:spPr>
+      </p:pic>
+      <p:pic>
+        <p:nvPicPr>
+          <p:cNvPr id="58" name="グラフィックス 57">
+            <a:extLst>
+              <a:ext uri="{FF2B5EF4-FFF2-40B4-BE49-F238E27FC236}">
+                <a16:creationId xmlns:a16="http://schemas.microsoft.com/office/drawing/2014/main" id="{1530B479-041D-4A6D-A2A6-52B02732F081}"/>
+              </a:ext>
+            </a:extLst>
+          </p:cNvPr>
+          <p:cNvPicPr>
+            <a:picLocks noChangeAspect="1"/>
+          </p:cNvPicPr>
+          <p:nvPr/>
+        </p:nvPicPr>
+        <p:blipFill>
+          <a:blip r:embed="rId4">
+            <a:extLst>
+              <a:ext uri="{28A0092B-C50C-407E-A947-70E740481C1C}">
+                <a14:useLocalDpi xmlns:a14="http://schemas.microsoft.com/office/drawing/2010/main" val="0"/>
+              </a:ext>
+              <a:ext uri="{96DAC541-7B7A-43D3-8B79-37D633B846F1}">
+                <asvg:svgBlip xmlns:asvg="http://schemas.microsoft.com/office/drawing/2016/SVG/main" r:embed="rId5"/>
+              </a:ext>
+            </a:extLst>
+          </a:blip>
+          <a:stretch>
+            <a:fillRect/>
+          </a:stretch>
+        </p:blipFill>
+        <p:spPr>
+          <a:xfrm>
+            <a:off x="8174807" y="1572451"/>
+            <a:ext cx="404272" cy="404272"/>
+          </a:xfrm>
+          <a:prstGeom prst="rect">
+            <a:avLst/>
+          </a:prstGeom>
+        </p:spPr>
+      </p:pic>
+      <p:sp>
+        <p:nvSpPr>
+          <p:cNvPr id="60" name="テキスト ボックス 59">
+            <a:extLst>
+              <a:ext uri="{FF2B5EF4-FFF2-40B4-BE49-F238E27FC236}">
+                <a16:creationId xmlns:a16="http://schemas.microsoft.com/office/drawing/2014/main" id="{0E241092-B2A8-41A5-8F59-A5E1B3605ED2}"/>
+              </a:ext>
+            </a:extLst>
+          </p:cNvPr>
+          <p:cNvSpPr txBox="1"/>
+          <p:nvPr/>
+        </p:nvSpPr>
+        <p:spPr>
+          <a:xfrm>
+            <a:off x="7537184" y="1849784"/>
+            <a:ext cx="902811" cy="307777"/>
+          </a:xfrm>
+          <a:prstGeom prst="rect">
+            <a:avLst/>
+          </a:prstGeom>
+          <a:noFill/>
+        </p:spPr>
+        <p:txBody>
+          <a:bodyPr wrap="none" rtlCol="0">
+            <a:spAutoFit/>
+          </a:bodyPr>
+          <a:lstStyle/>
+          <a:p>
+            <a:r>
+              <a:rPr kumimoji="1" lang="ja-JP" altLang="en-US" sz="1400" dirty="0"/>
+              <a:t>コンテナ</a:t>
+            </a:r>
+          </a:p>
+        </p:txBody>
+      </p:sp>
+      <p:pic>
+        <p:nvPicPr>
+          <p:cNvPr id="62" name="図 61" descr="アイコン&#10;&#10;自動的に生成された説明">
+            <a:extLst>
+              <a:ext uri="{FF2B5EF4-FFF2-40B4-BE49-F238E27FC236}">
+                <a16:creationId xmlns:a16="http://schemas.microsoft.com/office/drawing/2014/main" id="{476990EA-99EF-4AB6-B53A-0F74C98C41F2}"/>
+              </a:ext>
+            </a:extLst>
+          </p:cNvPr>
+          <p:cNvPicPr>
+            <a:picLocks noChangeAspect="1"/>
+          </p:cNvPicPr>
+          <p:nvPr/>
+        </p:nvPicPr>
+        <p:blipFill>
+          <a:blip r:embed="rId6">
+            <a:extLst>
+              <a:ext uri="{28A0092B-C50C-407E-A947-70E740481C1C}">
+                <a14:useLocalDpi xmlns:a14="http://schemas.microsoft.com/office/drawing/2010/main" val="0"/>
+              </a:ext>
+            </a:extLst>
+          </a:blip>
+          <a:stretch>
+            <a:fillRect/>
+          </a:stretch>
+        </p:blipFill>
+        <p:spPr>
+          <a:xfrm>
+            <a:off x="9787964" y="1426081"/>
+            <a:ext cx="246123" cy="527405"/>
+          </a:xfrm>
+          <a:prstGeom prst="rect">
+            <a:avLst/>
+          </a:prstGeom>
+        </p:spPr>
+      </p:pic>
+      <p:pic>
+        <p:nvPicPr>
+          <p:cNvPr id="64" name="図 63" descr="文字が書かれた看板&#10;&#10;自動的に生成された説明">
+            <a:extLst>
+              <a:ext uri="{FF2B5EF4-FFF2-40B4-BE49-F238E27FC236}">
+                <a16:creationId xmlns:a16="http://schemas.microsoft.com/office/drawing/2014/main" id="{02B72BEE-B8E3-4B13-9219-B800D0B860AC}"/>
+              </a:ext>
+            </a:extLst>
+          </p:cNvPr>
+          <p:cNvPicPr>
+            <a:picLocks noChangeAspect="1"/>
+          </p:cNvPicPr>
+          <p:nvPr/>
+        </p:nvPicPr>
+        <p:blipFill>
+          <a:blip r:embed="rId7">
+            <a:extLst>
+              <a:ext uri="{28A0092B-C50C-407E-A947-70E740481C1C}">
+                <a14:useLocalDpi xmlns:a14="http://schemas.microsoft.com/office/drawing/2010/main" val="0"/>
+              </a:ext>
+            </a:extLst>
+          </a:blip>
+          <a:stretch>
+            <a:fillRect/>
+          </a:stretch>
+        </p:blipFill>
+        <p:spPr>
+          <a:xfrm>
+            <a:off x="10455633" y="1431905"/>
+            <a:ext cx="246123" cy="527405"/>
+          </a:xfrm>
+          <a:prstGeom prst="rect">
+            <a:avLst/>
+          </a:prstGeom>
+        </p:spPr>
+      </p:pic>
+      <p:pic>
+        <p:nvPicPr>
+          <p:cNvPr id="66" name="図 65" descr="白いバックグラウンドの前にある交通標識&#10;&#10;自動的に生成された説明">
+            <a:extLst>
+              <a:ext uri="{FF2B5EF4-FFF2-40B4-BE49-F238E27FC236}">
+                <a16:creationId xmlns:a16="http://schemas.microsoft.com/office/drawing/2014/main" id="{003BCB73-B30C-4D93-B8EF-1A355C24DD98}"/>
+              </a:ext>
+            </a:extLst>
+          </p:cNvPr>
+          <p:cNvPicPr>
+            <a:picLocks noChangeAspect="1"/>
+          </p:cNvPicPr>
+          <p:nvPr/>
+        </p:nvPicPr>
+        <p:blipFill>
+          <a:blip r:embed="rId8">
+            <a:extLst>
+              <a:ext uri="{28A0092B-C50C-407E-A947-70E740481C1C}">
+                <a14:useLocalDpi xmlns:a14="http://schemas.microsoft.com/office/drawing/2010/main" val="0"/>
+              </a:ext>
+            </a:extLst>
+          </a:blip>
+          <a:stretch>
+            <a:fillRect/>
+          </a:stretch>
+        </p:blipFill>
+        <p:spPr>
+          <a:xfrm>
+            <a:off x="10979923" y="1427378"/>
+            <a:ext cx="583734" cy="583734"/>
+          </a:xfrm>
+          <a:prstGeom prst="rect">
+            <a:avLst/>
+          </a:prstGeom>
+        </p:spPr>
+      </p:pic>
+      <p:sp>
+        <p:nvSpPr>
+          <p:cNvPr id="69" name="テキスト ボックス 68">
+            <a:extLst>
+              <a:ext uri="{FF2B5EF4-FFF2-40B4-BE49-F238E27FC236}">
+                <a16:creationId xmlns:a16="http://schemas.microsoft.com/office/drawing/2014/main" id="{E978C273-1577-4D0D-82F4-D382077D6422}"/>
+              </a:ext>
+            </a:extLst>
+          </p:cNvPr>
+          <p:cNvSpPr txBox="1"/>
+          <p:nvPr/>
+        </p:nvSpPr>
+        <p:spPr>
+          <a:xfrm>
+            <a:off x="3208275" y="2186551"/>
+            <a:ext cx="3879588" cy="307777"/>
+          </a:xfrm>
+          <a:prstGeom prst="rect">
+            <a:avLst/>
+          </a:prstGeom>
+          <a:noFill/>
+        </p:spPr>
+        <p:txBody>
+          <a:bodyPr wrap="none" rtlCol="0">
+            <a:spAutoFit/>
+          </a:bodyPr>
+          <a:lstStyle/>
+          <a:p>
+            <a:r>
+              <a:rPr lang="en-US" altLang="ja-JP" sz="1400" dirty="0"/>
+              <a:t>https://accountName.blob.core.windows.net</a:t>
+            </a:r>
+            <a:endParaRPr kumimoji="1" lang="ja-JP" altLang="en-US" sz="1400" dirty="0"/>
+          </a:p>
+        </p:txBody>
+      </p:sp>
+      <p:pic>
+        <p:nvPicPr>
+          <p:cNvPr id="71" name="グラフィックス 70">
+            <a:extLst>
+              <a:ext uri="{FF2B5EF4-FFF2-40B4-BE49-F238E27FC236}">
+                <a16:creationId xmlns:a16="http://schemas.microsoft.com/office/drawing/2014/main" id="{20387635-2809-459F-88C2-493690F39938}"/>
+              </a:ext>
+            </a:extLst>
+          </p:cNvPr>
+          <p:cNvPicPr>
+            <a:picLocks noChangeAspect="1"/>
+          </p:cNvPicPr>
+          <p:nvPr/>
+        </p:nvPicPr>
+        <p:blipFill>
+          <a:blip r:embed="rId9">
+            <a:extLst>
+              <a:ext uri="{28A0092B-C50C-407E-A947-70E740481C1C}">
+                <a14:useLocalDpi xmlns:a14="http://schemas.microsoft.com/office/drawing/2010/main" val="0"/>
+              </a:ext>
+              <a:ext uri="{96DAC541-7B7A-43D3-8B79-37D633B846F1}">
+                <asvg:svgBlip xmlns:asvg="http://schemas.microsoft.com/office/drawing/2016/SVG/main" r:embed="rId10"/>
+              </a:ext>
+            </a:extLst>
+          </a:blip>
+          <a:stretch>
+            <a:fillRect/>
+          </a:stretch>
+        </p:blipFill>
+        <p:spPr>
+          <a:xfrm>
+            <a:off x="1282547" y="2021843"/>
+            <a:ext cx="1121337" cy="866487"/>
+          </a:xfrm>
+          <a:prstGeom prst="rect">
+            <a:avLst/>
+          </a:prstGeom>
+        </p:spPr>
+      </p:pic>
+      <p:cxnSp>
+        <p:nvCxnSpPr>
+          <p:cNvPr id="73" name="直線矢印コネクタ 72">
+            <a:extLst>
+              <a:ext uri="{FF2B5EF4-FFF2-40B4-BE49-F238E27FC236}">
+                <a16:creationId xmlns:a16="http://schemas.microsoft.com/office/drawing/2014/main" id="{05AFE3A3-2FBB-4F36-A544-DD26E594B316}"/>
+              </a:ext>
+            </a:extLst>
+          </p:cNvPr>
+          <p:cNvCxnSpPr>
+            <a:endCxn id="7" idx="2"/>
+          </p:cNvCxnSpPr>
+          <p:nvPr/>
+        </p:nvCxnSpPr>
+        <p:spPr>
+          <a:xfrm flipV="1">
+            <a:off x="2155924" y="1689786"/>
+            <a:ext cx="1257706" cy="496765"/>
+          </a:xfrm>
+          <a:prstGeom prst="straightConnector1">
+            <a:avLst/>
+          </a:prstGeom>
+          <a:ln w="38100" cap="flat" cmpd="sng" algn="ctr">
+            <a:solidFill>
+              <a:schemeClr val="accent6"/>
+            </a:solidFill>
+            <a:prstDash val="solid"/>
+            <a:round/>
+            <a:headEnd type="none" w="med" len="med"/>
+            <a:tailEnd type="arrow" w="med" len="med"/>
+          </a:ln>
+        </p:spPr>
+        <p:style>
+          <a:lnRef idx="0">
+            <a:scrgbClr r="0" g="0" b="0"/>
+          </a:lnRef>
+          <a:fillRef idx="0">
+            <a:scrgbClr r="0" g="0" b="0"/>
+          </a:fillRef>
+          <a:effectRef idx="0">
+            <a:scrgbClr r="0" g="0" b="0"/>
+          </a:effectRef>
+          <a:fontRef idx="minor">
+            <a:schemeClr val="tx1"/>
+          </a:fontRef>
+        </p:style>
+      </p:cxnSp>
+      <p:cxnSp>
+        <p:nvCxnSpPr>
+          <p:cNvPr id="75" name="直線矢印コネクタ 74">
+            <a:extLst>
+              <a:ext uri="{FF2B5EF4-FFF2-40B4-BE49-F238E27FC236}">
+                <a16:creationId xmlns:a16="http://schemas.microsoft.com/office/drawing/2014/main" id="{2ED93F28-CBAA-46A1-98B2-FD24170B1570}"/>
+              </a:ext>
+            </a:extLst>
+          </p:cNvPr>
+          <p:cNvCxnSpPr>
+            <a:cxnSpLocks/>
+          </p:cNvCxnSpPr>
+          <p:nvPr/>
+        </p:nvCxnSpPr>
+        <p:spPr>
+          <a:xfrm flipV="1">
+            <a:off x="3701218" y="1590517"/>
+            <a:ext cx="3747416" cy="5339"/>
+          </a:xfrm>
+          <a:prstGeom prst="straightConnector1">
+            <a:avLst/>
+          </a:prstGeom>
+          <a:ln w="38100" cap="flat" cmpd="sng" algn="ctr">
+            <a:solidFill>
+              <a:schemeClr val="accent6"/>
+            </a:solidFill>
+            <a:prstDash val="solid"/>
+            <a:round/>
+            <a:headEnd type="none" w="med" len="med"/>
+            <a:tailEnd type="arrow" w="med" len="med"/>
+          </a:ln>
+        </p:spPr>
+        <p:style>
+          <a:lnRef idx="0">
+            <a:scrgbClr r="0" g="0" b="0"/>
+          </a:lnRef>
+          <a:fillRef idx="0">
+            <a:scrgbClr r="0" g="0" b="0"/>
+          </a:fillRef>
+          <a:effectRef idx="0">
+            <a:scrgbClr r="0" g="0" b="0"/>
+          </a:effectRef>
+          <a:fontRef idx="minor">
+            <a:schemeClr val="tx1"/>
+          </a:fontRef>
+        </p:style>
+      </p:cxnSp>
+      <p:sp>
+        <p:nvSpPr>
+          <p:cNvPr id="85" name="テキスト ボックス 84">
+            <a:extLst>
+              <a:ext uri="{FF2B5EF4-FFF2-40B4-BE49-F238E27FC236}">
+                <a16:creationId xmlns:a16="http://schemas.microsoft.com/office/drawing/2014/main" id="{AB69B772-9316-426D-9FA5-7328DDBA9472}"/>
+              </a:ext>
+            </a:extLst>
+          </p:cNvPr>
+          <p:cNvSpPr txBox="1"/>
+          <p:nvPr/>
+        </p:nvSpPr>
+        <p:spPr>
+          <a:xfrm>
+            <a:off x="1649770" y="1407780"/>
+            <a:ext cx="1599540" cy="523220"/>
+          </a:xfrm>
+          <a:prstGeom prst="rect">
+            <a:avLst/>
+          </a:prstGeom>
+          <a:noFill/>
+        </p:spPr>
+        <p:txBody>
+          <a:bodyPr wrap="square" rtlCol="0">
+            <a:spAutoFit/>
+          </a:bodyPr>
+          <a:lstStyle/>
+          <a:p>
+            <a:r>
+              <a:rPr kumimoji="1" lang="ja-JP" altLang="en-US" sz="1400" dirty="0"/>
+              <a:t>読取・書込などのデータ操作</a:t>
+            </a:r>
+          </a:p>
+        </p:txBody>
+      </p:sp>
+      <p:pic>
+        <p:nvPicPr>
+          <p:cNvPr id="8" name="グラフィックス 7">
+            <a:extLst>
+              <a:ext uri="{FF2B5EF4-FFF2-40B4-BE49-F238E27FC236}">
+                <a16:creationId xmlns:a16="http://schemas.microsoft.com/office/drawing/2014/main" id="{3D3BD125-43FB-48C2-93DC-A22539D38C68}"/>
+              </a:ext>
+            </a:extLst>
+          </p:cNvPr>
+          <p:cNvPicPr>
+            <a:picLocks noChangeAspect="1"/>
+          </p:cNvPicPr>
+          <p:nvPr/>
+        </p:nvPicPr>
+        <p:blipFill>
+          <a:blip r:embed="rId11">
+            <a:extLst>
+              <a:ext uri="{28A0092B-C50C-407E-A947-70E740481C1C}">
+                <a14:useLocalDpi xmlns:a14="http://schemas.microsoft.com/office/drawing/2010/main" val="0"/>
+              </a:ext>
+              <a:ext uri="{96DAC541-7B7A-43D3-8B79-37D633B846F1}">
+                <asvg:svgBlip xmlns:asvg="http://schemas.microsoft.com/office/drawing/2016/SVG/main" r:embed="rId12"/>
+              </a:ext>
+            </a:extLst>
+          </a:blip>
+          <a:stretch>
+            <a:fillRect/>
+          </a:stretch>
+        </p:blipFill>
+        <p:spPr>
+          <a:xfrm>
+            <a:off x="1348350" y="2426566"/>
+            <a:ext cx="476250" cy="476250"/>
+          </a:xfrm>
+          <a:prstGeom prst="rect">
+            <a:avLst/>
+          </a:prstGeom>
+        </p:spPr>
+      </p:pic>
+      <p:cxnSp>
+        <p:nvCxnSpPr>
+          <p:cNvPr id="12" name="コネクタ: カギ線 11">
+            <a:extLst>
+              <a:ext uri="{FF2B5EF4-FFF2-40B4-BE49-F238E27FC236}">
+                <a16:creationId xmlns:a16="http://schemas.microsoft.com/office/drawing/2014/main" id="{A7940C4F-FB47-47CA-A2A0-4E41803B8080}"/>
+              </a:ext>
+            </a:extLst>
+          </p:cNvPr>
+          <p:cNvCxnSpPr>
+            <a:cxnSpLocks/>
+            <a:stCxn id="25" idx="2"/>
+            <a:endCxn id="8" idx="2"/>
+          </p:cNvCxnSpPr>
+          <p:nvPr/>
+        </p:nvCxnSpPr>
+        <p:spPr>
+          <a:xfrm rot="5400000" flipH="1">
+            <a:off x="4397838" y="91454"/>
+            <a:ext cx="523906" cy="6146631"/>
+          </a:xfrm>
+          <a:prstGeom prst="bentConnector3">
+            <a:avLst>
+              <a:gd name="adj1" fmla="val -43634"/>
+            </a:avLst>
+          </a:prstGeom>
+          <a:ln w="38100" cap="flat" cmpd="sng" algn="ctr">
+            <a:solidFill>
+              <a:schemeClr val="accent6"/>
+            </a:solidFill>
+            <a:prstDash val="dash"/>
+            <a:round/>
+            <a:headEnd type="none" w="med" len="med"/>
+            <a:tailEnd type="arrow" w="med" len="med"/>
+          </a:ln>
+        </p:spPr>
+        <p:style>
+          <a:lnRef idx="0">
+            <a:scrgbClr r="0" g="0" b="0"/>
+          </a:lnRef>
+          <a:fillRef idx="0">
+            <a:scrgbClr r="0" g="0" b="0"/>
+          </a:fillRef>
+          <a:effectRef idx="0">
+            <a:scrgbClr r="0" g="0" b="0"/>
+          </a:effectRef>
+          <a:fontRef idx="minor">
+            <a:schemeClr val="tx1"/>
+          </a:fontRef>
+        </p:style>
+      </p:cxnSp>
+      <p:sp>
+        <p:nvSpPr>
+          <p:cNvPr id="18" name="テキスト ボックス 17">
+            <a:extLst>
+              <a:ext uri="{FF2B5EF4-FFF2-40B4-BE49-F238E27FC236}">
+                <a16:creationId xmlns:a16="http://schemas.microsoft.com/office/drawing/2014/main" id="{A1250A61-6F82-4179-9C8D-04B14BB78F8C}"/>
+              </a:ext>
+            </a:extLst>
+          </p:cNvPr>
+          <p:cNvSpPr txBox="1"/>
+          <p:nvPr/>
+        </p:nvSpPr>
+        <p:spPr>
+          <a:xfrm>
+            <a:off x="1630050" y="3307539"/>
+            <a:ext cx="1082348" cy="307777"/>
+          </a:xfrm>
+          <a:prstGeom prst="rect">
+            <a:avLst/>
+          </a:prstGeom>
+          <a:noFill/>
+        </p:spPr>
+        <p:txBody>
+          <a:bodyPr wrap="none" rtlCol="0">
+            <a:spAutoFit/>
+          </a:bodyPr>
+          <a:lstStyle/>
+          <a:p>
+            <a:r>
+              <a:rPr kumimoji="1" lang="ja-JP" altLang="en-US" sz="1400" dirty="0"/>
+              <a:t>キーの取得</a:t>
+            </a:r>
+          </a:p>
+        </p:txBody>
+      </p:sp>
+    </p:spTree>
+    <p:extLst>
+      <p:ext uri="{BB962C8B-B14F-4D97-AF65-F5344CB8AC3E}">
+        <p14:creationId xmlns:p14="http://schemas.microsoft.com/office/powerpoint/2010/main" val="1555516627"/>
+      </p:ext>
+    </p:extLst>
+  </p:cSld>
+  <p:clrMapOvr>
+    <a:masterClrMapping/>
+  </p:clrMapOvr>
+</p:sld>
+</file>
+
 <file path=ppt/theme/theme1.xml><?xml version="1.0" encoding="utf-8"?>
 <a:theme xmlns:a="http://schemas.openxmlformats.org/drawingml/2006/main" name="Office テーマ">
   <a:themeElements>

--- a/azure-blob-control-and-data-access/images/figures.pptx
+++ b/azure-blob-control-and-data-access/images/figures.pptx
@@ -9,6 +9,7 @@
     <p:sldId id="257" r:id="rId3"/>
     <p:sldId id="258" r:id="rId4"/>
     <p:sldId id="259" r:id="rId5"/>
+    <p:sldId id="260" r:id="rId6"/>
   </p:sldIdLst>
   <p:sldSz cx="12192000" cy="6858000"/>
   <p:notesSz cx="6858000" cy="9144000"/>
@@ -262,7 +263,7 @@
           <a:p>
             <a:fld id="{A0E068F2-FF34-4200-B474-E4A93D28ED02}" type="datetimeFigureOut">
               <a:rPr kumimoji="1" lang="ja-JP" altLang="en-US" smtClean="0"/>
-              <a:t>2021/6/7</a:t>
+              <a:t>2021/6/8</a:t>
             </a:fld>
             <a:endParaRPr kumimoji="1" lang="ja-JP" altLang="en-US"/>
           </a:p>
@@ -492,7 +493,7 @@
           <a:p>
             <a:fld id="{A0E068F2-FF34-4200-B474-E4A93D28ED02}" type="datetimeFigureOut">
               <a:rPr kumimoji="1" lang="ja-JP" altLang="en-US" smtClean="0"/>
-              <a:t>2021/6/7</a:t>
+              <a:t>2021/6/8</a:t>
             </a:fld>
             <a:endParaRPr kumimoji="1" lang="ja-JP" altLang="en-US"/>
           </a:p>
@@ -732,7 +733,7 @@
           <a:p>
             <a:fld id="{A0E068F2-FF34-4200-B474-E4A93D28ED02}" type="datetimeFigureOut">
               <a:rPr kumimoji="1" lang="ja-JP" altLang="en-US" smtClean="0"/>
-              <a:t>2021/6/7</a:t>
+              <a:t>2021/6/8</a:t>
             </a:fld>
             <a:endParaRPr kumimoji="1" lang="ja-JP" altLang="en-US"/>
           </a:p>
@@ -962,7 +963,7 @@
           <a:p>
             <a:fld id="{A0E068F2-FF34-4200-B474-E4A93D28ED02}" type="datetimeFigureOut">
               <a:rPr kumimoji="1" lang="ja-JP" altLang="en-US" smtClean="0"/>
-              <a:t>2021/6/7</a:t>
+              <a:t>2021/6/8</a:t>
             </a:fld>
             <a:endParaRPr kumimoji="1" lang="ja-JP" altLang="en-US"/>
           </a:p>
@@ -1237,7 +1238,7 @@
           <a:p>
             <a:fld id="{A0E068F2-FF34-4200-B474-E4A93D28ED02}" type="datetimeFigureOut">
               <a:rPr kumimoji="1" lang="ja-JP" altLang="en-US" smtClean="0"/>
-              <a:t>2021/6/7</a:t>
+              <a:t>2021/6/8</a:t>
             </a:fld>
             <a:endParaRPr kumimoji="1" lang="ja-JP" altLang="en-US"/>
           </a:p>
@@ -1566,7 +1567,7 @@
           <a:p>
             <a:fld id="{A0E068F2-FF34-4200-B474-E4A93D28ED02}" type="datetimeFigureOut">
               <a:rPr kumimoji="1" lang="ja-JP" altLang="en-US" smtClean="0"/>
-              <a:t>2021/6/7</a:t>
+              <a:t>2021/6/8</a:t>
             </a:fld>
             <a:endParaRPr kumimoji="1" lang="ja-JP" altLang="en-US"/>
           </a:p>
@@ -2042,7 +2043,7 @@
           <a:p>
             <a:fld id="{A0E068F2-FF34-4200-B474-E4A93D28ED02}" type="datetimeFigureOut">
               <a:rPr kumimoji="1" lang="ja-JP" altLang="en-US" smtClean="0"/>
-              <a:t>2021/6/7</a:t>
+              <a:t>2021/6/8</a:t>
             </a:fld>
             <a:endParaRPr kumimoji="1" lang="ja-JP" altLang="en-US"/>
           </a:p>
@@ -2183,7 +2184,7 @@
           <a:p>
             <a:fld id="{A0E068F2-FF34-4200-B474-E4A93D28ED02}" type="datetimeFigureOut">
               <a:rPr kumimoji="1" lang="ja-JP" altLang="en-US" smtClean="0"/>
-              <a:t>2021/6/7</a:t>
+              <a:t>2021/6/8</a:t>
             </a:fld>
             <a:endParaRPr kumimoji="1" lang="ja-JP" altLang="en-US"/>
           </a:p>
@@ -2296,7 +2297,7 @@
           <a:p>
             <a:fld id="{A0E068F2-FF34-4200-B474-E4A93D28ED02}" type="datetimeFigureOut">
               <a:rPr kumimoji="1" lang="ja-JP" altLang="en-US" smtClean="0"/>
-              <a:t>2021/6/7</a:t>
+              <a:t>2021/6/8</a:t>
             </a:fld>
             <a:endParaRPr kumimoji="1" lang="ja-JP" altLang="en-US"/>
           </a:p>
@@ -2639,7 +2640,7 @@
           <a:p>
             <a:fld id="{A0E068F2-FF34-4200-B474-E4A93D28ED02}" type="datetimeFigureOut">
               <a:rPr kumimoji="1" lang="ja-JP" altLang="en-US" smtClean="0"/>
-              <a:t>2021/6/7</a:t>
+              <a:t>2021/6/8</a:t>
             </a:fld>
             <a:endParaRPr kumimoji="1" lang="ja-JP" altLang="en-US"/>
           </a:p>
@@ -2927,7 +2928,7 @@
           <a:p>
             <a:fld id="{A0E068F2-FF34-4200-B474-E4A93D28ED02}" type="datetimeFigureOut">
               <a:rPr kumimoji="1" lang="ja-JP" altLang="en-US" smtClean="0"/>
-              <a:t>2021/6/7</a:t>
+              <a:t>2021/6/8</a:t>
             </a:fld>
             <a:endParaRPr kumimoji="1" lang="ja-JP" altLang="en-US"/>
           </a:p>
@@ -3200,7 +3201,7 @@
           <a:p>
             <a:fld id="{A0E068F2-FF34-4200-B474-E4A93D28ED02}" type="datetimeFigureOut">
               <a:rPr kumimoji="1" lang="ja-JP" altLang="en-US" smtClean="0"/>
-              <a:t>2021/6/7</a:t>
+              <a:t>2021/6/8</a:t>
             </a:fld>
             <a:endParaRPr kumimoji="1" lang="ja-JP" altLang="en-US"/>
           </a:p>
@@ -6426,6 +6427,963 @@
 </p:sld>
 </file>
 
+<file path=ppt/slides/slide5.xml><?xml version="1.0" encoding="utf-8"?>
+<p:sld xmlns:a="http://schemas.openxmlformats.org/drawingml/2006/main" xmlns:r="http://schemas.openxmlformats.org/officeDocument/2006/relationships" xmlns:p="http://schemas.openxmlformats.org/presentationml/2006/main">
+  <p:cSld>
+    <p:spTree>
+      <p:nvGrpSpPr>
+        <p:cNvPr id="1" name=""/>
+        <p:cNvGrpSpPr/>
+        <p:nvPr/>
+      </p:nvGrpSpPr>
+      <p:grpSpPr>
+        <a:xfrm>
+          <a:off x="0" y="0"/>
+          <a:ext cx="0" cy="0"/>
+          <a:chOff x="0" y="0"/>
+          <a:chExt cx="0" cy="0"/>
+        </a:xfrm>
+      </p:grpSpPr>
+      <p:sp>
+        <p:nvSpPr>
+          <p:cNvPr id="6" name="四角形: 角を丸くする 5">
+            <a:extLst>
+              <a:ext uri="{FF2B5EF4-FFF2-40B4-BE49-F238E27FC236}">
+                <a16:creationId xmlns:a16="http://schemas.microsoft.com/office/drawing/2014/main" id="{EC28EE7C-AE8C-439F-8934-4FDFCA73EC8F}"/>
+              </a:ext>
+            </a:extLst>
+          </p:cNvPr>
+          <p:cNvSpPr/>
+          <p:nvPr/>
+        </p:nvSpPr>
+        <p:spPr>
+          <a:xfrm>
+            <a:off x="4694984" y="1223702"/>
+            <a:ext cx="1756618" cy="932169"/>
+          </a:xfrm>
+          <a:prstGeom prst="roundRect">
+            <a:avLst/>
+          </a:prstGeom>
+          <a:noFill/>
+          <a:ln w="28575"/>
+        </p:spPr>
+        <p:style>
+          <a:lnRef idx="2">
+            <a:schemeClr val="accent1">
+              <a:shade val="50000"/>
+            </a:schemeClr>
+          </a:lnRef>
+          <a:fillRef idx="1">
+            <a:schemeClr val="accent1"/>
+          </a:fillRef>
+          <a:effectRef idx="0">
+            <a:schemeClr val="accent1"/>
+          </a:effectRef>
+          <a:fontRef idx="minor">
+            <a:schemeClr val="lt1"/>
+          </a:fontRef>
+        </p:style>
+        <p:txBody>
+          <a:bodyPr rtlCol="0" anchor="ctr"/>
+          <a:lstStyle/>
+          <a:p>
+            <a:r>
+              <a:rPr kumimoji="1" lang="ja-JP" altLang="en-US" dirty="0">
+                <a:solidFill>
+                  <a:schemeClr val="tx1"/>
+                </a:solidFill>
+              </a:rPr>
+              <a:t>データ</a:t>
+            </a:r>
+            <a:br>
+              <a:rPr kumimoji="1" lang="en-US" altLang="ja-JP" dirty="0">
+                <a:solidFill>
+                  <a:schemeClr val="tx1"/>
+                </a:solidFill>
+              </a:rPr>
+            </a:br>
+            <a:r>
+              <a:rPr kumimoji="1" lang="ja-JP" altLang="en-US" dirty="0">
+                <a:solidFill>
+                  <a:schemeClr val="tx1"/>
+                </a:solidFill>
+              </a:rPr>
+              <a:t>プレーン</a:t>
+            </a:r>
+          </a:p>
+        </p:txBody>
+      </p:sp>
+      <p:sp>
+        <p:nvSpPr>
+          <p:cNvPr id="7" name="楕円 6">
+            <a:extLst>
+              <a:ext uri="{FF2B5EF4-FFF2-40B4-BE49-F238E27FC236}">
+                <a16:creationId xmlns:a16="http://schemas.microsoft.com/office/drawing/2014/main" id="{E62BD395-278A-47E0-A356-513DCA97FAF2}"/>
+              </a:ext>
+            </a:extLst>
+          </p:cNvPr>
+          <p:cNvSpPr/>
+          <p:nvPr/>
+        </p:nvSpPr>
+        <p:spPr>
+          <a:xfrm>
+            <a:off x="3413630" y="1540791"/>
+            <a:ext cx="297989" cy="297989"/>
+          </a:xfrm>
+          <a:prstGeom prst="ellipse">
+            <a:avLst/>
+          </a:prstGeom>
+        </p:spPr>
+        <p:style>
+          <a:lnRef idx="2">
+            <a:schemeClr val="accent1">
+              <a:shade val="50000"/>
+            </a:schemeClr>
+          </a:lnRef>
+          <a:fillRef idx="1">
+            <a:schemeClr val="accent1"/>
+          </a:fillRef>
+          <a:effectRef idx="0">
+            <a:schemeClr val="accent1"/>
+          </a:effectRef>
+          <a:fontRef idx="minor">
+            <a:schemeClr val="lt1"/>
+          </a:fontRef>
+        </p:style>
+        <p:txBody>
+          <a:bodyPr rtlCol="0" anchor="ctr"/>
+          <a:lstStyle/>
+          <a:p>
+            <a:pPr algn="ctr"/>
+            <a:endParaRPr kumimoji="1" lang="ja-JP" altLang="en-US"/>
+          </a:p>
+        </p:txBody>
+      </p:sp>
+      <p:cxnSp>
+        <p:nvCxnSpPr>
+          <p:cNvPr id="9" name="直線コネクタ 8">
+            <a:extLst>
+              <a:ext uri="{FF2B5EF4-FFF2-40B4-BE49-F238E27FC236}">
+                <a16:creationId xmlns:a16="http://schemas.microsoft.com/office/drawing/2014/main" id="{7CEA9682-0B73-447B-9710-700924131D8C}"/>
+              </a:ext>
+            </a:extLst>
+          </p:cNvPr>
+          <p:cNvCxnSpPr>
+            <a:cxnSpLocks/>
+            <a:stCxn id="7" idx="6"/>
+            <a:endCxn id="6" idx="1"/>
+          </p:cNvCxnSpPr>
+          <p:nvPr/>
+        </p:nvCxnSpPr>
+        <p:spPr>
+          <a:xfrm>
+            <a:off x="3711619" y="1689786"/>
+            <a:ext cx="983365" cy="1"/>
+          </a:xfrm>
+          <a:prstGeom prst="line">
+            <a:avLst/>
+          </a:prstGeom>
+          <a:ln w="28575"/>
+        </p:spPr>
+        <p:style>
+          <a:lnRef idx="1">
+            <a:schemeClr val="accent1"/>
+          </a:lnRef>
+          <a:fillRef idx="0">
+            <a:schemeClr val="accent1"/>
+          </a:fillRef>
+          <a:effectRef idx="0">
+            <a:schemeClr val="accent1"/>
+          </a:effectRef>
+          <a:fontRef idx="minor">
+            <a:schemeClr val="tx1"/>
+          </a:fontRef>
+        </p:style>
+      </p:cxnSp>
+      <p:pic>
+        <p:nvPicPr>
+          <p:cNvPr id="25" name="グラフィックス 24">
+            <a:extLst>
+              <a:ext uri="{FF2B5EF4-FFF2-40B4-BE49-F238E27FC236}">
+                <a16:creationId xmlns:a16="http://schemas.microsoft.com/office/drawing/2014/main" id="{4EA477ED-7EFB-4787-8F2B-88475753B17D}"/>
+              </a:ext>
+            </a:extLst>
+          </p:cNvPr>
+          <p:cNvPicPr>
+            <a:picLocks noChangeAspect="1"/>
+          </p:cNvPicPr>
+          <p:nvPr/>
+        </p:nvPicPr>
+        <p:blipFill>
+          <a:blip r:embed="rId2">
+            <a:extLst>
+              <a:ext uri="{28A0092B-C50C-407E-A947-70E740481C1C}">
+                <a14:useLocalDpi xmlns:a14="http://schemas.microsoft.com/office/drawing/2010/main" val="0"/>
+              </a:ext>
+              <a:ext uri="{96DAC541-7B7A-43D3-8B79-37D633B846F1}">
+                <asvg:svgBlip xmlns:asvg="http://schemas.microsoft.com/office/drawing/2016/SVG/main" r:embed="rId3"/>
+              </a:ext>
+            </a:extLst>
+          </a:blip>
+          <a:stretch>
+            <a:fillRect/>
+          </a:stretch>
+        </p:blipFill>
+        <p:spPr>
+          <a:xfrm>
+            <a:off x="7437158" y="2834827"/>
+            <a:ext cx="591895" cy="591895"/>
+          </a:xfrm>
+          <a:prstGeom prst="rect">
+            <a:avLst/>
+          </a:prstGeom>
+        </p:spPr>
+      </p:pic>
+      <p:sp>
+        <p:nvSpPr>
+          <p:cNvPr id="46" name="テキスト ボックス 45">
+            <a:extLst>
+              <a:ext uri="{FF2B5EF4-FFF2-40B4-BE49-F238E27FC236}">
+                <a16:creationId xmlns:a16="http://schemas.microsoft.com/office/drawing/2014/main" id="{0D1C0DD0-0B72-4144-9179-EC2D99830AA7}"/>
+              </a:ext>
+            </a:extLst>
+          </p:cNvPr>
+          <p:cNvSpPr txBox="1"/>
+          <p:nvPr/>
+        </p:nvSpPr>
+        <p:spPr>
+          <a:xfrm>
+            <a:off x="7988589" y="2888330"/>
+            <a:ext cx="1082348" cy="523220"/>
+          </a:xfrm>
+          <a:prstGeom prst="rect">
+            <a:avLst/>
+          </a:prstGeom>
+          <a:noFill/>
+        </p:spPr>
+        <p:txBody>
+          <a:bodyPr wrap="none" rtlCol="0">
+            <a:spAutoFit/>
+          </a:bodyPr>
+          <a:lstStyle/>
+          <a:p>
+            <a:r>
+              <a:rPr lang="ja-JP" altLang="en-US" sz="1400" dirty="0"/>
+              <a:t>ストレージ</a:t>
+            </a:r>
+            <a:br>
+              <a:rPr lang="en-US" altLang="ja-JP" sz="1400" dirty="0"/>
+            </a:br>
+            <a:r>
+              <a:rPr lang="ja-JP" altLang="en-US" sz="1400" dirty="0"/>
+              <a:t>アカウント</a:t>
+            </a:r>
+            <a:endParaRPr kumimoji="1" lang="ja-JP" altLang="en-US" sz="1400" dirty="0"/>
+          </a:p>
+        </p:txBody>
+      </p:sp>
+      <p:sp>
+        <p:nvSpPr>
+          <p:cNvPr id="47" name="吹き出し: 角を丸めた四角形 46">
+            <a:extLst>
+              <a:ext uri="{FF2B5EF4-FFF2-40B4-BE49-F238E27FC236}">
+                <a16:creationId xmlns:a16="http://schemas.microsoft.com/office/drawing/2014/main" id="{CF34E990-7D1C-4EE4-8088-49DCDC058D18}"/>
+              </a:ext>
+            </a:extLst>
+          </p:cNvPr>
+          <p:cNvSpPr/>
+          <p:nvPr/>
+        </p:nvSpPr>
+        <p:spPr>
+          <a:xfrm>
+            <a:off x="7516991" y="1187976"/>
+            <a:ext cx="1334990" cy="967895"/>
+          </a:xfrm>
+          <a:prstGeom prst="wedgeRoundRectCallout">
+            <a:avLst>
+              <a:gd name="adj1" fmla="val -42165"/>
+              <a:gd name="adj2" fmla="val 137620"/>
+              <a:gd name="adj3" fmla="val 16667"/>
+            </a:avLst>
+          </a:prstGeom>
+        </p:spPr>
+        <p:style>
+          <a:lnRef idx="2">
+            <a:schemeClr val="accent1"/>
+          </a:lnRef>
+          <a:fillRef idx="1">
+            <a:schemeClr val="lt1"/>
+          </a:fillRef>
+          <a:effectRef idx="0">
+            <a:schemeClr val="accent1"/>
+          </a:effectRef>
+          <a:fontRef idx="minor">
+            <a:schemeClr val="dk1"/>
+          </a:fontRef>
+        </p:style>
+        <p:txBody>
+          <a:bodyPr rtlCol="0" anchor="ctr"/>
+          <a:lstStyle/>
+          <a:p>
+            <a:pPr algn="ctr"/>
+            <a:endParaRPr kumimoji="1" lang="ja-JP" altLang="en-US"/>
+          </a:p>
+        </p:txBody>
+      </p:sp>
+      <p:pic>
+        <p:nvPicPr>
+          <p:cNvPr id="48" name="グラフィックス 47">
+            <a:extLst>
+              <a:ext uri="{FF2B5EF4-FFF2-40B4-BE49-F238E27FC236}">
+                <a16:creationId xmlns:a16="http://schemas.microsoft.com/office/drawing/2014/main" id="{F4396ADF-A49A-498C-8D25-CA5C2B277A28}"/>
+              </a:ext>
+            </a:extLst>
+          </p:cNvPr>
+          <p:cNvPicPr>
+            <a:picLocks noChangeAspect="1"/>
+          </p:cNvPicPr>
+          <p:nvPr/>
+        </p:nvPicPr>
+        <p:blipFill>
+          <a:blip r:embed="rId4">
+            <a:extLst>
+              <a:ext uri="{28A0092B-C50C-407E-A947-70E740481C1C}">
+                <a14:useLocalDpi xmlns:a14="http://schemas.microsoft.com/office/drawing/2010/main" val="0"/>
+              </a:ext>
+              <a:ext uri="{96DAC541-7B7A-43D3-8B79-37D633B846F1}">
+                <asvg:svgBlip xmlns:asvg="http://schemas.microsoft.com/office/drawing/2016/SVG/main" r:embed="rId5"/>
+              </a:ext>
+            </a:extLst>
+          </a:blip>
+          <a:stretch>
+            <a:fillRect/>
+          </a:stretch>
+        </p:blipFill>
+        <p:spPr>
+          <a:xfrm>
+            <a:off x="7870007" y="1267651"/>
+            <a:ext cx="404272" cy="404272"/>
+          </a:xfrm>
+          <a:prstGeom prst="rect">
+            <a:avLst/>
+          </a:prstGeom>
+        </p:spPr>
+      </p:pic>
+      <p:sp>
+        <p:nvSpPr>
+          <p:cNvPr id="54" name="吹き出し: 角を丸めた四角形 53">
+            <a:extLst>
+              <a:ext uri="{FF2B5EF4-FFF2-40B4-BE49-F238E27FC236}">
+                <a16:creationId xmlns:a16="http://schemas.microsoft.com/office/drawing/2014/main" id="{CBE113A4-9919-4DA6-9F38-6C3403B8D5CB}"/>
+              </a:ext>
+            </a:extLst>
+          </p:cNvPr>
+          <p:cNvSpPr/>
+          <p:nvPr/>
+        </p:nvSpPr>
+        <p:spPr>
+          <a:xfrm>
+            <a:off x="9509797" y="1205837"/>
+            <a:ext cx="2157439" cy="967895"/>
+          </a:xfrm>
+          <a:prstGeom prst="wedgeRoundRectCallout">
+            <a:avLst>
+              <a:gd name="adj1" fmla="val -100075"/>
+              <a:gd name="adj2" fmla="val 13856"/>
+              <a:gd name="adj3" fmla="val 16667"/>
+            </a:avLst>
+          </a:prstGeom>
+        </p:spPr>
+        <p:style>
+          <a:lnRef idx="2">
+            <a:schemeClr val="accent1"/>
+          </a:lnRef>
+          <a:fillRef idx="1">
+            <a:schemeClr val="lt1"/>
+          </a:fillRef>
+          <a:effectRef idx="0">
+            <a:schemeClr val="accent1"/>
+          </a:effectRef>
+          <a:fontRef idx="minor">
+            <a:schemeClr val="dk1"/>
+          </a:fontRef>
+        </p:style>
+        <p:txBody>
+          <a:bodyPr rtlCol="0" anchor="ctr"/>
+          <a:lstStyle/>
+          <a:p>
+            <a:pPr algn="ctr"/>
+            <a:endParaRPr kumimoji="1" lang="ja-JP" altLang="en-US"/>
+          </a:p>
+        </p:txBody>
+      </p:sp>
+      <p:pic>
+        <p:nvPicPr>
+          <p:cNvPr id="56" name="グラフィックス 55">
+            <a:extLst>
+              <a:ext uri="{FF2B5EF4-FFF2-40B4-BE49-F238E27FC236}">
+                <a16:creationId xmlns:a16="http://schemas.microsoft.com/office/drawing/2014/main" id="{0C2CD08B-F629-4834-AD0E-0C021DB5D91D}"/>
+              </a:ext>
+            </a:extLst>
+          </p:cNvPr>
+          <p:cNvPicPr>
+            <a:picLocks noChangeAspect="1"/>
+          </p:cNvPicPr>
+          <p:nvPr/>
+        </p:nvPicPr>
+        <p:blipFill>
+          <a:blip r:embed="rId4">
+            <a:extLst>
+              <a:ext uri="{28A0092B-C50C-407E-A947-70E740481C1C}">
+                <a14:useLocalDpi xmlns:a14="http://schemas.microsoft.com/office/drawing/2010/main" val="0"/>
+              </a:ext>
+              <a:ext uri="{96DAC541-7B7A-43D3-8B79-37D633B846F1}">
+                <asvg:svgBlip xmlns:asvg="http://schemas.microsoft.com/office/drawing/2016/SVG/main" r:embed="rId5"/>
+              </a:ext>
+            </a:extLst>
+          </a:blip>
+          <a:stretch>
+            <a:fillRect/>
+          </a:stretch>
+        </p:blipFill>
+        <p:spPr>
+          <a:xfrm>
+            <a:off x="8022407" y="1420051"/>
+            <a:ext cx="404272" cy="404272"/>
+          </a:xfrm>
+          <a:prstGeom prst="rect">
+            <a:avLst/>
+          </a:prstGeom>
+        </p:spPr>
+      </p:pic>
+      <p:pic>
+        <p:nvPicPr>
+          <p:cNvPr id="58" name="グラフィックス 57">
+            <a:extLst>
+              <a:ext uri="{FF2B5EF4-FFF2-40B4-BE49-F238E27FC236}">
+                <a16:creationId xmlns:a16="http://schemas.microsoft.com/office/drawing/2014/main" id="{1530B479-041D-4A6D-A2A6-52B02732F081}"/>
+              </a:ext>
+            </a:extLst>
+          </p:cNvPr>
+          <p:cNvPicPr>
+            <a:picLocks noChangeAspect="1"/>
+          </p:cNvPicPr>
+          <p:nvPr/>
+        </p:nvPicPr>
+        <p:blipFill>
+          <a:blip r:embed="rId4">
+            <a:extLst>
+              <a:ext uri="{28A0092B-C50C-407E-A947-70E740481C1C}">
+                <a14:useLocalDpi xmlns:a14="http://schemas.microsoft.com/office/drawing/2010/main" val="0"/>
+              </a:ext>
+              <a:ext uri="{96DAC541-7B7A-43D3-8B79-37D633B846F1}">
+                <asvg:svgBlip xmlns:asvg="http://schemas.microsoft.com/office/drawing/2016/SVG/main" r:embed="rId5"/>
+              </a:ext>
+            </a:extLst>
+          </a:blip>
+          <a:stretch>
+            <a:fillRect/>
+          </a:stretch>
+        </p:blipFill>
+        <p:spPr>
+          <a:xfrm>
+            <a:off x="8174807" y="1572451"/>
+            <a:ext cx="404272" cy="404272"/>
+          </a:xfrm>
+          <a:prstGeom prst="rect">
+            <a:avLst/>
+          </a:prstGeom>
+        </p:spPr>
+      </p:pic>
+      <p:sp>
+        <p:nvSpPr>
+          <p:cNvPr id="60" name="テキスト ボックス 59">
+            <a:extLst>
+              <a:ext uri="{FF2B5EF4-FFF2-40B4-BE49-F238E27FC236}">
+                <a16:creationId xmlns:a16="http://schemas.microsoft.com/office/drawing/2014/main" id="{0E241092-B2A8-41A5-8F59-A5E1B3605ED2}"/>
+              </a:ext>
+            </a:extLst>
+          </p:cNvPr>
+          <p:cNvSpPr txBox="1"/>
+          <p:nvPr/>
+        </p:nvSpPr>
+        <p:spPr>
+          <a:xfrm>
+            <a:off x="7537184" y="1849784"/>
+            <a:ext cx="902811" cy="307777"/>
+          </a:xfrm>
+          <a:prstGeom prst="rect">
+            <a:avLst/>
+          </a:prstGeom>
+          <a:noFill/>
+        </p:spPr>
+        <p:txBody>
+          <a:bodyPr wrap="none" rtlCol="0">
+            <a:spAutoFit/>
+          </a:bodyPr>
+          <a:lstStyle/>
+          <a:p>
+            <a:r>
+              <a:rPr kumimoji="1" lang="ja-JP" altLang="en-US" sz="1400" dirty="0"/>
+              <a:t>コンテナ</a:t>
+            </a:r>
+          </a:p>
+        </p:txBody>
+      </p:sp>
+      <p:pic>
+        <p:nvPicPr>
+          <p:cNvPr id="62" name="図 61" descr="アイコン&#10;&#10;自動的に生成された説明">
+            <a:extLst>
+              <a:ext uri="{FF2B5EF4-FFF2-40B4-BE49-F238E27FC236}">
+                <a16:creationId xmlns:a16="http://schemas.microsoft.com/office/drawing/2014/main" id="{476990EA-99EF-4AB6-B53A-0F74C98C41F2}"/>
+              </a:ext>
+            </a:extLst>
+          </p:cNvPr>
+          <p:cNvPicPr>
+            <a:picLocks noChangeAspect="1"/>
+          </p:cNvPicPr>
+          <p:nvPr/>
+        </p:nvPicPr>
+        <p:blipFill>
+          <a:blip r:embed="rId6">
+            <a:extLst>
+              <a:ext uri="{28A0092B-C50C-407E-A947-70E740481C1C}">
+                <a14:useLocalDpi xmlns:a14="http://schemas.microsoft.com/office/drawing/2010/main" val="0"/>
+              </a:ext>
+            </a:extLst>
+          </a:blip>
+          <a:stretch>
+            <a:fillRect/>
+          </a:stretch>
+        </p:blipFill>
+        <p:spPr>
+          <a:xfrm>
+            <a:off x="9787964" y="1426081"/>
+            <a:ext cx="246123" cy="527405"/>
+          </a:xfrm>
+          <a:prstGeom prst="rect">
+            <a:avLst/>
+          </a:prstGeom>
+        </p:spPr>
+      </p:pic>
+      <p:pic>
+        <p:nvPicPr>
+          <p:cNvPr id="64" name="図 63" descr="文字が書かれた看板&#10;&#10;自動的に生成された説明">
+            <a:extLst>
+              <a:ext uri="{FF2B5EF4-FFF2-40B4-BE49-F238E27FC236}">
+                <a16:creationId xmlns:a16="http://schemas.microsoft.com/office/drawing/2014/main" id="{02B72BEE-B8E3-4B13-9219-B800D0B860AC}"/>
+              </a:ext>
+            </a:extLst>
+          </p:cNvPr>
+          <p:cNvPicPr>
+            <a:picLocks noChangeAspect="1"/>
+          </p:cNvPicPr>
+          <p:nvPr/>
+        </p:nvPicPr>
+        <p:blipFill>
+          <a:blip r:embed="rId7">
+            <a:extLst>
+              <a:ext uri="{28A0092B-C50C-407E-A947-70E740481C1C}">
+                <a14:useLocalDpi xmlns:a14="http://schemas.microsoft.com/office/drawing/2010/main" val="0"/>
+              </a:ext>
+            </a:extLst>
+          </a:blip>
+          <a:stretch>
+            <a:fillRect/>
+          </a:stretch>
+        </p:blipFill>
+        <p:spPr>
+          <a:xfrm>
+            <a:off x="10455633" y="1431905"/>
+            <a:ext cx="246123" cy="527405"/>
+          </a:xfrm>
+          <a:prstGeom prst="rect">
+            <a:avLst/>
+          </a:prstGeom>
+        </p:spPr>
+      </p:pic>
+      <p:pic>
+        <p:nvPicPr>
+          <p:cNvPr id="66" name="図 65" descr="白いバックグラウンドの前にある交通標識&#10;&#10;自動的に生成された説明">
+            <a:extLst>
+              <a:ext uri="{FF2B5EF4-FFF2-40B4-BE49-F238E27FC236}">
+                <a16:creationId xmlns:a16="http://schemas.microsoft.com/office/drawing/2014/main" id="{003BCB73-B30C-4D93-B8EF-1A355C24DD98}"/>
+              </a:ext>
+            </a:extLst>
+          </p:cNvPr>
+          <p:cNvPicPr>
+            <a:picLocks noChangeAspect="1"/>
+          </p:cNvPicPr>
+          <p:nvPr/>
+        </p:nvPicPr>
+        <p:blipFill>
+          <a:blip r:embed="rId8">
+            <a:extLst>
+              <a:ext uri="{28A0092B-C50C-407E-A947-70E740481C1C}">
+                <a14:useLocalDpi xmlns:a14="http://schemas.microsoft.com/office/drawing/2010/main" val="0"/>
+              </a:ext>
+            </a:extLst>
+          </a:blip>
+          <a:stretch>
+            <a:fillRect/>
+          </a:stretch>
+        </p:blipFill>
+        <p:spPr>
+          <a:xfrm>
+            <a:off x="10979923" y="1427378"/>
+            <a:ext cx="583734" cy="583734"/>
+          </a:xfrm>
+          <a:prstGeom prst="rect">
+            <a:avLst/>
+          </a:prstGeom>
+        </p:spPr>
+      </p:pic>
+      <p:sp>
+        <p:nvSpPr>
+          <p:cNvPr id="69" name="テキスト ボックス 68">
+            <a:extLst>
+              <a:ext uri="{FF2B5EF4-FFF2-40B4-BE49-F238E27FC236}">
+                <a16:creationId xmlns:a16="http://schemas.microsoft.com/office/drawing/2014/main" id="{E978C273-1577-4D0D-82F4-D382077D6422}"/>
+              </a:ext>
+            </a:extLst>
+          </p:cNvPr>
+          <p:cNvSpPr txBox="1"/>
+          <p:nvPr/>
+        </p:nvSpPr>
+        <p:spPr>
+          <a:xfrm>
+            <a:off x="3208275" y="2186551"/>
+            <a:ext cx="3879588" cy="307777"/>
+          </a:xfrm>
+          <a:prstGeom prst="rect">
+            <a:avLst/>
+          </a:prstGeom>
+          <a:noFill/>
+        </p:spPr>
+        <p:txBody>
+          <a:bodyPr wrap="none" rtlCol="0">
+            <a:spAutoFit/>
+          </a:bodyPr>
+          <a:lstStyle/>
+          <a:p>
+            <a:r>
+              <a:rPr lang="en-US" altLang="ja-JP" sz="1400" dirty="0"/>
+              <a:t>https://accountName.blob.core.windows.net</a:t>
+            </a:r>
+            <a:endParaRPr kumimoji="1" lang="ja-JP" altLang="en-US" sz="1400" dirty="0"/>
+          </a:p>
+        </p:txBody>
+      </p:sp>
+      <p:pic>
+        <p:nvPicPr>
+          <p:cNvPr id="71" name="グラフィックス 70">
+            <a:extLst>
+              <a:ext uri="{FF2B5EF4-FFF2-40B4-BE49-F238E27FC236}">
+                <a16:creationId xmlns:a16="http://schemas.microsoft.com/office/drawing/2014/main" id="{20387635-2809-459F-88C2-493690F39938}"/>
+              </a:ext>
+            </a:extLst>
+          </p:cNvPr>
+          <p:cNvPicPr>
+            <a:picLocks noChangeAspect="1"/>
+          </p:cNvPicPr>
+          <p:nvPr/>
+        </p:nvPicPr>
+        <p:blipFill>
+          <a:blip r:embed="rId9">
+            <a:extLst>
+              <a:ext uri="{28A0092B-C50C-407E-A947-70E740481C1C}">
+                <a14:useLocalDpi xmlns:a14="http://schemas.microsoft.com/office/drawing/2010/main" val="0"/>
+              </a:ext>
+              <a:ext uri="{96DAC541-7B7A-43D3-8B79-37D633B846F1}">
+                <asvg:svgBlip xmlns:asvg="http://schemas.microsoft.com/office/drawing/2016/SVG/main" r:embed="rId10"/>
+              </a:ext>
+            </a:extLst>
+          </a:blip>
+          <a:stretch>
+            <a:fillRect/>
+          </a:stretch>
+        </p:blipFill>
+        <p:spPr>
+          <a:xfrm>
+            <a:off x="1282547" y="2021843"/>
+            <a:ext cx="1121337" cy="866487"/>
+          </a:xfrm>
+          <a:prstGeom prst="rect">
+            <a:avLst/>
+          </a:prstGeom>
+        </p:spPr>
+      </p:pic>
+      <p:cxnSp>
+        <p:nvCxnSpPr>
+          <p:cNvPr id="73" name="直線矢印コネクタ 72">
+            <a:extLst>
+              <a:ext uri="{FF2B5EF4-FFF2-40B4-BE49-F238E27FC236}">
+                <a16:creationId xmlns:a16="http://schemas.microsoft.com/office/drawing/2014/main" id="{05AFE3A3-2FBB-4F36-A544-DD26E594B316}"/>
+              </a:ext>
+            </a:extLst>
+          </p:cNvPr>
+          <p:cNvCxnSpPr>
+            <a:endCxn id="7" idx="2"/>
+          </p:cNvCxnSpPr>
+          <p:nvPr/>
+        </p:nvCxnSpPr>
+        <p:spPr>
+          <a:xfrm flipV="1">
+            <a:off x="2155924" y="1689786"/>
+            <a:ext cx="1257706" cy="496765"/>
+          </a:xfrm>
+          <a:prstGeom prst="straightConnector1">
+            <a:avLst/>
+          </a:prstGeom>
+          <a:ln w="38100" cap="flat" cmpd="sng" algn="ctr">
+            <a:solidFill>
+              <a:schemeClr val="accent6"/>
+            </a:solidFill>
+            <a:prstDash val="solid"/>
+            <a:round/>
+            <a:headEnd type="none" w="med" len="med"/>
+            <a:tailEnd type="arrow" w="med" len="med"/>
+          </a:ln>
+        </p:spPr>
+        <p:style>
+          <a:lnRef idx="0">
+            <a:scrgbClr r="0" g="0" b="0"/>
+          </a:lnRef>
+          <a:fillRef idx="0">
+            <a:scrgbClr r="0" g="0" b="0"/>
+          </a:fillRef>
+          <a:effectRef idx="0">
+            <a:scrgbClr r="0" g="0" b="0"/>
+          </a:effectRef>
+          <a:fontRef idx="minor">
+            <a:schemeClr val="tx1"/>
+          </a:fontRef>
+        </p:style>
+      </p:cxnSp>
+      <p:cxnSp>
+        <p:nvCxnSpPr>
+          <p:cNvPr id="75" name="直線矢印コネクタ 74">
+            <a:extLst>
+              <a:ext uri="{FF2B5EF4-FFF2-40B4-BE49-F238E27FC236}">
+                <a16:creationId xmlns:a16="http://schemas.microsoft.com/office/drawing/2014/main" id="{2ED93F28-CBAA-46A1-98B2-FD24170B1570}"/>
+              </a:ext>
+            </a:extLst>
+          </p:cNvPr>
+          <p:cNvCxnSpPr>
+            <a:cxnSpLocks/>
+          </p:cNvCxnSpPr>
+          <p:nvPr/>
+        </p:nvCxnSpPr>
+        <p:spPr>
+          <a:xfrm flipV="1">
+            <a:off x="3701218" y="1584130"/>
+            <a:ext cx="6611036" cy="9518"/>
+          </a:xfrm>
+          <a:prstGeom prst="straightConnector1">
+            <a:avLst/>
+          </a:prstGeom>
+          <a:ln w="38100" cap="flat" cmpd="sng" algn="ctr">
+            <a:solidFill>
+              <a:schemeClr val="accent6"/>
+            </a:solidFill>
+            <a:prstDash val="solid"/>
+            <a:round/>
+            <a:headEnd type="none" w="med" len="med"/>
+            <a:tailEnd type="arrow" w="med" len="med"/>
+          </a:ln>
+        </p:spPr>
+        <p:style>
+          <a:lnRef idx="0">
+            <a:scrgbClr r="0" g="0" b="0"/>
+          </a:lnRef>
+          <a:fillRef idx="0">
+            <a:scrgbClr r="0" g="0" b="0"/>
+          </a:fillRef>
+          <a:effectRef idx="0">
+            <a:scrgbClr r="0" g="0" b="0"/>
+          </a:effectRef>
+          <a:fontRef idx="minor">
+            <a:schemeClr val="tx1"/>
+          </a:fontRef>
+        </p:style>
+      </p:cxnSp>
+      <p:sp>
+        <p:nvSpPr>
+          <p:cNvPr id="85" name="テキスト ボックス 84">
+            <a:extLst>
+              <a:ext uri="{FF2B5EF4-FFF2-40B4-BE49-F238E27FC236}">
+                <a16:creationId xmlns:a16="http://schemas.microsoft.com/office/drawing/2014/main" id="{AB69B772-9316-426D-9FA5-7328DDBA9472}"/>
+              </a:ext>
+            </a:extLst>
+          </p:cNvPr>
+          <p:cNvSpPr txBox="1"/>
+          <p:nvPr/>
+        </p:nvSpPr>
+        <p:spPr>
+          <a:xfrm>
+            <a:off x="2071069" y="1774587"/>
+            <a:ext cx="1599540" cy="523220"/>
+          </a:xfrm>
+          <a:prstGeom prst="rect">
+            <a:avLst/>
+          </a:prstGeom>
+          <a:noFill/>
+        </p:spPr>
+        <p:txBody>
+          <a:bodyPr wrap="square" rtlCol="0">
+            <a:spAutoFit/>
+          </a:bodyPr>
+          <a:lstStyle/>
+          <a:p>
+            <a:r>
+              <a:rPr kumimoji="1" lang="ja-JP" altLang="en-US" sz="1400" dirty="0"/>
+              <a:t>読取・書込などのデータ操作</a:t>
+            </a:r>
+          </a:p>
+        </p:txBody>
+      </p:sp>
+      <p:cxnSp>
+        <p:nvCxnSpPr>
+          <p:cNvPr id="12" name="コネクタ: カギ線 11">
+            <a:extLst>
+              <a:ext uri="{FF2B5EF4-FFF2-40B4-BE49-F238E27FC236}">
+                <a16:creationId xmlns:a16="http://schemas.microsoft.com/office/drawing/2014/main" id="{A7940C4F-FB47-47CA-A2A0-4E41803B8080}"/>
+              </a:ext>
+            </a:extLst>
+          </p:cNvPr>
+          <p:cNvCxnSpPr>
+            <a:cxnSpLocks/>
+            <a:stCxn id="64" idx="0"/>
+            <a:endCxn id="71" idx="0"/>
+          </p:cNvCxnSpPr>
+          <p:nvPr/>
+        </p:nvCxnSpPr>
+        <p:spPr>
+          <a:xfrm rot="16200000" flipH="1" flipV="1">
+            <a:off x="5915987" y="-2640866"/>
+            <a:ext cx="589938" cy="8735479"/>
+          </a:xfrm>
+          <a:prstGeom prst="bentConnector3">
+            <a:avLst>
+              <a:gd name="adj1" fmla="val -97830"/>
+            </a:avLst>
+          </a:prstGeom>
+          <a:ln w="38100" cap="flat" cmpd="sng" algn="ctr">
+            <a:solidFill>
+              <a:schemeClr val="accent6"/>
+            </a:solidFill>
+            <a:prstDash val="dash"/>
+            <a:round/>
+            <a:headEnd type="none" w="med" len="med"/>
+            <a:tailEnd type="arrow" w="med" len="med"/>
+          </a:ln>
+        </p:spPr>
+        <p:style>
+          <a:lnRef idx="0">
+            <a:scrgbClr r="0" g="0" b="0"/>
+          </a:lnRef>
+          <a:fillRef idx="0">
+            <a:scrgbClr r="0" g="0" b="0"/>
+          </a:fillRef>
+          <a:effectRef idx="0">
+            <a:scrgbClr r="0" g="0" b="0"/>
+          </a:effectRef>
+          <a:fontRef idx="minor">
+            <a:schemeClr val="tx1"/>
+          </a:fontRef>
+        </p:style>
+      </p:cxnSp>
+      <p:sp>
+        <p:nvSpPr>
+          <p:cNvPr id="18" name="テキスト ボックス 17">
+            <a:extLst>
+              <a:ext uri="{FF2B5EF4-FFF2-40B4-BE49-F238E27FC236}">
+                <a16:creationId xmlns:a16="http://schemas.microsoft.com/office/drawing/2014/main" id="{A1250A61-6F82-4179-9C8D-04B14BB78F8C}"/>
+              </a:ext>
+            </a:extLst>
+          </p:cNvPr>
+          <p:cNvSpPr txBox="1"/>
+          <p:nvPr/>
+        </p:nvSpPr>
+        <p:spPr>
+          <a:xfrm>
+            <a:off x="2007291" y="503087"/>
+            <a:ext cx="1423788" cy="307777"/>
+          </a:xfrm>
+          <a:prstGeom prst="rect">
+            <a:avLst/>
+          </a:prstGeom>
+          <a:noFill/>
+        </p:spPr>
+        <p:txBody>
+          <a:bodyPr wrap="none" rtlCol="0">
+            <a:spAutoFit/>
+          </a:bodyPr>
+          <a:lstStyle/>
+          <a:p>
+            <a:r>
+              <a:rPr kumimoji="1" lang="en-US" altLang="ja-JP" sz="1400" dirty="0"/>
+              <a:t>SAS</a:t>
+            </a:r>
+            <a:r>
+              <a:rPr kumimoji="1" lang="ja-JP" altLang="en-US" sz="1400" dirty="0"/>
+              <a:t>キーの取得</a:t>
+            </a:r>
+          </a:p>
+        </p:txBody>
+      </p:sp>
+      <p:pic>
+        <p:nvPicPr>
+          <p:cNvPr id="27" name="グラフィックス 26">
+            <a:extLst>
+              <a:ext uri="{FF2B5EF4-FFF2-40B4-BE49-F238E27FC236}">
+                <a16:creationId xmlns:a16="http://schemas.microsoft.com/office/drawing/2014/main" id="{3694ABAF-6CCE-49DE-96B5-3B33EFA5C2D7}"/>
+              </a:ext>
+            </a:extLst>
+          </p:cNvPr>
+          <p:cNvPicPr>
+            <a:picLocks noChangeAspect="1"/>
+          </p:cNvPicPr>
+          <p:nvPr/>
+        </p:nvPicPr>
+        <p:blipFill>
+          <a:blip r:embed="rId11">
+            <a:extLst>
+              <a:ext uri="{28A0092B-C50C-407E-A947-70E740481C1C}">
+                <a14:useLocalDpi xmlns:a14="http://schemas.microsoft.com/office/drawing/2010/main" val="0"/>
+              </a:ext>
+              <a:ext uri="{96DAC541-7B7A-43D3-8B79-37D633B846F1}">
+                <asvg:svgBlip xmlns:asvg="http://schemas.microsoft.com/office/drawing/2016/SVG/main" r:embed="rId12"/>
+              </a:ext>
+            </a:extLst>
+          </a:blip>
+          <a:stretch>
+            <a:fillRect/>
+          </a:stretch>
+        </p:blipFill>
+        <p:spPr>
+          <a:xfrm>
+            <a:off x="1612456" y="637115"/>
+            <a:ext cx="476250" cy="476250"/>
+          </a:xfrm>
+          <a:prstGeom prst="rect">
+            <a:avLst/>
+          </a:prstGeom>
+        </p:spPr>
+      </p:pic>
+    </p:spTree>
+    <p:extLst>
+      <p:ext uri="{BB962C8B-B14F-4D97-AF65-F5344CB8AC3E}">
+        <p14:creationId xmlns:p14="http://schemas.microsoft.com/office/powerpoint/2010/main" val="4919001"/>
+      </p:ext>
+    </p:extLst>
+  </p:cSld>
+  <p:clrMapOvr>
+    <a:masterClrMapping/>
+  </p:clrMapOvr>
+</p:sld>
+</file>
+
 <file path=ppt/theme/theme1.xml><?xml version="1.0" encoding="utf-8"?>
 <a:theme xmlns:a="http://schemas.openxmlformats.org/drawingml/2006/main" name="Office テーマ">
   <a:themeElements>

--- a/azure-blob-control-and-data-access/images/figures.pptx
+++ b/azure-blob-control-and-data-access/images/figures.pptx
@@ -4,12 +4,17 @@
   <p:sldMasterIdLst>
     <p:sldMasterId id="2147483648" r:id="rId1"/>
   </p:sldMasterIdLst>
+  <p:notesMasterIdLst>
+    <p:notesMasterId r:id="rId9"/>
+  </p:notesMasterIdLst>
   <p:sldIdLst>
-    <p:sldId id="256" r:id="rId2"/>
-    <p:sldId id="257" r:id="rId3"/>
-    <p:sldId id="258" r:id="rId4"/>
-    <p:sldId id="259" r:id="rId5"/>
-    <p:sldId id="260" r:id="rId6"/>
+    <p:sldId id="10692" r:id="rId2"/>
+    <p:sldId id="10693" r:id="rId3"/>
+    <p:sldId id="256" r:id="rId4"/>
+    <p:sldId id="257" r:id="rId5"/>
+    <p:sldId id="258" r:id="rId6"/>
+    <p:sldId id="259" r:id="rId7"/>
+    <p:sldId id="260" r:id="rId8"/>
   </p:sldIdLst>
   <p:sldSz cx="12192000" cy="6858000"/>
   <p:notesSz cx="6858000" cy="9144000"/>
@@ -116,6 +121,568 @@
 </p:presentation>
 </file>
 
+<file path=ppt/notesMasters/notesMaster1.xml><?xml version="1.0" encoding="utf-8"?>
+<p:notesMaster xmlns:a="http://schemas.openxmlformats.org/drawingml/2006/main" xmlns:r="http://schemas.openxmlformats.org/officeDocument/2006/relationships" xmlns:p="http://schemas.openxmlformats.org/presentationml/2006/main">
+  <p:cSld>
+    <p:bg>
+      <p:bgRef idx="1001">
+        <a:schemeClr val="bg1"/>
+      </p:bgRef>
+    </p:bg>
+    <p:spTree>
+      <p:nvGrpSpPr>
+        <p:cNvPr id="1" name=""/>
+        <p:cNvGrpSpPr/>
+        <p:nvPr/>
+      </p:nvGrpSpPr>
+      <p:grpSpPr>
+        <a:xfrm>
+          <a:off x="0" y="0"/>
+          <a:ext cx="0" cy="0"/>
+          <a:chOff x="0" y="0"/>
+          <a:chExt cx="0" cy="0"/>
+        </a:xfrm>
+      </p:grpSpPr>
+      <p:sp>
+        <p:nvSpPr>
+          <p:cNvPr id="2" name="ヘッダー プレースホルダー 1"/>
+          <p:cNvSpPr>
+            <a:spLocks noGrp="1"/>
+          </p:cNvSpPr>
+          <p:nvPr>
+            <p:ph type="hdr" sz="quarter"/>
+          </p:nvPr>
+        </p:nvSpPr>
+        <p:spPr>
+          <a:xfrm>
+            <a:off x="0" y="0"/>
+            <a:ext cx="2971800" cy="458788"/>
+          </a:xfrm>
+          <a:prstGeom prst="rect">
+            <a:avLst/>
+          </a:prstGeom>
+        </p:spPr>
+        <p:txBody>
+          <a:bodyPr vert="horz" lIns="91440" tIns="45720" rIns="91440" bIns="45720" rtlCol="0"/>
+          <a:lstStyle>
+            <a:lvl1pPr algn="l">
+              <a:defRPr sz="1200"/>
+            </a:lvl1pPr>
+          </a:lstStyle>
+          <a:p>
+            <a:endParaRPr kumimoji="1" lang="ja-JP" altLang="en-US"/>
+          </a:p>
+        </p:txBody>
+      </p:sp>
+      <p:sp>
+        <p:nvSpPr>
+          <p:cNvPr id="3" name="日付プレースホルダー 2"/>
+          <p:cNvSpPr>
+            <a:spLocks noGrp="1"/>
+          </p:cNvSpPr>
+          <p:nvPr>
+            <p:ph type="dt" idx="1"/>
+          </p:nvPr>
+        </p:nvSpPr>
+        <p:spPr>
+          <a:xfrm>
+            <a:off x="3884613" y="0"/>
+            <a:ext cx="2971800" cy="458788"/>
+          </a:xfrm>
+          <a:prstGeom prst="rect">
+            <a:avLst/>
+          </a:prstGeom>
+        </p:spPr>
+        <p:txBody>
+          <a:bodyPr vert="horz" lIns="91440" tIns="45720" rIns="91440" bIns="45720" rtlCol="0"/>
+          <a:lstStyle>
+            <a:lvl1pPr algn="r">
+              <a:defRPr sz="1200"/>
+            </a:lvl1pPr>
+          </a:lstStyle>
+          <a:p>
+            <a:fld id="{D59BE010-B6A7-4387-8E5E-790CC7A3E10D}" type="datetimeFigureOut">
+              <a:rPr kumimoji="1" lang="ja-JP" altLang="en-US" smtClean="0"/>
+              <a:t>2021/6/8</a:t>
+            </a:fld>
+            <a:endParaRPr kumimoji="1" lang="ja-JP" altLang="en-US"/>
+          </a:p>
+        </p:txBody>
+      </p:sp>
+      <p:sp>
+        <p:nvSpPr>
+          <p:cNvPr id="4" name="スライド イメージ プレースホルダー 3"/>
+          <p:cNvSpPr>
+            <a:spLocks noGrp="1" noRot="1" noChangeAspect="1"/>
+          </p:cNvSpPr>
+          <p:nvPr>
+            <p:ph type="sldImg" idx="2"/>
+          </p:nvPr>
+        </p:nvSpPr>
+        <p:spPr>
+          <a:xfrm>
+            <a:off x="685800" y="1143000"/>
+            <a:ext cx="5486400" cy="3086100"/>
+          </a:xfrm>
+          <a:prstGeom prst="rect">
+            <a:avLst/>
+          </a:prstGeom>
+          <a:noFill/>
+          <a:ln w="12700">
+            <a:solidFill>
+              <a:prstClr val="black"/>
+            </a:solidFill>
+          </a:ln>
+        </p:spPr>
+        <p:txBody>
+          <a:bodyPr vert="horz" lIns="91440" tIns="45720" rIns="91440" bIns="45720" rtlCol="0" anchor="ctr"/>
+          <a:lstStyle/>
+          <a:p>
+            <a:endParaRPr lang="ja-JP" altLang="en-US"/>
+          </a:p>
+        </p:txBody>
+      </p:sp>
+      <p:sp>
+        <p:nvSpPr>
+          <p:cNvPr id="5" name="ノート プレースホルダー 4"/>
+          <p:cNvSpPr>
+            <a:spLocks noGrp="1"/>
+          </p:cNvSpPr>
+          <p:nvPr>
+            <p:ph type="body" sz="quarter" idx="3"/>
+          </p:nvPr>
+        </p:nvSpPr>
+        <p:spPr>
+          <a:xfrm>
+            <a:off x="685800" y="4400550"/>
+            <a:ext cx="5486400" cy="3600450"/>
+          </a:xfrm>
+          <a:prstGeom prst="rect">
+            <a:avLst/>
+          </a:prstGeom>
+        </p:spPr>
+        <p:txBody>
+          <a:bodyPr vert="horz" lIns="91440" tIns="45720" rIns="91440" bIns="45720" rtlCol="0"/>
+          <a:lstStyle/>
+          <a:p>
+            <a:pPr lvl="0"/>
+            <a:r>
+              <a:rPr kumimoji="1" lang="ja-JP" altLang="en-US"/>
+              <a:t>マスター テキストの書式設定</a:t>
+            </a:r>
+          </a:p>
+          <a:p>
+            <a:pPr lvl="1"/>
+            <a:r>
+              <a:rPr kumimoji="1" lang="ja-JP" altLang="en-US"/>
+              <a:t>第 </a:t>
+            </a:r>
+            <a:r>
+              <a:rPr kumimoji="1" lang="en-US" altLang="ja-JP"/>
+              <a:t>2 </a:t>
+            </a:r>
+            <a:r>
+              <a:rPr kumimoji="1" lang="ja-JP" altLang="en-US"/>
+              <a:t>レベル</a:t>
+            </a:r>
+          </a:p>
+          <a:p>
+            <a:pPr lvl="2"/>
+            <a:r>
+              <a:rPr kumimoji="1" lang="ja-JP" altLang="en-US"/>
+              <a:t>第 </a:t>
+            </a:r>
+            <a:r>
+              <a:rPr kumimoji="1" lang="en-US" altLang="ja-JP"/>
+              <a:t>3 </a:t>
+            </a:r>
+            <a:r>
+              <a:rPr kumimoji="1" lang="ja-JP" altLang="en-US"/>
+              <a:t>レベル</a:t>
+            </a:r>
+          </a:p>
+          <a:p>
+            <a:pPr lvl="3"/>
+            <a:r>
+              <a:rPr kumimoji="1" lang="ja-JP" altLang="en-US"/>
+              <a:t>第 </a:t>
+            </a:r>
+            <a:r>
+              <a:rPr kumimoji="1" lang="en-US" altLang="ja-JP"/>
+              <a:t>4 </a:t>
+            </a:r>
+            <a:r>
+              <a:rPr kumimoji="1" lang="ja-JP" altLang="en-US"/>
+              <a:t>レベル</a:t>
+            </a:r>
+          </a:p>
+          <a:p>
+            <a:pPr lvl="4"/>
+            <a:r>
+              <a:rPr kumimoji="1" lang="ja-JP" altLang="en-US"/>
+              <a:t>第 </a:t>
+            </a:r>
+            <a:r>
+              <a:rPr kumimoji="1" lang="en-US" altLang="ja-JP"/>
+              <a:t>5 </a:t>
+            </a:r>
+            <a:r>
+              <a:rPr kumimoji="1" lang="ja-JP" altLang="en-US"/>
+              <a:t>レベル</a:t>
+            </a:r>
+          </a:p>
+        </p:txBody>
+      </p:sp>
+      <p:sp>
+        <p:nvSpPr>
+          <p:cNvPr id="6" name="フッター プレースホルダー 5"/>
+          <p:cNvSpPr>
+            <a:spLocks noGrp="1"/>
+          </p:cNvSpPr>
+          <p:nvPr>
+            <p:ph type="ftr" sz="quarter" idx="4"/>
+          </p:nvPr>
+        </p:nvSpPr>
+        <p:spPr>
+          <a:xfrm>
+            <a:off x="0" y="8685213"/>
+            <a:ext cx="2971800" cy="458787"/>
+          </a:xfrm>
+          <a:prstGeom prst="rect">
+            <a:avLst/>
+          </a:prstGeom>
+        </p:spPr>
+        <p:txBody>
+          <a:bodyPr vert="horz" lIns="91440" tIns="45720" rIns="91440" bIns="45720" rtlCol="0" anchor="b"/>
+          <a:lstStyle>
+            <a:lvl1pPr algn="l">
+              <a:defRPr sz="1200"/>
+            </a:lvl1pPr>
+          </a:lstStyle>
+          <a:p>
+            <a:endParaRPr kumimoji="1" lang="ja-JP" altLang="en-US"/>
+          </a:p>
+        </p:txBody>
+      </p:sp>
+      <p:sp>
+        <p:nvSpPr>
+          <p:cNvPr id="7" name="スライド番号プレースホルダー 6"/>
+          <p:cNvSpPr>
+            <a:spLocks noGrp="1"/>
+          </p:cNvSpPr>
+          <p:nvPr>
+            <p:ph type="sldNum" sz="quarter" idx="5"/>
+          </p:nvPr>
+        </p:nvSpPr>
+        <p:spPr>
+          <a:xfrm>
+            <a:off x="3884613" y="8685213"/>
+            <a:ext cx="2971800" cy="458787"/>
+          </a:xfrm>
+          <a:prstGeom prst="rect">
+            <a:avLst/>
+          </a:prstGeom>
+        </p:spPr>
+        <p:txBody>
+          <a:bodyPr vert="horz" lIns="91440" tIns="45720" rIns="91440" bIns="45720" rtlCol="0" anchor="b"/>
+          <a:lstStyle>
+            <a:lvl1pPr algn="r">
+              <a:defRPr sz="1200"/>
+            </a:lvl1pPr>
+          </a:lstStyle>
+          <a:p>
+            <a:fld id="{1353EA0A-168E-40D3-A44D-1B70ACEBFD3E}" type="slidenum">
+              <a:rPr kumimoji="1" lang="ja-JP" altLang="en-US" smtClean="0"/>
+              <a:t>‹#›</a:t>
+            </a:fld>
+            <a:endParaRPr kumimoji="1" lang="ja-JP" altLang="en-US"/>
+          </a:p>
+        </p:txBody>
+      </p:sp>
+    </p:spTree>
+    <p:extLst>
+      <p:ext uri="{BB962C8B-B14F-4D97-AF65-F5344CB8AC3E}">
+        <p14:creationId xmlns:p14="http://schemas.microsoft.com/office/powerpoint/2010/main" val="3478235930"/>
+      </p:ext>
+    </p:extLst>
+  </p:cSld>
+  <p:clrMap bg1="lt1" tx1="dk1" bg2="lt2" tx2="dk2" accent1="accent1" accent2="accent2" accent3="accent3" accent4="accent4" accent5="accent5" accent6="accent6" hlink="hlink" folHlink="folHlink"/>
+  <p:notesStyle>
+    <a:lvl1pPr marL="0" algn="l" defTabSz="914400" rtl="0" eaLnBrk="1" latinLnBrk="0" hangingPunct="1">
+      <a:defRPr kumimoji="1" sz="1200" kern="1200">
+        <a:solidFill>
+          <a:schemeClr val="tx1"/>
+        </a:solidFill>
+        <a:latin typeface="+mn-lt"/>
+        <a:ea typeface="+mn-ea"/>
+        <a:cs typeface="+mn-cs"/>
+      </a:defRPr>
+    </a:lvl1pPr>
+    <a:lvl2pPr marL="457200" algn="l" defTabSz="914400" rtl="0" eaLnBrk="1" latinLnBrk="0" hangingPunct="1">
+      <a:defRPr kumimoji="1" sz="1200" kern="1200">
+        <a:solidFill>
+          <a:schemeClr val="tx1"/>
+        </a:solidFill>
+        <a:latin typeface="+mn-lt"/>
+        <a:ea typeface="+mn-ea"/>
+        <a:cs typeface="+mn-cs"/>
+      </a:defRPr>
+    </a:lvl2pPr>
+    <a:lvl3pPr marL="914400" algn="l" defTabSz="914400" rtl="0" eaLnBrk="1" latinLnBrk="0" hangingPunct="1">
+      <a:defRPr kumimoji="1" sz="1200" kern="1200">
+        <a:solidFill>
+          <a:schemeClr val="tx1"/>
+        </a:solidFill>
+        <a:latin typeface="+mn-lt"/>
+        <a:ea typeface="+mn-ea"/>
+        <a:cs typeface="+mn-cs"/>
+      </a:defRPr>
+    </a:lvl3pPr>
+    <a:lvl4pPr marL="1371600" algn="l" defTabSz="914400" rtl="0" eaLnBrk="1" latinLnBrk="0" hangingPunct="1">
+      <a:defRPr kumimoji="1" sz="1200" kern="1200">
+        <a:solidFill>
+          <a:schemeClr val="tx1"/>
+        </a:solidFill>
+        <a:latin typeface="+mn-lt"/>
+        <a:ea typeface="+mn-ea"/>
+        <a:cs typeface="+mn-cs"/>
+      </a:defRPr>
+    </a:lvl4pPr>
+    <a:lvl5pPr marL="1828800" algn="l" defTabSz="914400" rtl="0" eaLnBrk="1" latinLnBrk="0" hangingPunct="1">
+      <a:defRPr kumimoji="1" sz="1200" kern="1200">
+        <a:solidFill>
+          <a:schemeClr val="tx1"/>
+        </a:solidFill>
+        <a:latin typeface="+mn-lt"/>
+        <a:ea typeface="+mn-ea"/>
+        <a:cs typeface="+mn-cs"/>
+      </a:defRPr>
+    </a:lvl5pPr>
+    <a:lvl6pPr marL="2286000" algn="l" defTabSz="914400" rtl="0" eaLnBrk="1" latinLnBrk="0" hangingPunct="1">
+      <a:defRPr kumimoji="1" sz="1200" kern="1200">
+        <a:solidFill>
+          <a:schemeClr val="tx1"/>
+        </a:solidFill>
+        <a:latin typeface="+mn-lt"/>
+        <a:ea typeface="+mn-ea"/>
+        <a:cs typeface="+mn-cs"/>
+      </a:defRPr>
+    </a:lvl6pPr>
+    <a:lvl7pPr marL="2743200" algn="l" defTabSz="914400" rtl="0" eaLnBrk="1" latinLnBrk="0" hangingPunct="1">
+      <a:defRPr kumimoji="1" sz="1200" kern="1200">
+        <a:solidFill>
+          <a:schemeClr val="tx1"/>
+        </a:solidFill>
+        <a:latin typeface="+mn-lt"/>
+        <a:ea typeface="+mn-ea"/>
+        <a:cs typeface="+mn-cs"/>
+      </a:defRPr>
+    </a:lvl7pPr>
+    <a:lvl8pPr marL="3200400" algn="l" defTabSz="914400" rtl="0" eaLnBrk="1" latinLnBrk="0" hangingPunct="1">
+      <a:defRPr kumimoji="1" sz="1200" kern="1200">
+        <a:solidFill>
+          <a:schemeClr val="tx1"/>
+        </a:solidFill>
+        <a:latin typeface="+mn-lt"/>
+        <a:ea typeface="+mn-ea"/>
+        <a:cs typeface="+mn-cs"/>
+      </a:defRPr>
+    </a:lvl8pPr>
+    <a:lvl9pPr marL="3657600" algn="l" defTabSz="914400" rtl="0" eaLnBrk="1" latinLnBrk="0" hangingPunct="1">
+      <a:defRPr kumimoji="1" sz="1200" kern="1200">
+        <a:solidFill>
+          <a:schemeClr val="tx1"/>
+        </a:solidFill>
+        <a:latin typeface="+mn-lt"/>
+        <a:ea typeface="+mn-ea"/>
+        <a:cs typeface="+mn-cs"/>
+      </a:defRPr>
+    </a:lvl9pPr>
+  </p:notesStyle>
+</p:notesMaster>
+</file>
+
+<file path=ppt/notesSlides/notesSlide1.xml><?xml version="1.0" encoding="utf-8"?>
+<p:notes xmlns:a="http://schemas.openxmlformats.org/drawingml/2006/main" xmlns:r="http://schemas.openxmlformats.org/officeDocument/2006/relationships" xmlns:p="http://schemas.openxmlformats.org/presentationml/2006/main">
+  <p:cSld>
+    <p:spTree>
+      <p:nvGrpSpPr>
+        <p:cNvPr id="1" name=""/>
+        <p:cNvGrpSpPr/>
+        <p:nvPr/>
+      </p:nvGrpSpPr>
+      <p:grpSpPr>
+        <a:xfrm>
+          <a:off x="0" y="0"/>
+          <a:ext cx="0" cy="0"/>
+          <a:chOff x="0" y="0"/>
+          <a:chExt cx="0" cy="0"/>
+        </a:xfrm>
+      </p:grpSpPr>
+      <p:sp>
+        <p:nvSpPr>
+          <p:cNvPr id="2" name="スライド イメージ プレースホルダー 1"/>
+          <p:cNvSpPr>
+            <a:spLocks noGrp="1" noRot="1" noChangeAspect="1"/>
+          </p:cNvSpPr>
+          <p:nvPr>
+            <p:ph type="sldImg"/>
+          </p:nvPr>
+        </p:nvSpPr>
+        <p:spPr/>
+      </p:sp>
+      <p:sp>
+        <p:nvSpPr>
+          <p:cNvPr id="3" name="ノート プレースホルダー 2"/>
+          <p:cNvSpPr>
+            <a:spLocks noGrp="1"/>
+          </p:cNvSpPr>
+          <p:nvPr>
+            <p:ph type="body" idx="1"/>
+          </p:nvPr>
+        </p:nvSpPr>
+        <p:spPr/>
+        <p:txBody>
+          <a:bodyPr/>
+          <a:lstStyle/>
+          <a:p>
+            <a:endParaRPr kumimoji="1" lang="ja-JP" altLang="en-US"/>
+          </a:p>
+        </p:txBody>
+      </p:sp>
+      <p:sp>
+        <p:nvSpPr>
+          <p:cNvPr id="4" name="ヘッダー プレースホルダー 3"/>
+          <p:cNvSpPr>
+            <a:spLocks noGrp="1"/>
+          </p:cNvSpPr>
+          <p:nvPr>
+            <p:ph type="hdr" sz="quarter" idx="10"/>
+          </p:nvPr>
+        </p:nvSpPr>
+        <p:spPr/>
+        <p:txBody>
+          <a:bodyPr/>
+          <a:lstStyle/>
+          <a:p>
+            <a:endParaRPr lang="en-US" dirty="0"/>
+          </a:p>
+        </p:txBody>
+      </p:sp>
+      <p:sp>
+        <p:nvSpPr>
+          <p:cNvPr id="5" name="フッター プレースホルダー 4"/>
+          <p:cNvSpPr>
+            <a:spLocks noGrp="1"/>
+          </p:cNvSpPr>
+          <p:nvPr>
+            <p:ph type="ftr" sz="quarter" idx="11"/>
+          </p:nvPr>
+        </p:nvSpPr>
+        <p:spPr/>
+        <p:txBody>
+          <a:bodyPr/>
+          <a:lstStyle/>
+          <a:p>
+            <a:pPr defTabSz="914099" eaLnBrk="0" hangingPunct="0"/>
+            <a:r>
+              <a:rPr lang="en-US" sz="400">
+                <a:gradFill>
+                  <a:gsLst>
+                    <a:gs pos="0">
+                      <a:prstClr val="black"/>
+                    </a:gs>
+                    <a:gs pos="100000">
+                      <a:prstClr val="black"/>
+                    </a:gs>
+                  </a:gsLst>
+                  <a:lin ang="5400000" scaled="0"/>
+                </a:gradFill>
+                <a:latin typeface="Segoe UI" pitchFamily="34" charset="0"/>
+                <a:ea typeface="Segoe UI" pitchFamily="34" charset="0"/>
+                <a:cs typeface="Segoe UI" pitchFamily="34" charset="0"/>
+              </a:rPr>
+              <a:t>© 2013 Microsoft Corporation. All rights reserved. Microsoft, Windows, and other product names are or may be registered trademarks and/or trademarks in the U.S. and/or other countries. The information herein is for informational purposes only and represents the current view of Microsoft Corporation as of the date of this presentation.  Because Microsoft must respond to changing market conditions, it should not be interpreted to be a commitment on the part of Microsoft, and Microsoft cannot guarantee the accuracy of any information provided after the date of this presentation.  MICROSOFT MAKES NO WARRANTIES, EXPRESS, IMPLIED OR STATUTORY, AS TO THE INFORMATION IN THIS PRESENTATION.</a:t>
+            </a:r>
+            <a:endParaRPr lang="en-US" sz="400" dirty="0">
+              <a:gradFill>
+                <a:gsLst>
+                  <a:gs pos="0">
+                    <a:prstClr val="black"/>
+                  </a:gs>
+                  <a:gs pos="100000">
+                    <a:prstClr val="black"/>
+                  </a:gs>
+                </a:gsLst>
+                <a:lin ang="5400000" scaled="0"/>
+              </a:gradFill>
+              <a:latin typeface="Segoe UI" pitchFamily="34" charset="0"/>
+              <a:ea typeface="Segoe UI" pitchFamily="34" charset="0"/>
+              <a:cs typeface="Segoe UI" pitchFamily="34" charset="0"/>
+            </a:endParaRPr>
+          </a:p>
+        </p:txBody>
+      </p:sp>
+      <p:sp>
+        <p:nvSpPr>
+          <p:cNvPr id="6" name="日付プレースホルダー 5"/>
+          <p:cNvSpPr>
+            <a:spLocks noGrp="1"/>
+          </p:cNvSpPr>
+          <p:nvPr>
+            <p:ph type="dt" idx="12"/>
+          </p:nvPr>
+        </p:nvSpPr>
+        <p:spPr/>
+        <p:txBody>
+          <a:bodyPr/>
+          <a:lstStyle/>
+          <a:p>
+            <a:fld id="{64CFA94A-519F-445C-B30C-9E76FA6A2031}" type="datetime8">
+              <a:rPr lang="en-US" smtClean="0"/>
+              <a:t>6/8/2021 4:33 PM</a:t>
+            </a:fld>
+            <a:endParaRPr lang="en-US" dirty="0"/>
+          </a:p>
+        </p:txBody>
+      </p:sp>
+      <p:sp>
+        <p:nvSpPr>
+          <p:cNvPr id="7" name="スライド番号プレースホルダー 6"/>
+          <p:cNvSpPr>
+            <a:spLocks noGrp="1"/>
+          </p:cNvSpPr>
+          <p:nvPr>
+            <p:ph type="sldNum" sz="quarter" idx="13"/>
+          </p:nvPr>
+        </p:nvSpPr>
+        <p:spPr/>
+        <p:txBody>
+          <a:bodyPr/>
+          <a:lstStyle/>
+          <a:p>
+            <a:fld id="{B4008EB6-D09E-4580-8CD6-DDB14511944F}" type="slidenum">
+              <a:rPr lang="en-US" smtClean="0"/>
+              <a:pPr/>
+              <a:t>1</a:t>
+            </a:fld>
+            <a:endParaRPr lang="en-US" dirty="0"/>
+          </a:p>
+        </p:txBody>
+      </p:sp>
+    </p:spTree>
+    <p:extLst>
+      <p:ext uri="{BB962C8B-B14F-4D97-AF65-F5344CB8AC3E}">
+        <p14:creationId xmlns:p14="http://schemas.microsoft.com/office/powerpoint/2010/main" val="602126988"/>
+      </p:ext>
+    </p:extLst>
+  </p:cSld>
+  <p:clrMapOvr>
+    <a:masterClrMapping/>
+  </p:clrMapOvr>
+</p:notes>
+</file>
+
 <file path=ppt/slideLayouts/slideLayout1.xml><?xml version="1.0" encoding="utf-8"?>
 <p:sldLayout xmlns:a="http://schemas.openxmlformats.org/drawingml/2006/main" xmlns:r="http://schemas.openxmlformats.org/officeDocument/2006/relationships" xmlns:p="http://schemas.openxmlformats.org/presentationml/2006/main" type="title" preserve="1">
   <p:cSld name="タイトル スライド">
@@ -803,6 +1370,86 @@
   <p:clrMapOvr>
     <a:masterClrMapping/>
   </p:clrMapOvr>
+</p:sldLayout>
+</file>
+
+<file path=ppt/slideLayouts/slideLayout12.xml><?xml version="1.0" encoding="utf-8"?>
+<p:sldLayout xmlns:a="http://schemas.openxmlformats.org/drawingml/2006/main" xmlns:r="http://schemas.openxmlformats.org/officeDocument/2006/relationships" xmlns:p="http://schemas.openxmlformats.org/presentationml/2006/main" userDrawn="1">
+  <p:cSld name="Title Only">
+    <p:spTree>
+      <p:nvGrpSpPr>
+        <p:cNvPr id="1" name=""/>
+        <p:cNvGrpSpPr/>
+        <p:nvPr/>
+      </p:nvGrpSpPr>
+      <p:grpSpPr>
+        <a:xfrm>
+          <a:off x="0" y="0"/>
+          <a:ext cx="0" cy="0"/>
+          <a:chOff x="0" y="0"/>
+          <a:chExt cx="0" cy="0"/>
+        </a:xfrm>
+      </p:grpSpPr>
+      <p:sp>
+        <p:nvSpPr>
+          <p:cNvPr id="2" name="タイトル 1"/>
+          <p:cNvSpPr>
+            <a:spLocks noGrp="1"/>
+          </p:cNvSpPr>
+          <p:nvPr>
+            <p:ph type="title"/>
+          </p:nvPr>
+        </p:nvSpPr>
+        <p:spPr/>
+        <p:txBody>
+          <a:bodyPr/>
+          <a:lstStyle/>
+          <a:p>
+            <a:r>
+              <a:rPr kumimoji="1" lang="ja-JP" altLang="en-US"/>
+              <a:t>マスター タイトルの書式設定</a:t>
+            </a:r>
+          </a:p>
+        </p:txBody>
+      </p:sp>
+      <p:sp>
+        <p:nvSpPr>
+          <p:cNvPr id="3" name="スライド番号プレースホルダー 2"/>
+          <p:cNvSpPr>
+            <a:spLocks noGrp="1"/>
+          </p:cNvSpPr>
+          <p:nvPr>
+            <p:ph type="sldNum" sz="quarter" idx="10"/>
+          </p:nvPr>
+        </p:nvSpPr>
+        <p:spPr/>
+        <p:txBody>
+          <a:bodyPr/>
+          <a:lstStyle/>
+          <a:p>
+            <a:pPr defTabSz="914192"/>
+            <a:fld id="{B096BA3A-7840-470E-A799-24933E851897}" type="slidenum">
+              <a:rPr lang="ja-JP" altLang="en-US" smtClean="0"/>
+              <a:pPr defTabSz="914192"/>
+              <a:t>‹#›</a:t>
+            </a:fld>
+            <a:endParaRPr lang="ja-JP" altLang="en-US"/>
+          </a:p>
+        </p:txBody>
+      </p:sp>
+    </p:spTree>
+    <p:extLst>
+      <p:ext uri="{BB962C8B-B14F-4D97-AF65-F5344CB8AC3E}">
+        <p14:creationId xmlns:p14="http://schemas.microsoft.com/office/powerpoint/2010/main" val="4097031444"/>
+      </p:ext>
+    </p:extLst>
+  </p:cSld>
+  <p:clrMapOvr>
+    <a:masterClrMapping/>
+  </p:clrMapOvr>
+  <p:transition>
+    <p:fade/>
+  </p:transition>
 </p:sldLayout>
 </file>
 
@@ -3317,6 +3964,7 @@
     <p:sldLayoutId id="2147483657" r:id="rId9"/>
     <p:sldLayoutId id="2147483658" r:id="rId10"/>
     <p:sldLayoutId id="2147483659" r:id="rId11"/>
+    <p:sldLayoutId id="2147483660" r:id="rId12"/>
   </p:sldLayoutIdLst>
   <p:txStyles>
     <p:titleStyle>
@@ -3620,842 +4268,59 @@
       </p:grpSpPr>
       <p:sp>
         <p:nvSpPr>
-          <p:cNvPr id="4" name="四角形: 角を丸くする 3">
-            <a:extLst>
-              <a:ext uri="{FF2B5EF4-FFF2-40B4-BE49-F238E27FC236}">
-                <a16:creationId xmlns:a16="http://schemas.microsoft.com/office/drawing/2014/main" id="{6670370C-2C66-4CEA-814D-316131EE75B2}"/>
+          <p:cNvPr id="3" name="スライド番号プレースホルダー 2">
+            <a:extLst>
+              <a:ext uri="{FF2B5EF4-FFF2-40B4-BE49-F238E27FC236}">
+                <a16:creationId xmlns:a16="http://schemas.microsoft.com/office/drawing/2014/main" id="{FB70C7D6-07F4-45DE-BD98-417DBA95A86D}"/>
+              </a:ext>
+            </a:extLst>
+          </p:cNvPr>
+          <p:cNvSpPr>
+            <a:spLocks noGrp="1"/>
+          </p:cNvSpPr>
+          <p:nvPr>
+            <p:ph type="sldNum" sz="quarter" idx="12"/>
+          </p:nvPr>
+        </p:nvSpPr>
+        <p:spPr/>
+        <p:txBody>
+          <a:bodyPr/>
+          <a:lstStyle/>
+          <a:p>
+            <a:pPr defTabSz="914192"/>
+            <a:fld id="{B096BA3A-7840-470E-A799-24933E851897}" type="slidenum">
+              <a:rPr kumimoji="1" lang="ja-JP" altLang="en-US" smtClean="0"/>
+              <a:pPr defTabSz="914192"/>
+              <a:t>1</a:t>
+            </a:fld>
+            <a:endParaRPr kumimoji="1" lang="ja-JP" altLang="en-US"/>
+          </a:p>
+        </p:txBody>
+      </p:sp>
+      <p:sp>
+        <p:nvSpPr>
+          <p:cNvPr id="4" name="正方形/長方形 3">
+            <a:extLst>
+              <a:ext uri="{FF2B5EF4-FFF2-40B4-BE49-F238E27FC236}">
+                <a16:creationId xmlns:a16="http://schemas.microsoft.com/office/drawing/2014/main" id="{11D87B15-9C79-45C4-8B8A-73EF03B5C3F7}"/>
               </a:ext>
             </a:extLst>
           </p:cNvPr>
           <p:cNvSpPr/>
           <p:nvPr/>
         </p:nvSpPr>
-        <p:spPr>
-          <a:xfrm>
-            <a:off x="4694985" y="2664691"/>
-            <a:ext cx="1756618" cy="932169"/>
-          </a:xfrm>
-          <a:prstGeom prst="roundRect">
-            <a:avLst/>
-          </a:prstGeom>
-          <a:noFill/>
-          <a:ln w="28575"/>
-        </p:spPr>
-        <p:style>
-          <a:lnRef idx="2">
-            <a:schemeClr val="accent1">
-              <a:shade val="50000"/>
-            </a:schemeClr>
-          </a:lnRef>
-          <a:fillRef idx="1">
-            <a:schemeClr val="accent1"/>
-          </a:fillRef>
-          <a:effectRef idx="0">
-            <a:schemeClr val="accent1"/>
-          </a:effectRef>
-          <a:fontRef idx="minor">
-            <a:schemeClr val="lt1"/>
-          </a:fontRef>
-        </p:style>
-        <p:txBody>
-          <a:bodyPr rtlCol="0" anchor="ctr"/>
-          <a:lstStyle/>
-          <a:p>
-            <a:r>
-              <a:rPr kumimoji="1" lang="ja-JP" altLang="en-US" dirty="0">
-                <a:solidFill>
-                  <a:schemeClr val="tx1"/>
-                </a:solidFill>
-              </a:rPr>
-              <a:t>コントロール</a:t>
-            </a:r>
-            <a:br>
-              <a:rPr kumimoji="1" lang="en-US" altLang="ja-JP" dirty="0">
-                <a:solidFill>
-                  <a:schemeClr val="tx1"/>
-                </a:solidFill>
-              </a:rPr>
-            </a:br>
-            <a:r>
-              <a:rPr kumimoji="1" lang="ja-JP" altLang="en-US" dirty="0">
-                <a:solidFill>
-                  <a:schemeClr val="tx1"/>
-                </a:solidFill>
-              </a:rPr>
-              <a:t>プレーン</a:t>
-            </a:r>
-          </a:p>
-        </p:txBody>
-      </p:sp>
-      <p:sp>
-        <p:nvSpPr>
-          <p:cNvPr id="6" name="四角形: 角を丸くする 5">
-            <a:extLst>
-              <a:ext uri="{FF2B5EF4-FFF2-40B4-BE49-F238E27FC236}">
-                <a16:creationId xmlns:a16="http://schemas.microsoft.com/office/drawing/2014/main" id="{EC28EE7C-AE8C-439F-8934-4FDFCA73EC8F}"/>
-              </a:ext>
-            </a:extLst>
-          </p:cNvPr>
-          <p:cNvSpPr/>
-          <p:nvPr/>
-        </p:nvSpPr>
-        <p:spPr>
-          <a:xfrm>
-            <a:off x="4694984" y="1223702"/>
-            <a:ext cx="1756618" cy="932169"/>
-          </a:xfrm>
-          <a:prstGeom prst="roundRect">
-            <a:avLst/>
-          </a:prstGeom>
-          <a:noFill/>
-          <a:ln w="28575"/>
-        </p:spPr>
-        <p:style>
-          <a:lnRef idx="2">
-            <a:schemeClr val="accent1">
-              <a:shade val="50000"/>
-            </a:schemeClr>
-          </a:lnRef>
-          <a:fillRef idx="1">
-            <a:schemeClr val="accent1"/>
-          </a:fillRef>
-          <a:effectRef idx="0">
-            <a:schemeClr val="accent1"/>
-          </a:effectRef>
-          <a:fontRef idx="minor">
-            <a:schemeClr val="lt1"/>
-          </a:fontRef>
-        </p:style>
-        <p:txBody>
-          <a:bodyPr rtlCol="0" anchor="ctr"/>
-          <a:lstStyle/>
-          <a:p>
-            <a:r>
-              <a:rPr kumimoji="1" lang="ja-JP" altLang="en-US" dirty="0">
-                <a:solidFill>
-                  <a:schemeClr val="tx1"/>
-                </a:solidFill>
-              </a:rPr>
-              <a:t>データ</a:t>
-            </a:r>
-            <a:br>
-              <a:rPr kumimoji="1" lang="en-US" altLang="ja-JP" dirty="0">
-                <a:solidFill>
-                  <a:schemeClr val="tx1"/>
-                </a:solidFill>
-              </a:rPr>
-            </a:br>
-            <a:r>
-              <a:rPr kumimoji="1" lang="ja-JP" altLang="en-US" dirty="0">
-                <a:solidFill>
-                  <a:schemeClr val="tx1"/>
-                </a:solidFill>
-              </a:rPr>
-              <a:t>プレーン</a:t>
-            </a:r>
-          </a:p>
-        </p:txBody>
-      </p:sp>
-      <p:sp>
-        <p:nvSpPr>
-          <p:cNvPr id="7" name="楕円 6">
-            <a:extLst>
-              <a:ext uri="{FF2B5EF4-FFF2-40B4-BE49-F238E27FC236}">
-                <a16:creationId xmlns:a16="http://schemas.microsoft.com/office/drawing/2014/main" id="{E62BD395-278A-47E0-A356-513DCA97FAF2}"/>
-              </a:ext>
-            </a:extLst>
-          </p:cNvPr>
-          <p:cNvSpPr/>
-          <p:nvPr/>
-        </p:nvSpPr>
-        <p:spPr>
-          <a:xfrm>
-            <a:off x="3413630" y="1540791"/>
-            <a:ext cx="297989" cy="297989"/>
-          </a:xfrm>
-          <a:prstGeom prst="ellipse">
-            <a:avLst/>
-          </a:prstGeom>
-        </p:spPr>
-        <p:style>
-          <a:lnRef idx="2">
-            <a:schemeClr val="accent1">
-              <a:shade val="50000"/>
-            </a:schemeClr>
-          </a:lnRef>
-          <a:fillRef idx="1">
-            <a:schemeClr val="accent1"/>
-          </a:fillRef>
-          <a:effectRef idx="0">
-            <a:schemeClr val="accent1"/>
-          </a:effectRef>
-          <a:fontRef idx="minor">
-            <a:schemeClr val="lt1"/>
-          </a:fontRef>
-        </p:style>
-        <p:txBody>
-          <a:bodyPr rtlCol="0" anchor="ctr"/>
-          <a:lstStyle/>
-          <a:p>
-            <a:pPr algn="ctr"/>
-            <a:endParaRPr kumimoji="1" lang="ja-JP" altLang="en-US"/>
-          </a:p>
-        </p:txBody>
-      </p:sp>
-      <p:cxnSp>
-        <p:nvCxnSpPr>
-          <p:cNvPr id="9" name="直線コネクタ 8">
-            <a:extLst>
-              <a:ext uri="{FF2B5EF4-FFF2-40B4-BE49-F238E27FC236}">
-                <a16:creationId xmlns:a16="http://schemas.microsoft.com/office/drawing/2014/main" id="{7CEA9682-0B73-447B-9710-700924131D8C}"/>
-              </a:ext>
-            </a:extLst>
-          </p:cNvPr>
-          <p:cNvCxnSpPr>
-            <a:cxnSpLocks/>
-            <a:stCxn id="7" idx="6"/>
-            <a:endCxn id="6" idx="1"/>
-          </p:cNvCxnSpPr>
-          <p:nvPr/>
-        </p:nvCxnSpPr>
-        <p:spPr>
-          <a:xfrm>
-            <a:off x="3711619" y="1689786"/>
-            <a:ext cx="983365" cy="1"/>
-          </a:xfrm>
-          <a:prstGeom prst="line">
-            <a:avLst/>
-          </a:prstGeom>
-          <a:ln w="28575"/>
-        </p:spPr>
-        <p:style>
-          <a:lnRef idx="1">
-            <a:schemeClr val="accent1"/>
-          </a:lnRef>
-          <a:fillRef idx="0">
-            <a:schemeClr val="accent1"/>
-          </a:fillRef>
-          <a:effectRef idx="0">
-            <a:schemeClr val="accent1"/>
-          </a:effectRef>
-          <a:fontRef idx="minor">
-            <a:schemeClr val="tx1"/>
-          </a:fontRef>
-        </p:style>
-      </p:cxnSp>
-      <p:sp>
-        <p:nvSpPr>
-          <p:cNvPr id="11" name="楕円 10">
-            <a:extLst>
-              <a:ext uri="{FF2B5EF4-FFF2-40B4-BE49-F238E27FC236}">
-                <a16:creationId xmlns:a16="http://schemas.microsoft.com/office/drawing/2014/main" id="{96D1C5D4-A727-4FD6-85E9-E81C02F20827}"/>
-              </a:ext>
-            </a:extLst>
-          </p:cNvPr>
-          <p:cNvSpPr/>
-          <p:nvPr/>
-        </p:nvSpPr>
-        <p:spPr>
-          <a:xfrm>
-            <a:off x="3413631" y="2981781"/>
-            <a:ext cx="297989" cy="297989"/>
-          </a:xfrm>
-          <a:prstGeom prst="ellipse">
-            <a:avLst/>
-          </a:prstGeom>
-        </p:spPr>
-        <p:style>
-          <a:lnRef idx="2">
-            <a:schemeClr val="accent1">
-              <a:shade val="50000"/>
-            </a:schemeClr>
-          </a:lnRef>
-          <a:fillRef idx="1">
-            <a:schemeClr val="accent1"/>
-          </a:fillRef>
-          <a:effectRef idx="0">
-            <a:schemeClr val="accent1"/>
-          </a:effectRef>
-          <a:fontRef idx="minor">
-            <a:schemeClr val="lt1"/>
-          </a:fontRef>
-        </p:style>
-        <p:txBody>
-          <a:bodyPr rtlCol="0" anchor="ctr"/>
-          <a:lstStyle/>
-          <a:p>
-            <a:pPr algn="ctr"/>
-            <a:endParaRPr kumimoji="1" lang="ja-JP" altLang="en-US"/>
-          </a:p>
-        </p:txBody>
-      </p:sp>
-      <p:cxnSp>
-        <p:nvCxnSpPr>
-          <p:cNvPr id="13" name="直線コネクタ 12">
-            <a:extLst>
-              <a:ext uri="{FF2B5EF4-FFF2-40B4-BE49-F238E27FC236}">
-                <a16:creationId xmlns:a16="http://schemas.microsoft.com/office/drawing/2014/main" id="{1AB2C7ED-E01C-4CFC-9419-436D4446D416}"/>
-              </a:ext>
-            </a:extLst>
-          </p:cNvPr>
-          <p:cNvCxnSpPr>
-            <a:cxnSpLocks/>
-            <a:stCxn id="11" idx="6"/>
-            <a:endCxn id="4" idx="1"/>
-          </p:cNvCxnSpPr>
-          <p:nvPr/>
-        </p:nvCxnSpPr>
-        <p:spPr>
-          <a:xfrm>
-            <a:off x="3711620" y="3130776"/>
-            <a:ext cx="983365" cy="0"/>
-          </a:xfrm>
-          <a:prstGeom prst="line">
-            <a:avLst/>
-          </a:prstGeom>
-          <a:ln w="28575"/>
-        </p:spPr>
-        <p:style>
-          <a:lnRef idx="1">
-            <a:schemeClr val="accent1"/>
-          </a:lnRef>
-          <a:fillRef idx="0">
-            <a:schemeClr val="accent1"/>
-          </a:fillRef>
-          <a:effectRef idx="0">
-            <a:schemeClr val="accent1"/>
-          </a:effectRef>
-          <a:fontRef idx="minor">
-            <a:schemeClr val="tx1"/>
-          </a:fontRef>
-        </p:style>
-      </p:cxnSp>
-      <p:pic>
-        <p:nvPicPr>
-          <p:cNvPr id="25" name="グラフィックス 24">
-            <a:extLst>
-              <a:ext uri="{FF2B5EF4-FFF2-40B4-BE49-F238E27FC236}">
-                <a16:creationId xmlns:a16="http://schemas.microsoft.com/office/drawing/2014/main" id="{4EA477ED-7EFB-4787-8F2B-88475753B17D}"/>
-              </a:ext>
-            </a:extLst>
-          </p:cNvPr>
-          <p:cNvPicPr>
-            <a:picLocks noChangeAspect="1"/>
-          </p:cNvPicPr>
-          <p:nvPr/>
-        </p:nvPicPr>
-        <p:blipFill>
-          <a:blip r:embed="rId2">
-            <a:extLst>
-              <a:ext uri="{28A0092B-C50C-407E-A947-70E740481C1C}">
-                <a14:useLocalDpi xmlns:a14="http://schemas.microsoft.com/office/drawing/2010/main" val="0"/>
-              </a:ext>
-              <a:ext uri="{96DAC541-7B7A-43D3-8B79-37D633B846F1}">
-                <asvg:svgBlip xmlns:asvg="http://schemas.microsoft.com/office/drawing/2016/SVG/main" r:embed="rId3"/>
-              </a:ext>
-            </a:extLst>
-          </a:blip>
-          <a:stretch>
-            <a:fillRect/>
-          </a:stretch>
-        </p:blipFill>
-        <p:spPr>
-          <a:xfrm>
-            <a:off x="8546525" y="2834827"/>
-            <a:ext cx="591895" cy="591895"/>
+        <p:spPr bwMode="auto">
+          <a:xfrm>
+            <a:off x="729391" y="2472620"/>
+            <a:ext cx="3145533" cy="1726035"/>
           </a:xfrm>
           <a:prstGeom prst="rect">
             <a:avLst/>
           </a:prstGeom>
-        </p:spPr>
-      </p:pic>
-      <p:sp>
-        <p:nvSpPr>
-          <p:cNvPr id="28" name="四角形: 角を丸くする 27">
-            <a:extLst>
-              <a:ext uri="{FF2B5EF4-FFF2-40B4-BE49-F238E27FC236}">
-                <a16:creationId xmlns:a16="http://schemas.microsoft.com/office/drawing/2014/main" id="{9A810419-EF93-4002-A4A1-C904CF6D443D}"/>
-              </a:ext>
-            </a:extLst>
-          </p:cNvPr>
-          <p:cNvSpPr/>
-          <p:nvPr/>
-        </p:nvSpPr>
-        <p:spPr>
-          <a:xfrm>
-            <a:off x="6757258" y="1223702"/>
-            <a:ext cx="1334990" cy="2408884"/>
-          </a:xfrm>
-          <a:prstGeom prst="roundRect">
-            <a:avLst/>
-          </a:prstGeom>
-          <a:noFill/>
-        </p:spPr>
-        <p:style>
-          <a:lnRef idx="2">
-            <a:schemeClr val="accent2"/>
-          </a:lnRef>
-          <a:fillRef idx="1">
-            <a:schemeClr val="lt1"/>
-          </a:fillRef>
-          <a:effectRef idx="0">
-            <a:schemeClr val="accent2"/>
-          </a:effectRef>
-          <a:fontRef idx="minor">
-            <a:schemeClr val="dk1"/>
-          </a:fontRef>
-        </p:style>
-        <p:txBody>
-          <a:bodyPr rtlCol="0" anchor="ctr"/>
-          <a:lstStyle/>
-          <a:p>
-            <a:pPr algn="ctr"/>
-            <a:r>
-              <a:rPr kumimoji="1" lang="en-US" altLang="ja-JP" dirty="0"/>
-              <a:t>RBAC</a:t>
-            </a:r>
-            <a:endParaRPr kumimoji="1" lang="ja-JP" altLang="en-US" dirty="0"/>
-          </a:p>
-        </p:txBody>
-      </p:sp>
-      <p:sp>
-        <p:nvSpPr>
-          <p:cNvPr id="31" name="四角形: 角を丸くする 30">
-            <a:extLst>
-              <a:ext uri="{FF2B5EF4-FFF2-40B4-BE49-F238E27FC236}">
-                <a16:creationId xmlns:a16="http://schemas.microsoft.com/office/drawing/2014/main" id="{79034F7C-0F45-4105-B786-870B36A57149}"/>
-              </a:ext>
-            </a:extLst>
-          </p:cNvPr>
-          <p:cNvSpPr/>
-          <p:nvPr/>
-        </p:nvSpPr>
-        <p:spPr>
-          <a:xfrm>
-            <a:off x="6822428" y="2738328"/>
-            <a:ext cx="753566" cy="300005"/>
-          </a:xfrm>
-          <a:prstGeom prst="roundRect">
-            <a:avLst/>
-          </a:prstGeom>
-        </p:spPr>
-        <p:style>
-          <a:lnRef idx="2">
-            <a:schemeClr val="accent2">
-              <a:shade val="50000"/>
-            </a:schemeClr>
-          </a:lnRef>
-          <a:fillRef idx="1">
-            <a:schemeClr val="accent2"/>
-          </a:fillRef>
-          <a:effectRef idx="0">
-            <a:schemeClr val="accent2"/>
-          </a:effectRef>
-          <a:fontRef idx="minor">
-            <a:schemeClr val="lt1"/>
-          </a:fontRef>
-        </p:style>
-        <p:txBody>
-          <a:bodyPr rtlCol="0" anchor="ctr"/>
-          <a:lstStyle/>
-          <a:p>
-            <a:pPr algn="ctr"/>
-            <a:r>
-              <a:rPr kumimoji="1" lang="en-US" altLang="ja-JP" sz="1200" dirty="0"/>
-              <a:t>Actions</a:t>
-            </a:r>
-            <a:endParaRPr kumimoji="1" lang="ja-JP" altLang="en-US" sz="1200" dirty="0"/>
-          </a:p>
-        </p:txBody>
-      </p:sp>
-      <p:sp>
-        <p:nvSpPr>
-          <p:cNvPr id="33" name="四角形: 角を丸くする 32">
-            <a:extLst>
-              <a:ext uri="{FF2B5EF4-FFF2-40B4-BE49-F238E27FC236}">
-                <a16:creationId xmlns:a16="http://schemas.microsoft.com/office/drawing/2014/main" id="{70FAD5BC-47EE-4CED-83E2-5BF8F47375B5}"/>
-              </a:ext>
-            </a:extLst>
-          </p:cNvPr>
-          <p:cNvSpPr/>
-          <p:nvPr/>
-        </p:nvSpPr>
-        <p:spPr>
-          <a:xfrm>
-            <a:off x="6974828" y="2890728"/>
-            <a:ext cx="753566" cy="300005"/>
-          </a:xfrm>
-          <a:prstGeom prst="roundRect">
-            <a:avLst/>
-          </a:prstGeom>
-        </p:spPr>
-        <p:style>
-          <a:lnRef idx="2">
-            <a:schemeClr val="accent2">
-              <a:shade val="50000"/>
-            </a:schemeClr>
-          </a:lnRef>
-          <a:fillRef idx="1">
-            <a:schemeClr val="accent2"/>
-          </a:fillRef>
-          <a:effectRef idx="0">
-            <a:schemeClr val="accent2"/>
-          </a:effectRef>
-          <a:fontRef idx="minor">
-            <a:schemeClr val="lt1"/>
-          </a:fontRef>
-        </p:style>
-        <p:txBody>
-          <a:bodyPr rtlCol="0" anchor="ctr"/>
-          <a:lstStyle/>
-          <a:p>
-            <a:pPr algn="ctr"/>
-            <a:r>
-              <a:rPr kumimoji="1" lang="en-US" altLang="ja-JP" sz="1200" dirty="0"/>
-              <a:t>Actions</a:t>
-            </a:r>
-            <a:endParaRPr kumimoji="1" lang="ja-JP" altLang="en-US" sz="1200" dirty="0"/>
-          </a:p>
-        </p:txBody>
-      </p:sp>
-      <p:sp>
-        <p:nvSpPr>
-          <p:cNvPr id="35" name="四角形: 角を丸くする 34">
-            <a:extLst>
-              <a:ext uri="{FF2B5EF4-FFF2-40B4-BE49-F238E27FC236}">
-                <a16:creationId xmlns:a16="http://schemas.microsoft.com/office/drawing/2014/main" id="{2F05B8BE-BAFA-46DA-A32E-A2A80EE48909}"/>
-              </a:ext>
-            </a:extLst>
-          </p:cNvPr>
-          <p:cNvSpPr/>
-          <p:nvPr/>
-        </p:nvSpPr>
-        <p:spPr>
-          <a:xfrm>
-            <a:off x="7127228" y="3043128"/>
-            <a:ext cx="753566" cy="300005"/>
-          </a:xfrm>
-          <a:prstGeom prst="roundRect">
-            <a:avLst/>
-          </a:prstGeom>
-        </p:spPr>
-        <p:style>
-          <a:lnRef idx="2">
-            <a:schemeClr val="accent2">
-              <a:shade val="50000"/>
-            </a:schemeClr>
-          </a:lnRef>
-          <a:fillRef idx="1">
-            <a:schemeClr val="accent2"/>
-          </a:fillRef>
-          <a:effectRef idx="0">
-            <a:schemeClr val="accent2"/>
-          </a:effectRef>
-          <a:fontRef idx="minor">
-            <a:schemeClr val="lt1"/>
-          </a:fontRef>
-        </p:style>
-        <p:txBody>
-          <a:bodyPr rtlCol="0" anchor="ctr"/>
-          <a:lstStyle/>
-          <a:p>
-            <a:pPr algn="ctr"/>
-            <a:r>
-              <a:rPr kumimoji="1" lang="en-US" altLang="ja-JP" sz="1200" dirty="0"/>
-              <a:t>Actions</a:t>
-            </a:r>
-            <a:endParaRPr kumimoji="1" lang="ja-JP" altLang="en-US" sz="1200" dirty="0"/>
-          </a:p>
-        </p:txBody>
-      </p:sp>
-      <p:sp>
-        <p:nvSpPr>
-          <p:cNvPr id="37" name="四角形: 角を丸くする 36">
-            <a:extLst>
-              <a:ext uri="{FF2B5EF4-FFF2-40B4-BE49-F238E27FC236}">
-                <a16:creationId xmlns:a16="http://schemas.microsoft.com/office/drawing/2014/main" id="{4D574B7F-AF92-4E38-A21E-312BD290E068}"/>
-              </a:ext>
-            </a:extLst>
-          </p:cNvPr>
-          <p:cNvSpPr/>
-          <p:nvPr/>
-        </p:nvSpPr>
-        <p:spPr>
-          <a:xfrm>
-            <a:off x="7279628" y="3195528"/>
-            <a:ext cx="753566" cy="300005"/>
-          </a:xfrm>
-          <a:prstGeom prst="roundRect">
-            <a:avLst/>
-          </a:prstGeom>
-        </p:spPr>
-        <p:style>
-          <a:lnRef idx="2">
-            <a:schemeClr val="accent2">
-              <a:shade val="50000"/>
-            </a:schemeClr>
-          </a:lnRef>
-          <a:fillRef idx="1">
-            <a:schemeClr val="accent2"/>
-          </a:fillRef>
-          <a:effectRef idx="0">
-            <a:schemeClr val="accent2"/>
-          </a:effectRef>
-          <a:fontRef idx="minor">
-            <a:schemeClr val="lt1"/>
-          </a:fontRef>
-        </p:style>
-        <p:txBody>
-          <a:bodyPr rtlCol="0" anchor="ctr"/>
-          <a:lstStyle/>
-          <a:p>
-            <a:pPr algn="ctr"/>
-            <a:r>
-              <a:rPr kumimoji="1" lang="en-US" altLang="ja-JP" sz="1200" dirty="0"/>
-              <a:t>Actions</a:t>
-            </a:r>
-            <a:endParaRPr kumimoji="1" lang="ja-JP" altLang="en-US" sz="1200" dirty="0"/>
-          </a:p>
-        </p:txBody>
-      </p:sp>
-      <p:sp>
-        <p:nvSpPr>
-          <p:cNvPr id="39" name="四角形: 角を丸くする 38">
-            <a:extLst>
-              <a:ext uri="{FF2B5EF4-FFF2-40B4-BE49-F238E27FC236}">
-                <a16:creationId xmlns:a16="http://schemas.microsoft.com/office/drawing/2014/main" id="{779757E5-1AA0-45A9-8D76-9CE297D1C273}"/>
-              </a:ext>
-            </a:extLst>
-          </p:cNvPr>
-          <p:cNvSpPr/>
-          <p:nvPr/>
-        </p:nvSpPr>
-        <p:spPr>
-          <a:xfrm>
-            <a:off x="6894411" y="1384986"/>
-            <a:ext cx="753566" cy="355614"/>
-          </a:xfrm>
-          <a:prstGeom prst="roundRect">
-            <a:avLst/>
-          </a:prstGeom>
-        </p:spPr>
-        <p:style>
-          <a:lnRef idx="2">
-            <a:schemeClr val="accent2">
-              <a:shade val="50000"/>
-            </a:schemeClr>
-          </a:lnRef>
-          <a:fillRef idx="1">
-            <a:schemeClr val="accent2"/>
-          </a:fillRef>
-          <a:effectRef idx="0">
-            <a:schemeClr val="accent2"/>
-          </a:effectRef>
-          <a:fontRef idx="minor">
-            <a:schemeClr val="lt1"/>
-          </a:fontRef>
-        </p:style>
-        <p:txBody>
-          <a:bodyPr rtlCol="0" anchor="ctr"/>
-          <a:lstStyle/>
-          <a:p>
-            <a:pPr algn="ctr"/>
-            <a:r>
-              <a:rPr kumimoji="1" lang="en-US" altLang="ja-JP" sz="1200" dirty="0"/>
-              <a:t>Data</a:t>
-            </a:r>
-            <a:br>
-              <a:rPr kumimoji="1" lang="en-US" altLang="ja-JP" sz="1200" dirty="0"/>
-            </a:br>
-            <a:r>
-              <a:rPr kumimoji="1" lang="en-US" altLang="ja-JP" sz="1200" dirty="0"/>
-              <a:t>Actions</a:t>
-            </a:r>
-            <a:endParaRPr kumimoji="1" lang="ja-JP" altLang="en-US" sz="1200" dirty="0"/>
-          </a:p>
-        </p:txBody>
-      </p:sp>
-      <p:sp>
-        <p:nvSpPr>
-          <p:cNvPr id="41" name="四角形: 角を丸くする 40">
-            <a:extLst>
-              <a:ext uri="{FF2B5EF4-FFF2-40B4-BE49-F238E27FC236}">
-                <a16:creationId xmlns:a16="http://schemas.microsoft.com/office/drawing/2014/main" id="{5AAC973D-B3D9-438E-A178-24FBAC99854E}"/>
-              </a:ext>
-            </a:extLst>
-          </p:cNvPr>
-          <p:cNvSpPr/>
-          <p:nvPr/>
-        </p:nvSpPr>
-        <p:spPr>
-          <a:xfrm>
-            <a:off x="7046811" y="1537386"/>
-            <a:ext cx="753566" cy="355614"/>
-          </a:xfrm>
-          <a:prstGeom prst="roundRect">
-            <a:avLst/>
-          </a:prstGeom>
-        </p:spPr>
-        <p:style>
-          <a:lnRef idx="2">
-            <a:schemeClr val="accent2">
-              <a:shade val="50000"/>
-            </a:schemeClr>
-          </a:lnRef>
-          <a:fillRef idx="1">
-            <a:schemeClr val="accent2"/>
-          </a:fillRef>
-          <a:effectRef idx="0">
-            <a:schemeClr val="accent2"/>
-          </a:effectRef>
-          <a:fontRef idx="minor">
-            <a:schemeClr val="lt1"/>
-          </a:fontRef>
-        </p:style>
-        <p:txBody>
-          <a:bodyPr rtlCol="0" anchor="ctr"/>
-          <a:lstStyle/>
-          <a:p>
-            <a:pPr algn="ctr"/>
-            <a:r>
-              <a:rPr kumimoji="1" lang="en-US" altLang="ja-JP" sz="1200" dirty="0"/>
-              <a:t>Data</a:t>
-            </a:r>
-            <a:br>
-              <a:rPr kumimoji="1" lang="en-US" altLang="ja-JP" sz="1200" dirty="0"/>
-            </a:br>
-            <a:r>
-              <a:rPr kumimoji="1" lang="en-US" altLang="ja-JP" sz="1200" dirty="0"/>
-              <a:t>Actions</a:t>
-            </a:r>
-            <a:endParaRPr kumimoji="1" lang="ja-JP" altLang="en-US" sz="1200" dirty="0"/>
-          </a:p>
-        </p:txBody>
-      </p:sp>
-      <p:sp>
-        <p:nvSpPr>
-          <p:cNvPr id="43" name="四角形: 角を丸くする 42">
-            <a:extLst>
-              <a:ext uri="{FF2B5EF4-FFF2-40B4-BE49-F238E27FC236}">
-                <a16:creationId xmlns:a16="http://schemas.microsoft.com/office/drawing/2014/main" id="{8BF97DDB-65EA-4073-BEE7-10A103DF70D2}"/>
-              </a:ext>
-            </a:extLst>
-          </p:cNvPr>
-          <p:cNvSpPr/>
-          <p:nvPr/>
-        </p:nvSpPr>
-        <p:spPr>
-          <a:xfrm>
-            <a:off x="7199211" y="1689786"/>
-            <a:ext cx="753566" cy="355614"/>
-          </a:xfrm>
-          <a:prstGeom prst="roundRect">
-            <a:avLst/>
-          </a:prstGeom>
-        </p:spPr>
-        <p:style>
-          <a:lnRef idx="2">
-            <a:schemeClr val="accent2">
-              <a:shade val="50000"/>
-            </a:schemeClr>
-          </a:lnRef>
-          <a:fillRef idx="1">
-            <a:schemeClr val="accent2"/>
-          </a:fillRef>
-          <a:effectRef idx="0">
-            <a:schemeClr val="accent2"/>
-          </a:effectRef>
-          <a:fontRef idx="minor">
-            <a:schemeClr val="lt1"/>
-          </a:fontRef>
-        </p:style>
-        <p:txBody>
-          <a:bodyPr rtlCol="0" anchor="ctr"/>
-          <a:lstStyle/>
-          <a:p>
-            <a:pPr algn="ctr"/>
-            <a:r>
-              <a:rPr kumimoji="1" lang="en-US" altLang="ja-JP" sz="1200" dirty="0"/>
-              <a:t>Data</a:t>
-            </a:r>
-            <a:br>
-              <a:rPr kumimoji="1" lang="en-US" altLang="ja-JP" sz="1200" dirty="0"/>
-            </a:br>
-            <a:r>
-              <a:rPr kumimoji="1" lang="en-US" altLang="ja-JP" sz="1200" dirty="0"/>
-              <a:t>Actions</a:t>
-            </a:r>
-            <a:endParaRPr kumimoji="1" lang="ja-JP" altLang="en-US" sz="1200" dirty="0"/>
-          </a:p>
-        </p:txBody>
-      </p:sp>
-      <p:sp>
-        <p:nvSpPr>
-          <p:cNvPr id="46" name="テキスト ボックス 45">
-            <a:extLst>
-              <a:ext uri="{FF2B5EF4-FFF2-40B4-BE49-F238E27FC236}">
-                <a16:creationId xmlns:a16="http://schemas.microsoft.com/office/drawing/2014/main" id="{0D1C0DD0-0B72-4144-9179-EC2D99830AA7}"/>
-              </a:ext>
-            </a:extLst>
-          </p:cNvPr>
-          <p:cNvSpPr txBox="1"/>
-          <p:nvPr/>
-        </p:nvSpPr>
-        <p:spPr>
-          <a:xfrm>
-            <a:off x="8301298" y="3459716"/>
-            <a:ext cx="1082348" cy="523220"/>
-          </a:xfrm>
-          <a:prstGeom prst="rect">
-            <a:avLst/>
-          </a:prstGeom>
-          <a:noFill/>
-        </p:spPr>
-        <p:txBody>
-          <a:bodyPr wrap="none" rtlCol="0">
-            <a:spAutoFit/>
-          </a:bodyPr>
-          <a:lstStyle/>
-          <a:p>
-            <a:r>
-              <a:rPr lang="ja-JP" altLang="en-US" sz="1400" dirty="0"/>
-              <a:t>ストレージ</a:t>
-            </a:r>
-            <a:br>
-              <a:rPr lang="en-US" altLang="ja-JP" sz="1400" dirty="0"/>
-            </a:br>
-            <a:r>
-              <a:rPr lang="ja-JP" altLang="en-US" sz="1400" dirty="0"/>
-              <a:t>アカウント</a:t>
-            </a:r>
-            <a:endParaRPr kumimoji="1" lang="ja-JP" altLang="en-US" sz="1400" dirty="0"/>
-          </a:p>
-        </p:txBody>
-      </p:sp>
-      <p:sp>
-        <p:nvSpPr>
-          <p:cNvPr id="47" name="吹き出し: 角を丸めた四角形 46">
-            <a:extLst>
-              <a:ext uri="{FF2B5EF4-FFF2-40B4-BE49-F238E27FC236}">
-                <a16:creationId xmlns:a16="http://schemas.microsoft.com/office/drawing/2014/main" id="{CF34E990-7D1C-4EE4-8088-49DCDC058D18}"/>
-              </a:ext>
-            </a:extLst>
-          </p:cNvPr>
-          <p:cNvSpPr/>
-          <p:nvPr/>
-        </p:nvSpPr>
-        <p:spPr>
-          <a:xfrm>
-            <a:off x="8626358" y="1187976"/>
-            <a:ext cx="1334990" cy="967895"/>
-          </a:xfrm>
-          <a:prstGeom prst="wedgeRoundRectCallout">
-            <a:avLst>
-              <a:gd name="adj1" fmla="val -42165"/>
-              <a:gd name="adj2" fmla="val 137620"/>
-              <a:gd name="adj3" fmla="val 16667"/>
-            </a:avLst>
-          </a:prstGeom>
+          <a:ln>
+            <a:headEnd type="none" w="med" len="med"/>
+            <a:tailEnd type="none" w="med" len="med"/>
+          </a:ln>
         </p:spPr>
         <p:style>
           <a:lnRef idx="2">
@@ -4472,77 +4337,566 @@
           </a:fontRef>
         </p:style>
         <p:txBody>
-          <a:bodyPr rtlCol="0" anchor="ctr"/>
-          <a:lstStyle/>
-          <a:p>
-            <a:pPr algn="ctr"/>
-            <a:endParaRPr kumimoji="1" lang="ja-JP" altLang="en-US"/>
-          </a:p>
-        </p:txBody>
-      </p:sp>
-      <p:pic>
-        <p:nvPicPr>
-          <p:cNvPr id="48" name="グラフィックス 47">
-            <a:extLst>
-              <a:ext uri="{FF2B5EF4-FFF2-40B4-BE49-F238E27FC236}">
-                <a16:creationId xmlns:a16="http://schemas.microsoft.com/office/drawing/2014/main" id="{F4396ADF-A49A-498C-8D25-CA5C2B277A28}"/>
-              </a:ext>
-            </a:extLst>
-          </p:cNvPr>
-          <p:cNvPicPr>
-            <a:picLocks noChangeAspect="1"/>
-          </p:cNvPicPr>
-          <p:nvPr/>
-        </p:nvPicPr>
-        <p:blipFill>
-          <a:blip r:embed="rId4">
-            <a:extLst>
-              <a:ext uri="{28A0092B-C50C-407E-A947-70E740481C1C}">
-                <a14:useLocalDpi xmlns:a14="http://schemas.microsoft.com/office/drawing/2010/main" val="0"/>
-              </a:ext>
-              <a:ext uri="{96DAC541-7B7A-43D3-8B79-37D633B846F1}">
-                <asvg:svgBlip xmlns:asvg="http://schemas.microsoft.com/office/drawing/2016/SVG/main" r:embed="rId5"/>
-              </a:ext>
-            </a:extLst>
-          </a:blip>
-          <a:stretch>
-            <a:fillRect/>
-          </a:stretch>
-        </p:blipFill>
-        <p:spPr>
-          <a:xfrm>
-            <a:off x="8979374" y="1267651"/>
-            <a:ext cx="404272" cy="404272"/>
-          </a:xfrm>
-          <a:prstGeom prst="rect">
-            <a:avLst/>
-          </a:prstGeom>
-        </p:spPr>
-      </p:pic>
-      <p:sp>
-        <p:nvSpPr>
-          <p:cNvPr id="54" name="吹き出し: 角を丸めた四角形 53">
-            <a:extLst>
-              <a:ext uri="{FF2B5EF4-FFF2-40B4-BE49-F238E27FC236}">
-                <a16:creationId xmlns:a16="http://schemas.microsoft.com/office/drawing/2014/main" id="{CBE113A4-9919-4DA6-9F38-6C3403B8D5CB}"/>
+          <a:bodyPr rot="0" spcFirstLastPara="0" vertOverflow="overflow" horzOverflow="overflow" vert="horz" wrap="none" lIns="179285" tIns="143428" rIns="179285" bIns="143428" numCol="1" spcCol="0" rtlCol="0" fromWordArt="0" anchor="ctr" anchorCtr="0" forceAA="0" compatLnSpc="1">
+            <a:prstTxWarp prst="textNoShape">
+              <a:avLst/>
+            </a:prstTxWarp>
+            <a:noAutofit/>
+          </a:bodyPr>
+          <a:lstStyle/>
+          <a:p>
+            <a:pPr algn="ctr" defTabSz="914102" fontAlgn="base">
+              <a:lnSpc>
+                <a:spcPct val="90000"/>
+              </a:lnSpc>
+              <a:spcBef>
+                <a:spcPct val="0"/>
+              </a:spcBef>
+              <a:spcAft>
+                <a:spcPct val="0"/>
+              </a:spcAft>
+            </a:pPr>
+            <a:r>
+              <a:rPr lang="en-US" altLang="ja-JP" sz="1765" dirty="0">
+                <a:solidFill>
+                  <a:schemeClr val="tx2"/>
+                </a:solidFill>
+                <a:cs typeface="Segoe UI" pitchFamily="34" charset="0"/>
+              </a:rPr>
+              <a:t>Azure</a:t>
+            </a:r>
+            <a:r>
+              <a:rPr lang="ja-JP" altLang="en-US" sz="1765" dirty="0">
+                <a:solidFill>
+                  <a:schemeClr val="tx2"/>
+                </a:solidFill>
+                <a:cs typeface="Segoe UI" pitchFamily="34" charset="0"/>
+              </a:rPr>
+              <a:t> ポータル</a:t>
+            </a:r>
+          </a:p>
+        </p:txBody>
+      </p:sp>
+      <p:sp>
+        <p:nvSpPr>
+          <p:cNvPr id="6" name="正方形/長方形 5">
+            <a:extLst>
+              <a:ext uri="{FF2B5EF4-FFF2-40B4-BE49-F238E27FC236}">
+                <a16:creationId xmlns:a16="http://schemas.microsoft.com/office/drawing/2014/main" id="{6AE952BD-8F86-4F09-B156-637C773288BD}"/>
               </a:ext>
             </a:extLst>
           </p:cNvPr>
           <p:cNvSpPr/>
           <p:nvPr/>
         </p:nvSpPr>
-        <p:spPr>
-          <a:xfrm>
-            <a:off x="10619164" y="1205837"/>
-            <a:ext cx="2157439" cy="967895"/>
-          </a:xfrm>
-          <a:prstGeom prst="wedgeRoundRectCallout">
-            <a:avLst>
-              <a:gd name="adj1" fmla="val -100075"/>
-              <a:gd name="adj2" fmla="val 13856"/>
-              <a:gd name="adj3" fmla="val 16667"/>
-            </a:avLst>
-          </a:prstGeom>
+        <p:spPr bwMode="auto">
+          <a:xfrm>
+            <a:off x="729389" y="4386984"/>
+            <a:ext cx="10625815" cy="729470"/>
+          </a:xfrm>
+          <a:prstGeom prst="rect">
+            <a:avLst/>
+          </a:prstGeom>
+          <a:ln>
+            <a:headEnd type="none" w="med" len="med"/>
+            <a:tailEnd type="none" w="med" len="med"/>
+          </a:ln>
+        </p:spPr>
+        <p:style>
+          <a:lnRef idx="1">
+            <a:schemeClr val="accent2"/>
+          </a:lnRef>
+          <a:fillRef idx="2">
+            <a:schemeClr val="accent2"/>
+          </a:fillRef>
+          <a:effectRef idx="1">
+            <a:schemeClr val="accent2"/>
+          </a:effectRef>
+          <a:fontRef idx="minor">
+            <a:schemeClr val="dk1"/>
+          </a:fontRef>
+        </p:style>
+        <p:txBody>
+          <a:bodyPr rot="0" spcFirstLastPara="0" vertOverflow="overflow" horzOverflow="overflow" vert="horz" wrap="none" lIns="179285" tIns="143428" rIns="179285" bIns="143428" numCol="1" spcCol="0" rtlCol="0" fromWordArt="0" anchor="ctr" anchorCtr="0" forceAA="0" compatLnSpc="1">
+            <a:prstTxWarp prst="textNoShape">
+              <a:avLst/>
+            </a:prstTxWarp>
+            <a:noAutofit/>
+          </a:bodyPr>
+          <a:lstStyle/>
+          <a:p>
+            <a:pPr algn="ctr" defTabSz="914102" fontAlgn="base">
+              <a:lnSpc>
+                <a:spcPct val="90000"/>
+              </a:lnSpc>
+              <a:spcBef>
+                <a:spcPct val="0"/>
+              </a:spcBef>
+              <a:spcAft>
+                <a:spcPct val="0"/>
+              </a:spcAft>
+            </a:pPr>
+            <a:r>
+              <a:rPr lang="en-US" altLang="ja-JP" sz="1765" dirty="0">
+                <a:solidFill>
+                  <a:schemeClr val="tx2"/>
+                </a:solidFill>
+                <a:cs typeface="Segoe UI" pitchFamily="34" charset="0"/>
+              </a:rPr>
+              <a:t>Azure</a:t>
+            </a:r>
+            <a:r>
+              <a:rPr lang="ja-JP" altLang="en-US" sz="1765" dirty="0">
+                <a:solidFill>
+                  <a:schemeClr val="tx2"/>
+                </a:solidFill>
+                <a:cs typeface="Segoe UI" pitchFamily="34" charset="0"/>
+              </a:rPr>
+              <a:t> </a:t>
+            </a:r>
+            <a:r>
+              <a:rPr lang="en-US" altLang="ja-JP" sz="1765" dirty="0">
+                <a:solidFill>
+                  <a:schemeClr val="tx2"/>
+                </a:solidFill>
+                <a:cs typeface="Segoe UI" pitchFamily="34" charset="0"/>
+              </a:rPr>
+              <a:t>Resource</a:t>
+            </a:r>
+            <a:r>
+              <a:rPr lang="ja-JP" altLang="en-US" sz="1765" dirty="0">
+                <a:solidFill>
+                  <a:schemeClr val="tx2"/>
+                </a:solidFill>
+                <a:cs typeface="Segoe UI" pitchFamily="34" charset="0"/>
+              </a:rPr>
+              <a:t> </a:t>
+            </a:r>
+            <a:r>
+              <a:rPr lang="en-US" altLang="ja-JP" sz="1765" dirty="0">
+                <a:solidFill>
+                  <a:schemeClr val="tx2"/>
+                </a:solidFill>
+                <a:cs typeface="Segoe UI" pitchFamily="34" charset="0"/>
+              </a:rPr>
+              <a:t>Manager</a:t>
+            </a:r>
+            <a:r>
+              <a:rPr lang="ja-JP" altLang="en-US" sz="1765" dirty="0">
+                <a:solidFill>
+                  <a:schemeClr val="tx2"/>
+                </a:solidFill>
+                <a:cs typeface="Segoe UI" pitchFamily="34" charset="0"/>
+              </a:rPr>
+              <a:t> </a:t>
+            </a:r>
+            <a:r>
+              <a:rPr lang="en-US" altLang="ja-JP" sz="1765" dirty="0">
+                <a:solidFill>
+                  <a:schemeClr val="tx2"/>
+                </a:solidFill>
+                <a:cs typeface="Segoe UI" pitchFamily="34" charset="0"/>
+              </a:rPr>
+              <a:t>Rest</a:t>
+            </a:r>
+            <a:r>
+              <a:rPr lang="ja-JP" altLang="en-US" sz="1765" dirty="0">
+                <a:solidFill>
+                  <a:schemeClr val="tx2"/>
+                </a:solidFill>
+                <a:cs typeface="Segoe UI" pitchFamily="34" charset="0"/>
+              </a:rPr>
+              <a:t> </a:t>
+            </a:r>
+            <a:r>
+              <a:rPr lang="en-US" altLang="ja-JP" sz="1765" dirty="0">
+                <a:solidFill>
+                  <a:schemeClr val="tx2"/>
+                </a:solidFill>
+                <a:cs typeface="Segoe UI" pitchFamily="34" charset="0"/>
+              </a:rPr>
+              <a:t>API</a:t>
+            </a:r>
+            <a:endParaRPr lang="ja-JP" altLang="en-US" sz="1765" dirty="0">
+              <a:solidFill>
+                <a:schemeClr val="tx2"/>
+              </a:solidFill>
+              <a:cs typeface="Segoe UI" pitchFamily="34" charset="0"/>
+            </a:endParaRPr>
+          </a:p>
+        </p:txBody>
+      </p:sp>
+      <p:sp>
+        <p:nvSpPr>
+          <p:cNvPr id="10" name="四角形: 角を丸くする 9">
+            <a:extLst>
+              <a:ext uri="{FF2B5EF4-FFF2-40B4-BE49-F238E27FC236}">
+                <a16:creationId xmlns:a16="http://schemas.microsoft.com/office/drawing/2014/main" id="{89881CF8-5A88-4EE0-836C-3426AC733DD4}"/>
+              </a:ext>
+            </a:extLst>
+          </p:cNvPr>
+          <p:cNvSpPr/>
+          <p:nvPr/>
+        </p:nvSpPr>
+        <p:spPr bwMode="auto">
+          <a:xfrm>
+            <a:off x="729388" y="5361736"/>
+            <a:ext cx="2516672" cy="743909"/>
+          </a:xfrm>
+          <a:prstGeom prst="roundRect">
+            <a:avLst/>
+          </a:prstGeom>
+          <a:ln>
+            <a:headEnd type="none" w="med" len="med"/>
+            <a:tailEnd type="none" w="med" len="med"/>
+          </a:ln>
+        </p:spPr>
+        <p:style>
+          <a:lnRef idx="1">
+            <a:schemeClr val="accent1"/>
+          </a:lnRef>
+          <a:fillRef idx="2">
+            <a:schemeClr val="accent1"/>
+          </a:fillRef>
+          <a:effectRef idx="1">
+            <a:schemeClr val="accent1"/>
+          </a:effectRef>
+          <a:fontRef idx="minor">
+            <a:schemeClr val="dk1"/>
+          </a:fontRef>
+        </p:style>
+        <p:txBody>
+          <a:bodyPr rot="0" spcFirstLastPara="0" vertOverflow="overflow" horzOverflow="overflow" vert="horz" wrap="none" lIns="179285" tIns="143428" rIns="179285" bIns="143428" numCol="1" spcCol="0" rtlCol="0" fromWordArt="0" anchor="ctr" anchorCtr="0" forceAA="0" compatLnSpc="1">
+            <a:prstTxWarp prst="textNoShape">
+              <a:avLst/>
+            </a:prstTxWarp>
+            <a:noAutofit/>
+          </a:bodyPr>
+          <a:lstStyle/>
+          <a:p>
+            <a:pPr algn="ctr" defTabSz="914102" fontAlgn="base">
+              <a:lnSpc>
+                <a:spcPct val="90000"/>
+              </a:lnSpc>
+              <a:spcBef>
+                <a:spcPct val="0"/>
+              </a:spcBef>
+              <a:spcAft>
+                <a:spcPct val="0"/>
+              </a:spcAft>
+            </a:pPr>
+            <a:r>
+              <a:rPr lang="ja-JP" altLang="en-US" sz="1765" dirty="0">
+                <a:solidFill>
+                  <a:schemeClr val="tx2"/>
+                </a:solidFill>
+                <a:cs typeface="Segoe UI" pitchFamily="34" charset="0"/>
+              </a:rPr>
+              <a:t>仮想マシン</a:t>
+            </a:r>
+          </a:p>
+        </p:txBody>
+      </p:sp>
+      <p:sp>
+        <p:nvSpPr>
+          <p:cNvPr id="11" name="四角形: 角を丸くする 10">
+            <a:extLst>
+              <a:ext uri="{FF2B5EF4-FFF2-40B4-BE49-F238E27FC236}">
+                <a16:creationId xmlns:a16="http://schemas.microsoft.com/office/drawing/2014/main" id="{CFC63866-402E-4A4D-A315-FD8F3B2A56A6}"/>
+              </a:ext>
+            </a:extLst>
+          </p:cNvPr>
+          <p:cNvSpPr/>
+          <p:nvPr/>
+        </p:nvSpPr>
+        <p:spPr bwMode="auto">
+          <a:xfrm>
+            <a:off x="3462987" y="5361736"/>
+            <a:ext cx="2516672" cy="743909"/>
+          </a:xfrm>
+          <a:prstGeom prst="roundRect">
+            <a:avLst/>
+          </a:prstGeom>
+          <a:ln>
+            <a:headEnd type="none" w="med" len="med"/>
+            <a:tailEnd type="none" w="med" len="med"/>
+          </a:ln>
+        </p:spPr>
+        <p:style>
+          <a:lnRef idx="1">
+            <a:schemeClr val="accent1"/>
+          </a:lnRef>
+          <a:fillRef idx="2">
+            <a:schemeClr val="accent1"/>
+          </a:fillRef>
+          <a:effectRef idx="1">
+            <a:schemeClr val="accent1"/>
+          </a:effectRef>
+          <a:fontRef idx="minor">
+            <a:schemeClr val="dk1"/>
+          </a:fontRef>
+        </p:style>
+        <p:txBody>
+          <a:bodyPr rot="0" spcFirstLastPara="0" vertOverflow="overflow" horzOverflow="overflow" vert="horz" wrap="none" lIns="179285" tIns="143428" rIns="179285" bIns="143428" numCol="1" spcCol="0" rtlCol="0" fromWordArt="0" anchor="ctr" anchorCtr="0" forceAA="0" compatLnSpc="1">
+            <a:prstTxWarp prst="textNoShape">
+              <a:avLst/>
+            </a:prstTxWarp>
+            <a:noAutofit/>
+          </a:bodyPr>
+          <a:lstStyle/>
+          <a:p>
+            <a:pPr algn="ctr" defTabSz="914102" fontAlgn="base">
+              <a:lnSpc>
+                <a:spcPct val="90000"/>
+              </a:lnSpc>
+              <a:spcBef>
+                <a:spcPct val="0"/>
+              </a:spcBef>
+              <a:spcAft>
+                <a:spcPct val="0"/>
+              </a:spcAft>
+            </a:pPr>
+            <a:r>
+              <a:rPr lang="en-US" altLang="ja-JP" sz="1765" dirty="0">
+                <a:solidFill>
+                  <a:schemeClr val="tx2"/>
+                </a:solidFill>
+                <a:cs typeface="Segoe UI" pitchFamily="34" charset="0"/>
+              </a:rPr>
+              <a:t>Web</a:t>
+            </a:r>
+            <a:r>
+              <a:rPr lang="ja-JP" altLang="en-US" sz="1765" dirty="0">
+                <a:solidFill>
+                  <a:schemeClr val="tx2"/>
+                </a:solidFill>
+                <a:cs typeface="Segoe UI" pitchFamily="34" charset="0"/>
+              </a:rPr>
+              <a:t> </a:t>
+            </a:r>
+            <a:r>
+              <a:rPr lang="en-US" altLang="ja-JP" sz="1765" dirty="0">
+                <a:solidFill>
+                  <a:schemeClr val="tx2"/>
+                </a:solidFill>
+                <a:cs typeface="Segoe UI" pitchFamily="34" charset="0"/>
+              </a:rPr>
+              <a:t>App</a:t>
+            </a:r>
+            <a:endParaRPr lang="ja-JP" altLang="en-US" sz="1765" dirty="0">
+              <a:solidFill>
+                <a:schemeClr val="tx2"/>
+              </a:solidFill>
+              <a:cs typeface="Segoe UI" pitchFamily="34" charset="0"/>
+            </a:endParaRPr>
+          </a:p>
+        </p:txBody>
+      </p:sp>
+      <p:sp>
+        <p:nvSpPr>
+          <p:cNvPr id="12" name="四角形: 角を丸くする 11">
+            <a:extLst>
+              <a:ext uri="{FF2B5EF4-FFF2-40B4-BE49-F238E27FC236}">
+                <a16:creationId xmlns:a16="http://schemas.microsoft.com/office/drawing/2014/main" id="{DA9DC7E4-9464-4520-A6F0-553EEDB71724}"/>
+              </a:ext>
+            </a:extLst>
+          </p:cNvPr>
+          <p:cNvSpPr/>
+          <p:nvPr/>
+        </p:nvSpPr>
+        <p:spPr bwMode="auto">
+          <a:xfrm>
+            <a:off x="6188232" y="5364526"/>
+            <a:ext cx="2516672" cy="743909"/>
+          </a:xfrm>
+          <a:prstGeom prst="roundRect">
+            <a:avLst/>
+          </a:prstGeom>
+          <a:ln>
+            <a:headEnd type="none" w="med" len="med"/>
+            <a:tailEnd type="none" w="med" len="med"/>
+          </a:ln>
+        </p:spPr>
+        <p:style>
+          <a:lnRef idx="1">
+            <a:schemeClr val="accent1"/>
+          </a:lnRef>
+          <a:fillRef idx="2">
+            <a:schemeClr val="accent1"/>
+          </a:fillRef>
+          <a:effectRef idx="1">
+            <a:schemeClr val="accent1"/>
+          </a:effectRef>
+          <a:fontRef idx="minor">
+            <a:schemeClr val="dk1"/>
+          </a:fontRef>
+        </p:style>
+        <p:txBody>
+          <a:bodyPr rot="0" spcFirstLastPara="0" vertOverflow="overflow" horzOverflow="overflow" vert="horz" wrap="none" lIns="179285" tIns="143428" rIns="179285" bIns="143428" numCol="1" spcCol="0" rtlCol="0" fromWordArt="0" anchor="ctr" anchorCtr="0" forceAA="0" compatLnSpc="1">
+            <a:prstTxWarp prst="textNoShape">
+              <a:avLst/>
+            </a:prstTxWarp>
+            <a:noAutofit/>
+          </a:bodyPr>
+          <a:lstStyle/>
+          <a:p>
+            <a:pPr algn="ctr" defTabSz="914102" fontAlgn="base">
+              <a:lnSpc>
+                <a:spcPct val="90000"/>
+              </a:lnSpc>
+              <a:spcBef>
+                <a:spcPct val="0"/>
+              </a:spcBef>
+              <a:spcAft>
+                <a:spcPct val="0"/>
+              </a:spcAft>
+            </a:pPr>
+            <a:r>
+              <a:rPr lang="en-US" altLang="ja-JP" sz="1765" dirty="0">
+                <a:solidFill>
+                  <a:schemeClr val="tx2"/>
+                </a:solidFill>
+                <a:cs typeface="Segoe UI" pitchFamily="34" charset="0"/>
+              </a:rPr>
+              <a:t>SQL</a:t>
+            </a:r>
+            <a:r>
+              <a:rPr lang="ja-JP" altLang="en-US" sz="1765" dirty="0">
+                <a:solidFill>
+                  <a:schemeClr val="tx2"/>
+                </a:solidFill>
+                <a:cs typeface="Segoe UI" pitchFamily="34" charset="0"/>
+              </a:rPr>
+              <a:t> </a:t>
+            </a:r>
+            <a:r>
+              <a:rPr lang="en-US" altLang="ja-JP" sz="1765" dirty="0">
+                <a:solidFill>
+                  <a:schemeClr val="tx2"/>
+                </a:solidFill>
+                <a:cs typeface="Segoe UI" pitchFamily="34" charset="0"/>
+              </a:rPr>
+              <a:t>DB</a:t>
+            </a:r>
+            <a:endParaRPr lang="ja-JP" altLang="en-US" sz="1765" dirty="0">
+              <a:solidFill>
+                <a:schemeClr val="tx2"/>
+              </a:solidFill>
+              <a:cs typeface="Segoe UI" pitchFamily="34" charset="0"/>
+            </a:endParaRPr>
+          </a:p>
+        </p:txBody>
+      </p:sp>
+      <p:sp>
+        <p:nvSpPr>
+          <p:cNvPr id="13" name="四角形: 角を丸くする 12">
+            <a:extLst>
+              <a:ext uri="{FF2B5EF4-FFF2-40B4-BE49-F238E27FC236}">
+                <a16:creationId xmlns:a16="http://schemas.microsoft.com/office/drawing/2014/main" id="{CE1B716C-8D68-48D8-AC2E-6418ED639D99}"/>
+              </a:ext>
+            </a:extLst>
+          </p:cNvPr>
+          <p:cNvSpPr/>
+          <p:nvPr/>
+        </p:nvSpPr>
+        <p:spPr bwMode="auto">
+          <a:xfrm>
+            <a:off x="8838532" y="5361736"/>
+            <a:ext cx="2516672" cy="743909"/>
+          </a:xfrm>
+          <a:prstGeom prst="roundRect">
+            <a:avLst/>
+          </a:prstGeom>
+          <a:ln>
+            <a:headEnd type="none" w="med" len="med"/>
+            <a:tailEnd type="none" w="med" len="med"/>
+          </a:ln>
+        </p:spPr>
+        <p:style>
+          <a:lnRef idx="1">
+            <a:schemeClr val="accent1"/>
+          </a:lnRef>
+          <a:fillRef idx="2">
+            <a:schemeClr val="accent1"/>
+          </a:fillRef>
+          <a:effectRef idx="1">
+            <a:schemeClr val="accent1"/>
+          </a:effectRef>
+          <a:fontRef idx="minor">
+            <a:schemeClr val="dk1"/>
+          </a:fontRef>
+        </p:style>
+        <p:txBody>
+          <a:bodyPr rot="0" spcFirstLastPara="0" vertOverflow="overflow" horzOverflow="overflow" vert="horz" wrap="none" lIns="179285" tIns="143428" rIns="179285" bIns="143428" numCol="1" spcCol="0" rtlCol="0" fromWordArt="0" anchor="ctr" anchorCtr="0" forceAA="0" compatLnSpc="1">
+            <a:prstTxWarp prst="textNoShape">
+              <a:avLst/>
+            </a:prstTxWarp>
+            <a:noAutofit/>
+          </a:bodyPr>
+          <a:lstStyle/>
+          <a:p>
+            <a:pPr algn="ctr" defTabSz="914102" fontAlgn="base">
+              <a:lnSpc>
+                <a:spcPct val="90000"/>
+              </a:lnSpc>
+              <a:spcBef>
+                <a:spcPct val="0"/>
+              </a:spcBef>
+              <a:spcAft>
+                <a:spcPct val="0"/>
+              </a:spcAft>
+            </a:pPr>
+            <a:r>
+              <a:rPr lang="en-US" altLang="ja-JP" sz="1765" dirty="0" err="1">
+                <a:solidFill>
+                  <a:schemeClr val="tx2"/>
+                </a:solidFill>
+                <a:cs typeface="Segoe UI" pitchFamily="34" charset="0"/>
+              </a:rPr>
+              <a:t>Etc</a:t>
+            </a:r>
+            <a:r>
+              <a:rPr lang="en-US" altLang="ja-JP" sz="1765" dirty="0">
+                <a:solidFill>
+                  <a:schemeClr val="tx2"/>
+                </a:solidFill>
+                <a:cs typeface="Segoe UI" pitchFamily="34" charset="0"/>
+              </a:rPr>
+              <a:t>…</a:t>
+            </a:r>
+            <a:endParaRPr lang="ja-JP" altLang="en-US" sz="1765" dirty="0">
+              <a:solidFill>
+                <a:schemeClr val="tx2"/>
+              </a:solidFill>
+              <a:cs typeface="Segoe UI" pitchFamily="34" charset="0"/>
+            </a:endParaRPr>
+          </a:p>
+        </p:txBody>
+      </p:sp>
+      <p:sp>
+        <p:nvSpPr>
+          <p:cNvPr id="14" name="正方形/長方形 13">
+            <a:extLst>
+              <a:ext uri="{FF2B5EF4-FFF2-40B4-BE49-F238E27FC236}">
+                <a16:creationId xmlns:a16="http://schemas.microsoft.com/office/drawing/2014/main" id="{2436882B-2543-40C7-AED8-36E928E45714}"/>
+              </a:ext>
+            </a:extLst>
+          </p:cNvPr>
+          <p:cNvSpPr/>
+          <p:nvPr/>
+        </p:nvSpPr>
+        <p:spPr bwMode="auto">
+          <a:xfrm>
+            <a:off x="4010240" y="2471016"/>
+            <a:ext cx="3327328" cy="1726035"/>
+          </a:xfrm>
+          <a:prstGeom prst="rect">
+            <a:avLst/>
+          </a:prstGeom>
+          <a:ln>
+            <a:headEnd type="none" w="med" len="med"/>
+            <a:tailEnd type="none" w="med" len="med"/>
+          </a:ln>
         </p:spPr>
         <p:style>
           <a:lnRef idx="2">
@@ -4559,98 +4913,550 @@
           </a:fontRef>
         </p:style>
         <p:txBody>
-          <a:bodyPr rtlCol="0" anchor="ctr"/>
-          <a:lstStyle/>
-          <a:p>
-            <a:pPr algn="ctr"/>
-            <a:endParaRPr kumimoji="1" lang="ja-JP" altLang="en-US"/>
-          </a:p>
-        </p:txBody>
-      </p:sp>
-      <p:pic>
-        <p:nvPicPr>
-          <p:cNvPr id="56" name="グラフィックス 55">
-            <a:extLst>
-              <a:ext uri="{FF2B5EF4-FFF2-40B4-BE49-F238E27FC236}">
-                <a16:creationId xmlns:a16="http://schemas.microsoft.com/office/drawing/2014/main" id="{0C2CD08B-F629-4834-AD0E-0C021DB5D91D}"/>
-              </a:ext>
-            </a:extLst>
-          </p:cNvPr>
-          <p:cNvPicPr>
-            <a:picLocks noChangeAspect="1"/>
-          </p:cNvPicPr>
+          <a:bodyPr rot="0" spcFirstLastPara="0" vertOverflow="overflow" horzOverflow="overflow" vert="horz" wrap="none" lIns="179285" tIns="143428" rIns="179285" bIns="143428" numCol="1" spcCol="0" rtlCol="0" fromWordArt="0" anchor="ctr" anchorCtr="0" forceAA="0" compatLnSpc="1">
+            <a:prstTxWarp prst="textNoShape">
+              <a:avLst/>
+            </a:prstTxWarp>
+            <a:noAutofit/>
+          </a:bodyPr>
+          <a:lstStyle/>
+          <a:p>
+            <a:pPr algn="ctr" defTabSz="914102" fontAlgn="base">
+              <a:lnSpc>
+                <a:spcPct val="90000"/>
+              </a:lnSpc>
+              <a:spcBef>
+                <a:spcPct val="0"/>
+              </a:spcBef>
+              <a:spcAft>
+                <a:spcPct val="0"/>
+              </a:spcAft>
+            </a:pPr>
+            <a:r>
+              <a:rPr lang="en-US" altLang="ja-JP" sz="1765" dirty="0">
+                <a:solidFill>
+                  <a:schemeClr val="tx2"/>
+                </a:solidFill>
+                <a:cs typeface="Segoe UI" pitchFamily="34" charset="0"/>
+              </a:rPr>
+              <a:t>Azure</a:t>
+            </a:r>
+            <a:r>
+              <a:rPr lang="ja-JP" altLang="en-US" sz="1765" dirty="0">
+                <a:solidFill>
+                  <a:schemeClr val="tx2"/>
+                </a:solidFill>
+                <a:cs typeface="Segoe UI" pitchFamily="34" charset="0"/>
+              </a:rPr>
+              <a:t> </a:t>
+            </a:r>
+            <a:r>
+              <a:rPr lang="en-US" altLang="ja-JP" sz="1765" dirty="0">
+                <a:solidFill>
+                  <a:schemeClr val="tx2"/>
+                </a:solidFill>
+                <a:cs typeface="Segoe UI" pitchFamily="34" charset="0"/>
+              </a:rPr>
+              <a:t>PowerShell</a:t>
+            </a:r>
+          </a:p>
+          <a:p>
+            <a:pPr algn="ctr" defTabSz="914102" fontAlgn="base">
+              <a:lnSpc>
+                <a:spcPct val="90000"/>
+              </a:lnSpc>
+              <a:spcBef>
+                <a:spcPct val="0"/>
+              </a:spcBef>
+              <a:spcAft>
+                <a:spcPct val="0"/>
+              </a:spcAft>
+            </a:pPr>
+            <a:r>
+              <a:rPr lang="en-US" altLang="ja-JP" sz="1765" dirty="0">
+                <a:solidFill>
+                  <a:schemeClr val="tx2"/>
+                </a:solidFill>
+                <a:cs typeface="Segoe UI" pitchFamily="34" charset="0"/>
+              </a:rPr>
+              <a:t>Azure</a:t>
+            </a:r>
+            <a:r>
+              <a:rPr lang="ja-JP" altLang="en-US" sz="1765" dirty="0">
+                <a:solidFill>
+                  <a:schemeClr val="tx2"/>
+                </a:solidFill>
+                <a:cs typeface="Segoe UI" pitchFamily="34" charset="0"/>
+              </a:rPr>
+              <a:t> </a:t>
+            </a:r>
+            <a:r>
+              <a:rPr lang="en-US" altLang="ja-JP" sz="1765" dirty="0">
+                <a:solidFill>
+                  <a:schemeClr val="tx2"/>
+                </a:solidFill>
+                <a:cs typeface="Segoe UI" pitchFamily="34" charset="0"/>
+              </a:rPr>
+              <a:t>CLI</a:t>
+            </a:r>
+          </a:p>
+        </p:txBody>
+      </p:sp>
+      <p:sp>
+        <p:nvSpPr>
+          <p:cNvPr id="17" name="正方形/長方形 16">
+            <a:extLst>
+              <a:ext uri="{FF2B5EF4-FFF2-40B4-BE49-F238E27FC236}">
+                <a16:creationId xmlns:a16="http://schemas.microsoft.com/office/drawing/2014/main" id="{3BE9D0C0-650B-4222-BAD7-CBD4D303485D}"/>
+              </a:ext>
+            </a:extLst>
+          </p:cNvPr>
+          <p:cNvSpPr/>
           <p:nvPr/>
-        </p:nvPicPr>
-        <p:blipFill>
-          <a:blip r:embed="rId4">
-            <a:extLst>
-              <a:ext uri="{28A0092B-C50C-407E-A947-70E740481C1C}">
-                <a14:useLocalDpi xmlns:a14="http://schemas.microsoft.com/office/drawing/2010/main" val="0"/>
-              </a:ext>
-              <a:ext uri="{96DAC541-7B7A-43D3-8B79-37D633B846F1}">
-                <asvg:svgBlip xmlns:asvg="http://schemas.microsoft.com/office/drawing/2016/SVG/main" r:embed="rId5"/>
-              </a:ext>
-            </a:extLst>
-          </a:blip>
-          <a:stretch>
-            <a:fillRect/>
-          </a:stretch>
-        </p:blipFill>
-        <p:spPr>
-          <a:xfrm>
-            <a:off x="9131774" y="1420051"/>
-            <a:ext cx="404272" cy="404272"/>
+        </p:nvSpPr>
+        <p:spPr bwMode="auto">
+          <a:xfrm>
+            <a:off x="7450284" y="3279959"/>
+            <a:ext cx="2621970" cy="918695"/>
           </a:xfrm>
           <a:prstGeom prst="rect">
             <a:avLst/>
           </a:prstGeom>
-        </p:spPr>
-      </p:pic>
-      <p:pic>
-        <p:nvPicPr>
-          <p:cNvPr id="58" name="グラフィックス 57">
-            <a:extLst>
-              <a:ext uri="{FF2B5EF4-FFF2-40B4-BE49-F238E27FC236}">
-                <a16:creationId xmlns:a16="http://schemas.microsoft.com/office/drawing/2014/main" id="{1530B479-041D-4A6D-A2A6-52B02732F081}"/>
-              </a:ext>
-            </a:extLst>
-          </p:cNvPr>
-          <p:cNvPicPr>
-            <a:picLocks noChangeAspect="1"/>
-          </p:cNvPicPr>
+          <a:ln>
+            <a:headEnd type="none" w="med" len="med"/>
+            <a:tailEnd type="none" w="med" len="med"/>
+          </a:ln>
+        </p:spPr>
+        <p:style>
+          <a:lnRef idx="2">
+            <a:schemeClr val="accent1"/>
+          </a:lnRef>
+          <a:fillRef idx="1">
+            <a:schemeClr val="lt1"/>
+          </a:fillRef>
+          <a:effectRef idx="0">
+            <a:schemeClr val="accent1"/>
+          </a:effectRef>
+          <a:fontRef idx="minor">
+            <a:schemeClr val="dk1"/>
+          </a:fontRef>
+        </p:style>
+        <p:txBody>
+          <a:bodyPr rot="0" spcFirstLastPara="0" vertOverflow="overflow" horzOverflow="overflow" vert="horz" wrap="none" lIns="179285" tIns="143428" rIns="179285" bIns="143428" numCol="1" spcCol="0" rtlCol="0" fromWordArt="0" anchor="ctr" anchorCtr="0" forceAA="0" compatLnSpc="1">
+            <a:prstTxWarp prst="textNoShape">
+              <a:avLst/>
+            </a:prstTxWarp>
+            <a:noAutofit/>
+          </a:bodyPr>
+          <a:lstStyle/>
+          <a:p>
+            <a:pPr algn="ctr" defTabSz="914102" fontAlgn="base">
+              <a:lnSpc>
+                <a:spcPct val="90000"/>
+              </a:lnSpc>
+              <a:spcBef>
+                <a:spcPct val="0"/>
+              </a:spcBef>
+              <a:spcAft>
+                <a:spcPct val="0"/>
+              </a:spcAft>
+            </a:pPr>
+            <a:r>
+              <a:rPr lang="en-US" altLang="ja-JP" sz="1765" dirty="0">
+                <a:solidFill>
+                  <a:schemeClr val="tx2"/>
+                </a:solidFill>
+                <a:cs typeface="Segoe UI" pitchFamily="34" charset="0"/>
+              </a:rPr>
+              <a:t>SDK</a:t>
+            </a:r>
+          </a:p>
+          <a:p>
+            <a:pPr algn="ctr" defTabSz="914102" fontAlgn="base">
+              <a:lnSpc>
+                <a:spcPct val="90000"/>
+              </a:lnSpc>
+              <a:spcBef>
+                <a:spcPct val="0"/>
+              </a:spcBef>
+              <a:spcAft>
+                <a:spcPct val="0"/>
+              </a:spcAft>
+            </a:pPr>
+            <a:r>
+              <a:rPr lang="en-US" altLang="ja-JP" sz="1765" dirty="0">
+                <a:solidFill>
+                  <a:schemeClr val="tx2"/>
+                </a:solidFill>
+                <a:cs typeface="Segoe UI" pitchFamily="34" charset="0"/>
+              </a:rPr>
+              <a:t>C#, Node, Python, </a:t>
+            </a:r>
+            <a:r>
+              <a:rPr lang="en-US" altLang="ja-JP" sz="1765" dirty="0" err="1">
+                <a:solidFill>
+                  <a:schemeClr val="tx2"/>
+                </a:solidFill>
+                <a:cs typeface="Segoe UI" pitchFamily="34" charset="0"/>
+              </a:rPr>
+              <a:t>etc</a:t>
+            </a:r>
+            <a:endParaRPr lang="en-US" altLang="ja-JP" sz="1765" dirty="0">
+              <a:solidFill>
+                <a:schemeClr val="tx2"/>
+              </a:solidFill>
+              <a:cs typeface="Segoe UI" pitchFamily="34" charset="0"/>
+            </a:endParaRPr>
+          </a:p>
+        </p:txBody>
+      </p:sp>
+      <p:sp>
+        <p:nvSpPr>
+          <p:cNvPr id="23" name="フリーフォーム: 図形 22">
+            <a:extLst>
+              <a:ext uri="{FF2B5EF4-FFF2-40B4-BE49-F238E27FC236}">
+                <a16:creationId xmlns:a16="http://schemas.microsoft.com/office/drawing/2014/main" id="{B1E3110B-4B20-49E5-BD81-97794E0794AB}"/>
+              </a:ext>
+            </a:extLst>
+          </p:cNvPr>
+          <p:cNvSpPr/>
           <p:nvPr/>
-        </p:nvPicPr>
-        <p:blipFill>
-          <a:blip r:embed="rId4">
-            <a:extLst>
-              <a:ext uri="{28A0092B-C50C-407E-A947-70E740481C1C}">
-                <a14:useLocalDpi xmlns:a14="http://schemas.microsoft.com/office/drawing/2010/main" val="0"/>
-              </a:ext>
-              <a:ext uri="{96DAC541-7B7A-43D3-8B79-37D633B846F1}">
-                <asvg:svgBlip xmlns:asvg="http://schemas.microsoft.com/office/drawing/2016/SVG/main" r:embed="rId5"/>
-              </a:ext>
-            </a:extLst>
-          </a:blip>
-          <a:stretch>
-            <a:fillRect/>
-          </a:stretch>
-        </p:blipFill>
-        <p:spPr>
-          <a:xfrm>
-            <a:off x="9284174" y="1572451"/>
-            <a:ext cx="404272" cy="404272"/>
+        </p:nvSpPr>
+        <p:spPr bwMode="auto">
+          <a:xfrm>
+            <a:off x="5489802" y="1584027"/>
+            <a:ext cx="5865401" cy="2613831"/>
+          </a:xfrm>
+          <a:custGeom>
+            <a:avLst/>
+            <a:gdLst>
+              <a:gd name="connsiteX0" fmla="*/ 0 w 5062828"/>
+              <a:gd name="connsiteY0" fmla="*/ 0 h 2666244"/>
+              <a:gd name="connsiteX1" fmla="*/ 5062828 w 5062828"/>
+              <a:gd name="connsiteY1" fmla="*/ 0 h 2666244"/>
+              <a:gd name="connsiteX2" fmla="*/ 5062828 w 5062828"/>
+              <a:gd name="connsiteY2" fmla="*/ 744097 h 2666244"/>
+              <a:gd name="connsiteX3" fmla="*/ 5062827 w 5062828"/>
+              <a:gd name="connsiteY3" fmla="*/ 744097 h 2666244"/>
+              <a:gd name="connsiteX4" fmla="*/ 5062827 w 5062828"/>
+              <a:gd name="connsiteY4" fmla="*/ 1563421 h 2666244"/>
+              <a:gd name="connsiteX5" fmla="*/ 5062827 w 5062828"/>
+              <a:gd name="connsiteY5" fmla="*/ 2666244 h 2666244"/>
+              <a:gd name="connsiteX6" fmla="*/ 3894188 w 5062828"/>
+              <a:gd name="connsiteY6" fmla="*/ 2666244 h 2666244"/>
+              <a:gd name="connsiteX7" fmla="*/ 3894188 w 5062828"/>
+              <a:gd name="connsiteY7" fmla="*/ 1563421 h 2666244"/>
+              <a:gd name="connsiteX8" fmla="*/ 2731840 w 5062828"/>
+              <a:gd name="connsiteY8" fmla="*/ 1563421 h 2666244"/>
+              <a:gd name="connsiteX9" fmla="*/ 2731840 w 5062828"/>
+              <a:gd name="connsiteY9" fmla="*/ 744097 h 2666244"/>
+              <a:gd name="connsiteX10" fmla="*/ 0 w 5062828"/>
+              <a:gd name="connsiteY10" fmla="*/ 744097 h 2666244"/>
+              <a:gd name="connsiteX0" fmla="*/ 0 w 5983015"/>
+              <a:gd name="connsiteY0" fmla="*/ 12549 h 2666244"/>
+              <a:gd name="connsiteX1" fmla="*/ 5983015 w 5983015"/>
+              <a:gd name="connsiteY1" fmla="*/ 0 h 2666244"/>
+              <a:gd name="connsiteX2" fmla="*/ 5983015 w 5983015"/>
+              <a:gd name="connsiteY2" fmla="*/ 744097 h 2666244"/>
+              <a:gd name="connsiteX3" fmla="*/ 5983014 w 5983015"/>
+              <a:gd name="connsiteY3" fmla="*/ 744097 h 2666244"/>
+              <a:gd name="connsiteX4" fmla="*/ 5983014 w 5983015"/>
+              <a:gd name="connsiteY4" fmla="*/ 1563421 h 2666244"/>
+              <a:gd name="connsiteX5" fmla="*/ 5983014 w 5983015"/>
+              <a:gd name="connsiteY5" fmla="*/ 2666244 h 2666244"/>
+              <a:gd name="connsiteX6" fmla="*/ 4814375 w 5983015"/>
+              <a:gd name="connsiteY6" fmla="*/ 2666244 h 2666244"/>
+              <a:gd name="connsiteX7" fmla="*/ 4814375 w 5983015"/>
+              <a:gd name="connsiteY7" fmla="*/ 1563421 h 2666244"/>
+              <a:gd name="connsiteX8" fmla="*/ 3652027 w 5983015"/>
+              <a:gd name="connsiteY8" fmla="*/ 1563421 h 2666244"/>
+              <a:gd name="connsiteX9" fmla="*/ 3652027 w 5983015"/>
+              <a:gd name="connsiteY9" fmla="*/ 744097 h 2666244"/>
+              <a:gd name="connsiteX10" fmla="*/ 920187 w 5983015"/>
+              <a:gd name="connsiteY10" fmla="*/ 744097 h 2666244"/>
+              <a:gd name="connsiteX11" fmla="*/ 0 w 5983015"/>
+              <a:gd name="connsiteY11" fmla="*/ 12549 h 2666244"/>
+              <a:gd name="connsiteX0" fmla="*/ 0 w 5983015"/>
+              <a:gd name="connsiteY0" fmla="*/ 12549 h 2666244"/>
+              <a:gd name="connsiteX1" fmla="*/ 5983015 w 5983015"/>
+              <a:gd name="connsiteY1" fmla="*/ 0 h 2666244"/>
+              <a:gd name="connsiteX2" fmla="*/ 5983015 w 5983015"/>
+              <a:gd name="connsiteY2" fmla="*/ 744097 h 2666244"/>
+              <a:gd name="connsiteX3" fmla="*/ 5983014 w 5983015"/>
+              <a:gd name="connsiteY3" fmla="*/ 744097 h 2666244"/>
+              <a:gd name="connsiteX4" fmla="*/ 5983014 w 5983015"/>
+              <a:gd name="connsiteY4" fmla="*/ 1563421 h 2666244"/>
+              <a:gd name="connsiteX5" fmla="*/ 5983014 w 5983015"/>
+              <a:gd name="connsiteY5" fmla="*/ 2666244 h 2666244"/>
+              <a:gd name="connsiteX6" fmla="*/ 4814375 w 5983015"/>
+              <a:gd name="connsiteY6" fmla="*/ 2666244 h 2666244"/>
+              <a:gd name="connsiteX7" fmla="*/ 4814375 w 5983015"/>
+              <a:gd name="connsiteY7" fmla="*/ 1563421 h 2666244"/>
+              <a:gd name="connsiteX8" fmla="*/ 3652027 w 5983015"/>
+              <a:gd name="connsiteY8" fmla="*/ 1563421 h 2666244"/>
+              <a:gd name="connsiteX9" fmla="*/ 3652027 w 5983015"/>
+              <a:gd name="connsiteY9" fmla="*/ 744097 h 2666244"/>
+              <a:gd name="connsiteX10" fmla="*/ 0 w 5983015"/>
+              <a:gd name="connsiteY10" fmla="*/ 760828 h 2666244"/>
+              <a:gd name="connsiteX11" fmla="*/ 0 w 5983015"/>
+              <a:gd name="connsiteY11" fmla="*/ 12549 h 2666244"/>
+            </a:gdLst>
+            <a:ahLst/>
+            <a:cxnLst>
+              <a:cxn ang="0">
+                <a:pos x="connsiteX0" y="connsiteY0"/>
+              </a:cxn>
+              <a:cxn ang="0">
+                <a:pos x="connsiteX1" y="connsiteY1"/>
+              </a:cxn>
+              <a:cxn ang="0">
+                <a:pos x="connsiteX2" y="connsiteY2"/>
+              </a:cxn>
+              <a:cxn ang="0">
+                <a:pos x="connsiteX3" y="connsiteY3"/>
+              </a:cxn>
+              <a:cxn ang="0">
+                <a:pos x="connsiteX4" y="connsiteY4"/>
+              </a:cxn>
+              <a:cxn ang="0">
+                <a:pos x="connsiteX5" y="connsiteY5"/>
+              </a:cxn>
+              <a:cxn ang="0">
+                <a:pos x="connsiteX6" y="connsiteY6"/>
+              </a:cxn>
+              <a:cxn ang="0">
+                <a:pos x="connsiteX7" y="connsiteY7"/>
+              </a:cxn>
+              <a:cxn ang="0">
+                <a:pos x="connsiteX8" y="connsiteY8"/>
+              </a:cxn>
+              <a:cxn ang="0">
+                <a:pos x="connsiteX9" y="connsiteY9"/>
+              </a:cxn>
+              <a:cxn ang="0">
+                <a:pos x="connsiteX10" y="connsiteY10"/>
+              </a:cxn>
+              <a:cxn ang="0">
+                <a:pos x="connsiteX11" y="connsiteY11"/>
+              </a:cxn>
+            </a:cxnLst>
+            <a:rect l="l" t="t" r="r" b="b"/>
+            <a:pathLst>
+              <a:path w="5983015" h="2666244">
+                <a:moveTo>
+                  <a:pt x="0" y="12549"/>
+                </a:moveTo>
+                <a:lnTo>
+                  <a:pt x="5983015" y="0"/>
+                </a:lnTo>
+                <a:lnTo>
+                  <a:pt x="5983015" y="744097"/>
+                </a:lnTo>
+                <a:lnTo>
+                  <a:pt x="5983014" y="744097"/>
+                </a:lnTo>
+                <a:lnTo>
+                  <a:pt x="5983014" y="1563421"/>
+                </a:lnTo>
+                <a:lnTo>
+                  <a:pt x="5983014" y="2666244"/>
+                </a:lnTo>
+                <a:lnTo>
+                  <a:pt x="4814375" y="2666244"/>
+                </a:lnTo>
+                <a:lnTo>
+                  <a:pt x="4814375" y="1563421"/>
+                </a:lnTo>
+                <a:lnTo>
+                  <a:pt x="3652027" y="1563421"/>
+                </a:lnTo>
+                <a:lnTo>
+                  <a:pt x="3652027" y="744097"/>
+                </a:lnTo>
+                <a:lnTo>
+                  <a:pt x="0" y="760828"/>
+                </a:lnTo>
+                <a:lnTo>
+                  <a:pt x="0" y="12549"/>
+                </a:lnTo>
+                <a:close/>
+              </a:path>
+            </a:pathLst>
+          </a:custGeom>
+          <a:ln>
+            <a:headEnd type="none" w="med" len="med"/>
+            <a:tailEnd type="none" w="med" len="med"/>
+          </a:ln>
+        </p:spPr>
+        <p:style>
+          <a:lnRef idx="2">
+            <a:schemeClr val="accent1"/>
+          </a:lnRef>
+          <a:fillRef idx="1">
+            <a:schemeClr val="lt1"/>
+          </a:fillRef>
+          <a:effectRef idx="0">
+            <a:schemeClr val="accent1"/>
+          </a:effectRef>
+          <a:fontRef idx="minor">
+            <a:schemeClr val="dk1"/>
+          </a:fontRef>
+        </p:style>
+        <p:txBody>
+          <a:bodyPr rot="0" spcFirstLastPara="0" vertOverflow="overflow" horzOverflow="overflow" vert="horz" wrap="square" lIns="179285" tIns="143428" rIns="179285" bIns="143428" numCol="1" spcCol="0" rtlCol="0" fromWordArt="0" anchor="ctr" anchorCtr="0" forceAA="0" compatLnSpc="1">
+            <a:prstTxWarp prst="textNoShape">
+              <a:avLst/>
+            </a:prstTxWarp>
+            <a:noAutofit/>
+          </a:bodyPr>
+          <a:lstStyle/>
+          <a:p>
+            <a:pPr algn="ctr" defTabSz="914102" fontAlgn="base">
+              <a:lnSpc>
+                <a:spcPct val="90000"/>
+              </a:lnSpc>
+              <a:spcBef>
+                <a:spcPct val="0"/>
+              </a:spcBef>
+              <a:spcAft>
+                <a:spcPct val="0"/>
+              </a:spcAft>
+            </a:pPr>
+            <a:endParaRPr lang="en-US" altLang="ja-JP" sz="1765" dirty="0">
+              <a:solidFill>
+                <a:schemeClr val="tx2"/>
+              </a:solidFill>
+              <a:cs typeface="Segoe UI" pitchFamily="34" charset="0"/>
+            </a:endParaRPr>
+          </a:p>
+        </p:txBody>
+      </p:sp>
+      <p:sp>
+        <p:nvSpPr>
+          <p:cNvPr id="22" name="正方形/長方形 21">
+            <a:extLst>
+              <a:ext uri="{FF2B5EF4-FFF2-40B4-BE49-F238E27FC236}">
+                <a16:creationId xmlns:a16="http://schemas.microsoft.com/office/drawing/2014/main" id="{EBA99EE7-02A0-4A9B-8D7F-C8A5C9A2D954}"/>
+              </a:ext>
+            </a:extLst>
+          </p:cNvPr>
+          <p:cNvSpPr/>
+          <p:nvPr/>
+        </p:nvSpPr>
+        <p:spPr bwMode="auto">
+          <a:xfrm>
+            <a:off x="7450283" y="2472619"/>
+            <a:ext cx="1480561" cy="650408"/>
           </a:xfrm>
           <a:prstGeom prst="rect">
             <a:avLst/>
           </a:prstGeom>
-        </p:spPr>
-      </p:pic>
-      <p:sp>
-        <p:nvSpPr>
-          <p:cNvPr id="60" name="テキスト ボックス 59">
-            <a:extLst>
-              <a:ext uri="{FF2B5EF4-FFF2-40B4-BE49-F238E27FC236}">
-                <a16:creationId xmlns:a16="http://schemas.microsoft.com/office/drawing/2014/main" id="{0E241092-B2A8-41A5-8F59-A5E1B3605ED2}"/>
+          <a:ln>
+            <a:headEnd type="none" w="med" len="med"/>
+            <a:tailEnd type="none" w="med" len="med"/>
+          </a:ln>
+        </p:spPr>
+        <p:style>
+          <a:lnRef idx="2">
+            <a:schemeClr val="accent1"/>
+          </a:lnRef>
+          <a:fillRef idx="1">
+            <a:schemeClr val="lt1"/>
+          </a:fillRef>
+          <a:effectRef idx="0">
+            <a:schemeClr val="accent1"/>
+          </a:effectRef>
+          <a:fontRef idx="minor">
+            <a:schemeClr val="dk1"/>
+          </a:fontRef>
+        </p:style>
+        <p:txBody>
+          <a:bodyPr rot="0" spcFirstLastPara="0" vertOverflow="overflow" horzOverflow="overflow" vert="horz" wrap="none" lIns="179285" tIns="143428" rIns="179285" bIns="143428" numCol="1" spcCol="0" rtlCol="0" fromWordArt="0" anchor="ctr" anchorCtr="0" forceAA="0" compatLnSpc="1">
+            <a:prstTxWarp prst="textNoShape">
+              <a:avLst/>
+            </a:prstTxWarp>
+            <a:noAutofit/>
+          </a:bodyPr>
+          <a:lstStyle/>
+          <a:p>
+            <a:pPr algn="ctr" defTabSz="914102" fontAlgn="base">
+              <a:lnSpc>
+                <a:spcPct val="90000"/>
+              </a:lnSpc>
+              <a:spcBef>
+                <a:spcPct val="0"/>
+              </a:spcBef>
+              <a:spcAft>
+                <a:spcPct val="0"/>
+              </a:spcAft>
+            </a:pPr>
+            <a:r>
+              <a:rPr lang="en-US" altLang="ja-JP" sz="1765" dirty="0">
+                <a:solidFill>
+                  <a:schemeClr val="tx2"/>
+                </a:solidFill>
+                <a:cs typeface="Segoe UI" pitchFamily="34" charset="0"/>
+              </a:rPr>
+              <a:t>OSS, </a:t>
+            </a:r>
+          </a:p>
+          <a:p>
+            <a:pPr algn="ctr" defTabSz="914102" fontAlgn="base">
+              <a:lnSpc>
+                <a:spcPct val="90000"/>
+              </a:lnSpc>
+              <a:spcBef>
+                <a:spcPct val="0"/>
+              </a:spcBef>
+              <a:spcAft>
+                <a:spcPct val="0"/>
+              </a:spcAft>
+            </a:pPr>
+            <a:r>
+              <a:rPr lang="en-US" altLang="ja-JP" sz="1765" dirty="0">
+                <a:solidFill>
+                  <a:schemeClr val="tx2"/>
+                </a:solidFill>
+                <a:cs typeface="Segoe UI" pitchFamily="34" charset="0"/>
+              </a:rPr>
+              <a:t>3</a:t>
+            </a:r>
+            <a:r>
+              <a:rPr lang="en-US" altLang="ja-JP" sz="1765" baseline="30000" dirty="0">
+                <a:solidFill>
+                  <a:schemeClr val="tx2"/>
+                </a:solidFill>
+                <a:cs typeface="Segoe UI" pitchFamily="34" charset="0"/>
+              </a:rPr>
+              <a:t>rd</a:t>
+            </a:r>
+            <a:r>
+              <a:rPr lang="ja-JP" altLang="en-US" sz="1765" dirty="0">
+                <a:solidFill>
+                  <a:schemeClr val="tx2"/>
+                </a:solidFill>
+                <a:cs typeface="Segoe UI" pitchFamily="34" charset="0"/>
+              </a:rPr>
+              <a:t> </a:t>
+            </a:r>
+            <a:r>
+              <a:rPr lang="en-US" altLang="ja-JP" sz="1765" dirty="0">
+                <a:solidFill>
+                  <a:schemeClr val="tx2"/>
+                </a:solidFill>
+                <a:cs typeface="Segoe UI" pitchFamily="34" charset="0"/>
+              </a:rPr>
+              <a:t>Party</a:t>
+            </a:r>
+          </a:p>
+        </p:txBody>
+      </p:sp>
+      <p:sp>
+        <p:nvSpPr>
+          <p:cNvPr id="24" name="テキスト ボックス 23">
+            <a:extLst>
+              <a:ext uri="{FF2B5EF4-FFF2-40B4-BE49-F238E27FC236}">
+                <a16:creationId xmlns:a16="http://schemas.microsoft.com/office/drawing/2014/main" id="{74891F8D-1105-4342-A6FC-216876116118}"/>
               </a:ext>
             </a:extLst>
           </p:cNvPr>
@@ -4659,8 +5465,8 @@
         </p:nvSpPr>
         <p:spPr>
           <a:xfrm>
-            <a:off x="8646551" y="1849784"/>
-            <a:ext cx="902811" cy="307777"/>
+            <a:off x="7613673" y="1693355"/>
+            <a:ext cx="3303903" cy="536696"/>
           </a:xfrm>
           <a:prstGeom prst="rect">
             <a:avLst/>
@@ -4668,663 +5474,119 @@
           <a:noFill/>
         </p:spPr>
         <p:txBody>
-          <a:bodyPr wrap="none" rtlCol="0">
+          <a:bodyPr wrap="none" lIns="179285" tIns="143428" rIns="179285" bIns="143428" rtlCol="0">
             <a:spAutoFit/>
           </a:bodyPr>
           <a:lstStyle/>
           <a:p>
-            <a:r>
-              <a:rPr kumimoji="1" lang="ja-JP" altLang="en-US" sz="1400" dirty="0"/>
-              <a:t>コンテナ</a:t>
-            </a:r>
-          </a:p>
-        </p:txBody>
-      </p:sp>
-      <p:pic>
-        <p:nvPicPr>
-          <p:cNvPr id="62" name="図 61" descr="アイコン&#10;&#10;自動的に生成された説明">
-            <a:extLst>
-              <a:ext uri="{FF2B5EF4-FFF2-40B4-BE49-F238E27FC236}">
-                <a16:creationId xmlns:a16="http://schemas.microsoft.com/office/drawing/2014/main" id="{476990EA-99EF-4AB6-B53A-0F74C98C41F2}"/>
-              </a:ext>
-            </a:extLst>
-          </p:cNvPr>
-          <p:cNvPicPr>
-            <a:picLocks noChangeAspect="1"/>
-          </p:cNvPicPr>
+            <a:pPr>
+              <a:lnSpc>
+                <a:spcPct val="90000"/>
+              </a:lnSpc>
+              <a:spcAft>
+                <a:spcPts val="588"/>
+              </a:spcAft>
+            </a:pPr>
+            <a:r>
+              <a:rPr lang="ja-JP" altLang="en-US" sz="1765" dirty="0">
+                <a:gradFill>
+                  <a:gsLst>
+                    <a:gs pos="2917">
+                      <a:schemeClr val="tx1"/>
+                    </a:gs>
+                    <a:gs pos="30000">
+                      <a:schemeClr val="tx1"/>
+                    </a:gs>
+                  </a:gsLst>
+                  <a:lin ang="5400000" scaled="0"/>
+                </a:gradFill>
+              </a:rPr>
+              <a:t>ユーザーコード／スクリプト</a:t>
+            </a:r>
+          </a:p>
+        </p:txBody>
+      </p:sp>
+      <p:sp>
+        <p:nvSpPr>
+          <p:cNvPr id="18" name="正方形/長方形 17">
+            <a:extLst>
+              <a:ext uri="{FF2B5EF4-FFF2-40B4-BE49-F238E27FC236}">
+                <a16:creationId xmlns:a16="http://schemas.microsoft.com/office/drawing/2014/main" id="{31F6DCC3-8619-42C2-9CDC-094F875AE462}"/>
+              </a:ext>
+            </a:extLst>
+          </p:cNvPr>
+          <p:cNvSpPr/>
           <p:nvPr/>
-        </p:nvPicPr>
-        <p:blipFill>
-          <a:blip r:embed="rId6">
-            <a:extLst>
-              <a:ext uri="{28A0092B-C50C-407E-A947-70E740481C1C}">
-                <a14:useLocalDpi xmlns:a14="http://schemas.microsoft.com/office/drawing/2010/main" val="0"/>
-              </a:ext>
-            </a:extLst>
-          </a:blip>
-          <a:stretch>
-            <a:fillRect/>
-          </a:stretch>
-        </p:blipFill>
-        <p:spPr>
-          <a:xfrm>
-            <a:off x="10897331" y="1426081"/>
-            <a:ext cx="246123" cy="527405"/>
+        </p:nvSpPr>
+        <p:spPr bwMode="auto">
+          <a:xfrm>
+            <a:off x="729388" y="1589749"/>
+            <a:ext cx="4691405" cy="743909"/>
           </a:xfrm>
           <a:prstGeom prst="rect">
             <a:avLst/>
           </a:prstGeom>
-        </p:spPr>
-      </p:pic>
-      <p:pic>
-        <p:nvPicPr>
-          <p:cNvPr id="64" name="図 63" descr="文字が書かれた看板&#10;&#10;自動的に生成された説明">
-            <a:extLst>
-              <a:ext uri="{FF2B5EF4-FFF2-40B4-BE49-F238E27FC236}">
-                <a16:creationId xmlns:a16="http://schemas.microsoft.com/office/drawing/2014/main" id="{02B72BEE-B8E3-4B13-9219-B800D0B860AC}"/>
-              </a:ext>
-            </a:extLst>
-          </p:cNvPr>
-          <p:cNvPicPr>
-            <a:picLocks noChangeAspect="1"/>
-          </p:cNvPicPr>
-          <p:nvPr/>
-        </p:nvPicPr>
-        <p:blipFill>
-          <a:blip r:embed="rId7">
-            <a:extLst>
-              <a:ext uri="{28A0092B-C50C-407E-A947-70E740481C1C}">
-                <a14:useLocalDpi xmlns:a14="http://schemas.microsoft.com/office/drawing/2010/main" val="0"/>
-              </a:ext>
-            </a:extLst>
-          </a:blip>
-          <a:stretch>
-            <a:fillRect/>
-          </a:stretch>
-        </p:blipFill>
-        <p:spPr>
-          <a:xfrm>
-            <a:off x="11565000" y="1431905"/>
-            <a:ext cx="246123" cy="527405"/>
-          </a:xfrm>
-          <a:prstGeom prst="rect">
-            <a:avLst/>
-          </a:prstGeom>
-        </p:spPr>
-      </p:pic>
-      <p:pic>
-        <p:nvPicPr>
-          <p:cNvPr id="66" name="図 65" descr="白いバックグラウンドの前にある交通標識&#10;&#10;自動的に生成された説明">
-            <a:extLst>
-              <a:ext uri="{FF2B5EF4-FFF2-40B4-BE49-F238E27FC236}">
-                <a16:creationId xmlns:a16="http://schemas.microsoft.com/office/drawing/2014/main" id="{003BCB73-B30C-4D93-B8EF-1A355C24DD98}"/>
-              </a:ext>
-            </a:extLst>
-          </p:cNvPr>
-          <p:cNvPicPr>
-            <a:picLocks noChangeAspect="1"/>
-          </p:cNvPicPr>
-          <p:nvPr/>
-        </p:nvPicPr>
-        <p:blipFill>
-          <a:blip r:embed="rId8">
-            <a:extLst>
-              <a:ext uri="{28A0092B-C50C-407E-A947-70E740481C1C}">
-                <a14:useLocalDpi xmlns:a14="http://schemas.microsoft.com/office/drawing/2010/main" val="0"/>
-              </a:ext>
-            </a:extLst>
-          </a:blip>
-          <a:stretch>
-            <a:fillRect/>
-          </a:stretch>
-        </p:blipFill>
-        <p:spPr>
-          <a:xfrm>
-            <a:off x="12089290" y="1427378"/>
-            <a:ext cx="583734" cy="583734"/>
-          </a:xfrm>
-          <a:prstGeom prst="rect">
-            <a:avLst/>
-          </a:prstGeom>
-        </p:spPr>
-      </p:pic>
-      <p:sp>
-        <p:nvSpPr>
-          <p:cNvPr id="67" name="テキスト ボックス 66">
-            <a:extLst>
-              <a:ext uri="{FF2B5EF4-FFF2-40B4-BE49-F238E27FC236}">
-                <a16:creationId xmlns:a16="http://schemas.microsoft.com/office/drawing/2014/main" id="{661F7DDD-CDA2-4CDA-8896-048D0A88154B}"/>
-              </a:ext>
-            </a:extLst>
-          </p:cNvPr>
-          <p:cNvSpPr txBox="1"/>
-          <p:nvPr/>
-        </p:nvSpPr>
-        <p:spPr>
-          <a:xfrm>
-            <a:off x="3243535" y="3675159"/>
-            <a:ext cx="1919531" cy="307777"/>
-          </a:xfrm>
-          <a:prstGeom prst="rect">
-            <a:avLst/>
-          </a:prstGeom>
-          <a:noFill/>
-        </p:spPr>
-        <p:txBody>
-          <a:bodyPr wrap="none" rtlCol="0">
-            <a:spAutoFit/>
-          </a:bodyPr>
-          <a:lstStyle/>
-          <a:p>
-            <a:r>
-              <a:rPr lang="en-US" altLang="ja-JP" sz="1400" dirty="0"/>
-              <a:t>https://management.azure.com</a:t>
-            </a:r>
-            <a:endParaRPr kumimoji="1" lang="ja-JP" altLang="en-US" sz="1400" dirty="0"/>
-          </a:p>
-        </p:txBody>
-      </p:sp>
-      <p:sp>
-        <p:nvSpPr>
-          <p:cNvPr id="69" name="テキスト ボックス 68">
-            <a:extLst>
-              <a:ext uri="{FF2B5EF4-FFF2-40B4-BE49-F238E27FC236}">
-                <a16:creationId xmlns:a16="http://schemas.microsoft.com/office/drawing/2014/main" id="{E978C273-1577-4D0D-82F4-D382077D6422}"/>
-              </a:ext>
-            </a:extLst>
-          </p:cNvPr>
-          <p:cNvSpPr txBox="1"/>
-          <p:nvPr/>
-        </p:nvSpPr>
-        <p:spPr>
-          <a:xfrm>
-            <a:off x="3208275" y="2186551"/>
-            <a:ext cx="3879588" cy="307777"/>
-          </a:xfrm>
-          <a:prstGeom prst="rect">
-            <a:avLst/>
-          </a:prstGeom>
-          <a:noFill/>
-        </p:spPr>
-        <p:txBody>
-          <a:bodyPr wrap="none" rtlCol="0">
-            <a:spAutoFit/>
-          </a:bodyPr>
-          <a:lstStyle/>
-          <a:p>
-            <a:r>
-              <a:rPr lang="en-US" altLang="ja-JP" sz="1400" dirty="0"/>
-              <a:t>https://accountName.blob.core.windows.net</a:t>
-            </a:r>
-            <a:endParaRPr kumimoji="1" lang="ja-JP" altLang="en-US" sz="1400" dirty="0"/>
-          </a:p>
-        </p:txBody>
-      </p:sp>
-      <p:pic>
-        <p:nvPicPr>
-          <p:cNvPr id="71" name="グラフィックス 70">
-            <a:extLst>
-              <a:ext uri="{FF2B5EF4-FFF2-40B4-BE49-F238E27FC236}">
-                <a16:creationId xmlns:a16="http://schemas.microsoft.com/office/drawing/2014/main" id="{20387635-2809-459F-88C2-493690F39938}"/>
-              </a:ext>
-            </a:extLst>
-          </p:cNvPr>
-          <p:cNvPicPr>
-            <a:picLocks noChangeAspect="1"/>
-          </p:cNvPicPr>
-          <p:nvPr/>
-        </p:nvPicPr>
-        <p:blipFill>
-          <a:blip r:embed="rId9">
-            <a:extLst>
-              <a:ext uri="{28A0092B-C50C-407E-A947-70E740481C1C}">
-                <a14:useLocalDpi xmlns:a14="http://schemas.microsoft.com/office/drawing/2010/main" val="0"/>
-              </a:ext>
-              <a:ext uri="{96DAC541-7B7A-43D3-8B79-37D633B846F1}">
-                <asvg:svgBlip xmlns:asvg="http://schemas.microsoft.com/office/drawing/2016/SVG/main" r:embed="rId10"/>
-              </a:ext>
-            </a:extLst>
-          </a:blip>
-          <a:stretch>
-            <a:fillRect/>
-          </a:stretch>
-        </p:blipFill>
-        <p:spPr>
-          <a:xfrm>
-            <a:off x="1282547" y="2021843"/>
-            <a:ext cx="1121337" cy="866487"/>
-          </a:xfrm>
-          <a:prstGeom prst="rect">
-            <a:avLst/>
-          </a:prstGeom>
-        </p:spPr>
-      </p:pic>
-      <p:cxnSp>
-        <p:nvCxnSpPr>
-          <p:cNvPr id="73" name="直線矢印コネクタ 72">
-            <a:extLst>
-              <a:ext uri="{FF2B5EF4-FFF2-40B4-BE49-F238E27FC236}">
-                <a16:creationId xmlns:a16="http://schemas.microsoft.com/office/drawing/2014/main" id="{05AFE3A3-2FBB-4F36-A544-DD26E594B316}"/>
-              </a:ext>
-            </a:extLst>
-          </p:cNvPr>
-          <p:cNvCxnSpPr>
-            <a:endCxn id="7" idx="2"/>
-          </p:cNvCxnSpPr>
-          <p:nvPr/>
-        </p:nvCxnSpPr>
-        <p:spPr>
-          <a:xfrm flipV="1">
-            <a:off x="2155924" y="1689786"/>
-            <a:ext cx="1257706" cy="496765"/>
-          </a:xfrm>
-          <a:prstGeom prst="straightConnector1">
-            <a:avLst/>
-          </a:prstGeom>
-          <a:ln w="38100" cap="flat" cmpd="sng" algn="ctr">
-            <a:solidFill>
-              <a:schemeClr val="accent6"/>
-            </a:solidFill>
-            <a:prstDash val="solid"/>
-            <a:round/>
+          <a:ln>
             <a:headEnd type="none" w="med" len="med"/>
-            <a:tailEnd type="arrow" w="med" len="med"/>
+            <a:tailEnd type="none" w="med" len="med"/>
           </a:ln>
         </p:spPr>
         <p:style>
-          <a:lnRef idx="0">
-            <a:scrgbClr r="0" g="0" b="0"/>
+          <a:lnRef idx="2">
+            <a:schemeClr val="accent1"/>
           </a:lnRef>
-          <a:fillRef idx="0">
-            <a:scrgbClr r="0" g="0" b="0"/>
+          <a:fillRef idx="1">
+            <a:schemeClr val="lt1"/>
           </a:fillRef>
           <a:effectRef idx="0">
-            <a:scrgbClr r="0" g="0" b="0"/>
+            <a:schemeClr val="accent1"/>
           </a:effectRef>
           <a:fontRef idx="minor">
-            <a:schemeClr val="tx1"/>
+            <a:schemeClr val="dk1"/>
           </a:fontRef>
         </p:style>
-      </p:cxnSp>
-      <p:cxnSp>
-        <p:nvCxnSpPr>
-          <p:cNvPr id="75" name="直線矢印コネクタ 74">
-            <a:extLst>
-              <a:ext uri="{FF2B5EF4-FFF2-40B4-BE49-F238E27FC236}">
-                <a16:creationId xmlns:a16="http://schemas.microsoft.com/office/drawing/2014/main" id="{2ED93F28-CBAA-46A1-98B2-FD24170B1570}"/>
-              </a:ext>
-            </a:extLst>
-          </p:cNvPr>
-          <p:cNvCxnSpPr>
-            <a:cxnSpLocks/>
-          </p:cNvCxnSpPr>
-          <p:nvPr/>
-        </p:nvCxnSpPr>
-        <p:spPr>
-          <a:xfrm flipV="1">
-            <a:off x="3687079" y="1590517"/>
-            <a:ext cx="7302654" cy="5339"/>
-          </a:xfrm>
-          <a:prstGeom prst="straightConnector1">
-            <a:avLst/>
-          </a:prstGeom>
-          <a:ln w="38100" cap="flat" cmpd="sng" algn="ctr">
-            <a:solidFill>
-              <a:schemeClr val="accent6"/>
-            </a:solidFill>
-            <a:prstDash val="solid"/>
-            <a:round/>
-            <a:headEnd type="none" w="med" len="med"/>
-            <a:tailEnd type="arrow" w="med" len="med"/>
-          </a:ln>
-        </p:spPr>
-        <p:style>
-          <a:lnRef idx="0">
-            <a:scrgbClr r="0" g="0" b="0"/>
-          </a:lnRef>
-          <a:fillRef idx="0">
-            <a:scrgbClr r="0" g="0" b="0"/>
-          </a:fillRef>
-          <a:effectRef idx="0">
-            <a:scrgbClr r="0" g="0" b="0"/>
-          </a:effectRef>
-          <a:fontRef idx="minor">
-            <a:schemeClr val="tx1"/>
-          </a:fontRef>
-        </p:style>
-      </p:cxnSp>
-      <p:cxnSp>
-        <p:nvCxnSpPr>
-          <p:cNvPr id="78" name="直線矢印コネクタ 77">
-            <a:extLst>
-              <a:ext uri="{FF2B5EF4-FFF2-40B4-BE49-F238E27FC236}">
-                <a16:creationId xmlns:a16="http://schemas.microsoft.com/office/drawing/2014/main" id="{DE43AC06-69B4-411B-9402-AA04969381AB}"/>
-              </a:ext>
-            </a:extLst>
-          </p:cNvPr>
-          <p:cNvCxnSpPr>
-            <a:cxnSpLocks/>
-          </p:cNvCxnSpPr>
-          <p:nvPr/>
-        </p:nvCxnSpPr>
-        <p:spPr>
-          <a:xfrm>
-            <a:off x="2167748" y="2664692"/>
-            <a:ext cx="1219501" cy="466082"/>
-          </a:xfrm>
-          <a:prstGeom prst="straightConnector1">
-            <a:avLst/>
-          </a:prstGeom>
-          <a:ln w="38100" cap="flat" cmpd="sng" algn="ctr">
-            <a:solidFill>
-              <a:schemeClr val="accent6"/>
-            </a:solidFill>
-            <a:prstDash val="solid"/>
-            <a:round/>
-            <a:headEnd type="none" w="med" len="med"/>
-            <a:tailEnd type="arrow" w="med" len="med"/>
-          </a:ln>
-        </p:spPr>
-        <p:style>
-          <a:lnRef idx="0">
-            <a:scrgbClr r="0" g="0" b="0"/>
-          </a:lnRef>
-          <a:fillRef idx="0">
-            <a:scrgbClr r="0" g="0" b="0"/>
-          </a:fillRef>
-          <a:effectRef idx="0">
-            <a:scrgbClr r="0" g="0" b="0"/>
-          </a:effectRef>
-          <a:fontRef idx="minor">
-            <a:schemeClr val="tx1"/>
-          </a:fontRef>
-        </p:style>
-      </p:cxnSp>
-      <p:cxnSp>
-        <p:nvCxnSpPr>
-          <p:cNvPr id="81" name="直線矢印コネクタ 80">
-            <a:extLst>
-              <a:ext uri="{FF2B5EF4-FFF2-40B4-BE49-F238E27FC236}">
-                <a16:creationId xmlns:a16="http://schemas.microsoft.com/office/drawing/2014/main" id="{642D3543-A3F6-4163-B4FC-66008B74230D}"/>
-              </a:ext>
-            </a:extLst>
-          </p:cNvPr>
-          <p:cNvCxnSpPr>
-            <a:cxnSpLocks/>
-          </p:cNvCxnSpPr>
-          <p:nvPr/>
-        </p:nvCxnSpPr>
-        <p:spPr>
-          <a:xfrm flipV="1">
-            <a:off x="3741995" y="3245732"/>
-            <a:ext cx="4959408" cy="65"/>
-          </a:xfrm>
-          <a:prstGeom prst="straightConnector1">
-            <a:avLst/>
-          </a:prstGeom>
-          <a:ln w="38100" cap="flat" cmpd="sng" algn="ctr">
-            <a:solidFill>
-              <a:schemeClr val="accent6"/>
-            </a:solidFill>
-            <a:prstDash val="solid"/>
-            <a:round/>
-            <a:headEnd type="none" w="med" len="med"/>
-            <a:tailEnd type="arrow" w="med" len="med"/>
-          </a:ln>
-        </p:spPr>
-        <p:style>
-          <a:lnRef idx="0">
-            <a:scrgbClr r="0" g="0" b="0"/>
-          </a:lnRef>
-          <a:fillRef idx="0">
-            <a:scrgbClr r="0" g="0" b="0"/>
-          </a:fillRef>
-          <a:effectRef idx="0">
-            <a:scrgbClr r="0" g="0" b="0"/>
-          </a:effectRef>
-          <a:fontRef idx="minor">
-            <a:schemeClr val="tx1"/>
-          </a:fontRef>
-        </p:style>
-      </p:cxnSp>
-      <p:sp>
-        <p:nvSpPr>
-          <p:cNvPr id="83" name="テキスト ボックス 82">
-            <a:extLst>
-              <a:ext uri="{FF2B5EF4-FFF2-40B4-BE49-F238E27FC236}">
-                <a16:creationId xmlns:a16="http://schemas.microsoft.com/office/drawing/2014/main" id="{CD36FCDB-0F0F-480A-A39F-29CB4648ADA2}"/>
-              </a:ext>
-            </a:extLst>
-          </p:cNvPr>
-          <p:cNvSpPr txBox="1"/>
-          <p:nvPr/>
-        </p:nvSpPr>
-        <p:spPr>
-          <a:xfrm>
-            <a:off x="1675063" y="2929123"/>
-            <a:ext cx="1599540" cy="523220"/>
-          </a:xfrm>
-          <a:prstGeom prst="rect">
-            <a:avLst/>
-          </a:prstGeom>
-          <a:noFill/>
-        </p:spPr>
-        <p:txBody>
-          <a:bodyPr wrap="square" rtlCol="0">
-            <a:spAutoFit/>
+        <p:txBody>
+          <a:bodyPr rot="0" spcFirstLastPara="0" vertOverflow="overflow" horzOverflow="overflow" vert="horz" wrap="none" lIns="179285" tIns="143428" rIns="179285" bIns="143428" numCol="1" spcCol="0" rtlCol="0" fromWordArt="0" anchor="ctr" anchorCtr="0" forceAA="0" compatLnSpc="1">
+            <a:prstTxWarp prst="textNoShape">
+              <a:avLst/>
+            </a:prstTxWarp>
+            <a:noAutofit/>
           </a:bodyPr>
           <a:lstStyle/>
           <a:p>
-            <a:r>
-              <a:rPr kumimoji="1" lang="ja-JP" altLang="en-US" sz="1400" dirty="0"/>
-              <a:t>作成・削除などの管理操作</a:t>
-            </a:r>
-          </a:p>
-        </p:txBody>
-      </p:sp>
-      <p:sp>
-        <p:nvSpPr>
-          <p:cNvPr id="85" name="テキスト ボックス 84">
-            <a:extLst>
-              <a:ext uri="{FF2B5EF4-FFF2-40B4-BE49-F238E27FC236}">
-                <a16:creationId xmlns:a16="http://schemas.microsoft.com/office/drawing/2014/main" id="{AB69B772-9316-426D-9FA5-7328DDBA9472}"/>
-              </a:ext>
-            </a:extLst>
-          </p:cNvPr>
-          <p:cNvSpPr txBox="1"/>
-          <p:nvPr/>
-        </p:nvSpPr>
-        <p:spPr>
-          <a:xfrm>
-            <a:off x="1649770" y="1407780"/>
-            <a:ext cx="1599540" cy="523220"/>
-          </a:xfrm>
-          <a:prstGeom prst="rect">
-            <a:avLst/>
-          </a:prstGeom>
-          <a:noFill/>
-        </p:spPr>
-        <p:txBody>
-          <a:bodyPr wrap="square" rtlCol="0">
-            <a:spAutoFit/>
-          </a:bodyPr>
-          <a:lstStyle/>
-          <a:p>
-            <a:r>
-              <a:rPr kumimoji="1" lang="ja-JP" altLang="en-US" sz="1400" dirty="0"/>
-              <a:t>読取・書込などのデータ操作</a:t>
-            </a:r>
-          </a:p>
-        </p:txBody>
-      </p:sp>
-      <p:pic>
-        <p:nvPicPr>
-          <p:cNvPr id="87" name="図 86" descr="アイコン&#10;&#10;自動的に生成された説明">
-            <a:extLst>
-              <a:ext uri="{FF2B5EF4-FFF2-40B4-BE49-F238E27FC236}">
-                <a16:creationId xmlns:a16="http://schemas.microsoft.com/office/drawing/2014/main" id="{6A9D739C-7289-4543-BF7D-6FABFF99564C}"/>
-              </a:ext>
-            </a:extLst>
-          </p:cNvPr>
-          <p:cNvPicPr>
-            <a:picLocks noChangeAspect="1"/>
-          </p:cNvPicPr>
-          <p:nvPr/>
-        </p:nvPicPr>
-        <p:blipFill>
-          <a:blip r:embed="rId11">
-            <a:extLst>
-              <a:ext uri="{28A0092B-C50C-407E-A947-70E740481C1C}">
-                <a14:useLocalDpi xmlns:a14="http://schemas.microsoft.com/office/drawing/2010/main" val="0"/>
-              </a:ext>
-            </a:extLst>
-          </a:blip>
-          <a:stretch>
-            <a:fillRect/>
-          </a:stretch>
-        </p:blipFill>
-        <p:spPr>
-          <a:xfrm>
-            <a:off x="229410" y="627709"/>
-            <a:ext cx="644868" cy="644868"/>
-          </a:xfrm>
-          <a:prstGeom prst="rect">
-            <a:avLst/>
-          </a:prstGeom>
-        </p:spPr>
-      </p:pic>
-      <p:cxnSp>
-        <p:nvCxnSpPr>
-          <p:cNvPr id="94" name="コネクタ: カギ線 93">
-            <a:extLst>
-              <a:ext uri="{FF2B5EF4-FFF2-40B4-BE49-F238E27FC236}">
-                <a16:creationId xmlns:a16="http://schemas.microsoft.com/office/drawing/2014/main" id="{47BDC9D2-0A46-4F9A-9FF5-1003C92A8CA0}"/>
-              </a:ext>
-            </a:extLst>
-          </p:cNvPr>
-          <p:cNvCxnSpPr>
-            <a:cxnSpLocks/>
-            <a:stCxn id="71" idx="1"/>
-            <a:endCxn id="87" idx="2"/>
-          </p:cNvCxnSpPr>
-          <p:nvPr/>
-        </p:nvCxnSpPr>
-        <p:spPr>
-          <a:xfrm rot="10800000">
-            <a:off x="551845" y="1272577"/>
-            <a:ext cx="730703" cy="1182510"/>
-          </a:xfrm>
-          <a:prstGeom prst="bentConnector2">
-            <a:avLst/>
-          </a:prstGeom>
-          <a:ln w="38100" cap="flat" cmpd="sng" algn="ctr">
-            <a:solidFill>
-              <a:schemeClr val="accent6"/>
-            </a:solidFill>
-            <a:prstDash val="solid"/>
-            <a:round/>
-            <a:headEnd type="none" w="med" len="med"/>
-            <a:tailEnd type="arrow" w="med" len="med"/>
-          </a:ln>
-        </p:spPr>
-        <p:style>
-          <a:lnRef idx="0">
-            <a:scrgbClr r="0" g="0" b="0"/>
-          </a:lnRef>
-          <a:fillRef idx="0">
-            <a:scrgbClr r="0" g="0" b="0"/>
-          </a:fillRef>
-          <a:effectRef idx="0">
-            <a:scrgbClr r="0" g="0" b="0"/>
-          </a:effectRef>
-          <a:fontRef idx="minor">
-            <a:schemeClr val="tx1"/>
-          </a:fontRef>
-        </p:style>
-      </p:cxnSp>
-      <p:sp>
-        <p:nvSpPr>
-          <p:cNvPr id="97" name="テキスト ボックス 96">
-            <a:extLst>
-              <a:ext uri="{FF2B5EF4-FFF2-40B4-BE49-F238E27FC236}">
-                <a16:creationId xmlns:a16="http://schemas.microsoft.com/office/drawing/2014/main" id="{4EA632BB-9E5F-4185-8209-E7185014439B}"/>
-              </a:ext>
-            </a:extLst>
-          </p:cNvPr>
-          <p:cNvSpPr txBox="1"/>
-          <p:nvPr/>
-        </p:nvSpPr>
-        <p:spPr>
-          <a:xfrm>
-            <a:off x="-34173" y="2515113"/>
-            <a:ext cx="1810139" cy="523220"/>
-          </a:xfrm>
-          <a:prstGeom prst="rect">
-            <a:avLst/>
-          </a:prstGeom>
-          <a:noFill/>
-        </p:spPr>
-        <p:txBody>
-          <a:bodyPr wrap="square" rtlCol="0">
-            <a:spAutoFit/>
-          </a:bodyPr>
-          <a:lstStyle/>
-          <a:p>
-            <a:r>
-              <a:rPr lang="ja-JP" altLang="en-US" sz="1400" dirty="0"/>
-              <a:t>アクセストークン</a:t>
-            </a:r>
-            <a:br>
-              <a:rPr lang="en-US" altLang="ja-JP" sz="1400" dirty="0"/>
-            </a:br>
-            <a:r>
-              <a:rPr lang="ja-JP" altLang="en-US" sz="1400" dirty="0"/>
-              <a:t> 取得</a:t>
-            </a:r>
-            <a:endParaRPr kumimoji="1" lang="ja-JP" altLang="en-US" sz="1400" dirty="0"/>
-          </a:p>
-        </p:txBody>
-      </p:sp>
-      <p:sp>
-        <p:nvSpPr>
-          <p:cNvPr id="99" name="テキスト ボックス 98">
-            <a:extLst>
-              <a:ext uri="{FF2B5EF4-FFF2-40B4-BE49-F238E27FC236}">
-                <a16:creationId xmlns:a16="http://schemas.microsoft.com/office/drawing/2014/main" id="{2A98EBF9-E05E-4857-A1A1-FD10D17A5B10}"/>
-              </a:ext>
-            </a:extLst>
-          </p:cNvPr>
-          <p:cNvSpPr txBox="1"/>
-          <p:nvPr/>
-        </p:nvSpPr>
-        <p:spPr>
-          <a:xfrm>
-            <a:off x="-6580" y="317956"/>
-            <a:ext cx="2578253" cy="307777"/>
-          </a:xfrm>
-          <a:prstGeom prst="rect">
-            <a:avLst/>
-          </a:prstGeom>
-          <a:noFill/>
-        </p:spPr>
-        <p:txBody>
-          <a:bodyPr wrap="square" rtlCol="0">
-            <a:spAutoFit/>
-          </a:bodyPr>
-          <a:lstStyle/>
-          <a:p>
-            <a:r>
-              <a:rPr kumimoji="1" lang="en-US" altLang="ja-JP" sz="1400" dirty="0"/>
-              <a:t>Azure Active Directory</a:t>
-            </a:r>
-            <a:endParaRPr kumimoji="1" lang="ja-JP" altLang="en-US" sz="1400" dirty="0"/>
+            <a:pPr algn="ctr" defTabSz="914102" fontAlgn="base">
+              <a:lnSpc>
+                <a:spcPct val="90000"/>
+              </a:lnSpc>
+              <a:spcBef>
+                <a:spcPct val="0"/>
+              </a:spcBef>
+              <a:spcAft>
+                <a:spcPct val="0"/>
+              </a:spcAft>
+            </a:pPr>
+            <a:r>
+              <a:rPr lang="ja-JP" altLang="en-US" sz="1765">
+                <a:solidFill>
+                  <a:schemeClr val="tx2"/>
+                </a:solidFill>
+                <a:cs typeface="Segoe UI" pitchFamily="34" charset="0"/>
+              </a:rPr>
+              <a:t>ユーザーインタラクティブ</a:t>
+            </a:r>
+            <a:endParaRPr lang="ja-JP" altLang="en-US" sz="1765" dirty="0">
+              <a:solidFill>
+                <a:schemeClr val="tx2"/>
+              </a:solidFill>
+              <a:cs typeface="Segoe UI" pitchFamily="34" charset="0"/>
+            </a:endParaRPr>
           </a:p>
         </p:txBody>
       </p:sp>
     </p:spTree>
     <p:extLst>
       <p:ext uri="{BB962C8B-B14F-4D97-AF65-F5344CB8AC3E}">
-        <p14:creationId xmlns:p14="http://schemas.microsoft.com/office/powerpoint/2010/main" val="2163546853"/>
+        <p14:creationId xmlns:p14="http://schemas.microsoft.com/office/powerpoint/2010/main" val="114941406"/>
       </p:ext>
     </p:extLst>
   </p:cSld>
@@ -5353,10 +5615,10 @@
       </p:grpSpPr>
       <p:pic>
         <p:nvPicPr>
-          <p:cNvPr id="7" name="図 6">
-            <a:extLst>
-              <a:ext uri="{FF2B5EF4-FFF2-40B4-BE49-F238E27FC236}">
-                <a16:creationId xmlns:a16="http://schemas.microsoft.com/office/drawing/2014/main" id="{6AD59D88-DBE4-4CE6-A345-ECFEB0EE2934}"/>
+          <p:cNvPr id="3" name="図 2">
+            <a:extLst>
+              <a:ext uri="{FF2B5EF4-FFF2-40B4-BE49-F238E27FC236}">
+                <a16:creationId xmlns:a16="http://schemas.microsoft.com/office/drawing/2014/main" id="{AE027A68-5E13-46F9-9B63-668A891189F8}"/>
               </a:ext>
             </a:extLst>
           </p:cNvPr>
@@ -5365,16 +5627,15 @@
           </p:cNvPicPr>
           <p:nvPr/>
         </p:nvPicPr>
-        <p:blipFill>
+        <p:blipFill rotWithShape="1">
           <a:blip r:embed="rId2"/>
-          <a:stretch>
-            <a:fillRect/>
-          </a:stretch>
+          <a:srcRect b="18262"/>
+          <a:stretch/>
         </p:blipFill>
         <p:spPr>
           <a:xfrm>
-            <a:off x="1057984" y="1315553"/>
-            <a:ext cx="10076033" cy="4226895"/>
+            <a:off x="435079" y="2134402"/>
+            <a:ext cx="4668494" cy="2876577"/>
           </a:xfrm>
           <a:prstGeom prst="rect">
             <a:avLst/>
@@ -5391,10 +5652,120 @@
           </a:effectLst>
         </p:spPr>
       </p:pic>
+      <p:pic>
+        <p:nvPicPr>
+          <p:cNvPr id="5" name="図 4">
+            <a:extLst>
+              <a:ext uri="{FF2B5EF4-FFF2-40B4-BE49-F238E27FC236}">
+                <a16:creationId xmlns:a16="http://schemas.microsoft.com/office/drawing/2014/main" id="{358DF48D-8A13-4774-91FA-D49E52E51667}"/>
+              </a:ext>
+            </a:extLst>
+          </p:cNvPr>
+          <p:cNvPicPr>
+            <a:picLocks noChangeAspect="1"/>
+          </p:cNvPicPr>
+          <p:nvPr/>
+        </p:nvPicPr>
+        <p:blipFill>
+          <a:blip r:embed="rId3"/>
+          <a:stretch>
+            <a:fillRect/>
+          </a:stretch>
+        </p:blipFill>
+        <p:spPr>
+          <a:xfrm>
+            <a:off x="5446064" y="2134402"/>
+            <a:ext cx="6882066" cy="2876577"/>
+          </a:xfrm>
+          <a:prstGeom prst="rect">
+            <a:avLst/>
+          </a:prstGeom>
+          <a:ln>
+            <a:noFill/>
+          </a:ln>
+          <a:effectLst>
+            <a:outerShdw blurRad="292100" dist="139700" dir="2700000" algn="tl" rotWithShape="0">
+              <a:srgbClr val="333333">
+                <a:alpha val="65000"/>
+              </a:srgbClr>
+            </a:outerShdw>
+          </a:effectLst>
+        </p:spPr>
+      </p:pic>
+      <p:sp>
+        <p:nvSpPr>
+          <p:cNvPr id="7" name="テキスト ボックス 6">
+            <a:extLst>
+              <a:ext uri="{FF2B5EF4-FFF2-40B4-BE49-F238E27FC236}">
+                <a16:creationId xmlns:a16="http://schemas.microsoft.com/office/drawing/2014/main" id="{9AD19A43-1FBA-4E62-B926-7E7C6D8D80C3}"/>
+              </a:ext>
+            </a:extLst>
+          </p:cNvPr>
+          <p:cNvSpPr txBox="1"/>
+          <p:nvPr/>
+        </p:nvSpPr>
+        <p:spPr>
+          <a:xfrm>
+            <a:off x="435079" y="1785021"/>
+            <a:ext cx="4739951" cy="307777"/>
+          </a:xfrm>
+          <a:prstGeom prst="rect">
+            <a:avLst/>
+          </a:prstGeom>
+          <a:noFill/>
+        </p:spPr>
+        <p:txBody>
+          <a:bodyPr wrap="square" rtlCol="0">
+            <a:spAutoFit/>
+          </a:bodyPr>
+          <a:lstStyle/>
+          <a:p>
+            <a:r>
+              <a:rPr kumimoji="1" lang="ja-JP" altLang="en-US" sz="1400" dirty="0"/>
+              <a:t>この画面は主にコントロールプレーンを操作している</a:t>
+            </a:r>
+          </a:p>
+        </p:txBody>
+      </p:sp>
+      <p:sp>
+        <p:nvSpPr>
+          <p:cNvPr id="9" name="テキスト ボックス 8">
+            <a:extLst>
+              <a:ext uri="{FF2B5EF4-FFF2-40B4-BE49-F238E27FC236}">
+                <a16:creationId xmlns:a16="http://schemas.microsoft.com/office/drawing/2014/main" id="{C7206669-1B7B-4C4F-A5D5-D5A74B9D97B7}"/>
+              </a:ext>
+            </a:extLst>
+          </p:cNvPr>
+          <p:cNvSpPr txBox="1"/>
+          <p:nvPr/>
+        </p:nvSpPr>
+        <p:spPr>
+          <a:xfrm>
+            <a:off x="5389104" y="1785020"/>
+            <a:ext cx="4739951" cy="307777"/>
+          </a:xfrm>
+          <a:prstGeom prst="rect">
+            <a:avLst/>
+          </a:prstGeom>
+          <a:noFill/>
+        </p:spPr>
+        <p:txBody>
+          <a:bodyPr wrap="square" rtlCol="0">
+            <a:spAutoFit/>
+          </a:bodyPr>
+          <a:lstStyle/>
+          <a:p>
+            <a:r>
+              <a:rPr kumimoji="1" lang="ja-JP" altLang="en-US" sz="1400" dirty="0"/>
+              <a:t>この画面は主にデータプレーンを操作している</a:t>
+            </a:r>
+          </a:p>
+        </p:txBody>
+      </p:sp>
     </p:spTree>
     <p:extLst>
       <p:ext uri="{BB962C8B-B14F-4D97-AF65-F5344CB8AC3E}">
-        <p14:creationId xmlns:p14="http://schemas.microsoft.com/office/powerpoint/2010/main" val="765789854"/>
+        <p14:creationId xmlns:p14="http://schemas.microsoft.com/office/powerpoint/2010/main" val="525983161"/>
       </p:ext>
     </p:extLst>
   </p:cSld>
@@ -5421,12 +5792,324 @@
           <a:chExt cx="0" cy="0"/>
         </a:xfrm>
       </p:grpSpPr>
+      <p:sp>
+        <p:nvSpPr>
+          <p:cNvPr id="4" name="四角形: 角を丸くする 3">
+            <a:extLst>
+              <a:ext uri="{FF2B5EF4-FFF2-40B4-BE49-F238E27FC236}">
+                <a16:creationId xmlns:a16="http://schemas.microsoft.com/office/drawing/2014/main" id="{6670370C-2C66-4CEA-814D-316131EE75B2}"/>
+              </a:ext>
+            </a:extLst>
+          </p:cNvPr>
+          <p:cNvSpPr/>
+          <p:nvPr/>
+        </p:nvSpPr>
+        <p:spPr>
+          <a:xfrm>
+            <a:off x="4694985" y="2664691"/>
+            <a:ext cx="1756618" cy="932169"/>
+          </a:xfrm>
+          <a:prstGeom prst="roundRect">
+            <a:avLst/>
+          </a:prstGeom>
+          <a:noFill/>
+          <a:ln w="28575"/>
+        </p:spPr>
+        <p:style>
+          <a:lnRef idx="2">
+            <a:schemeClr val="accent1">
+              <a:shade val="50000"/>
+            </a:schemeClr>
+          </a:lnRef>
+          <a:fillRef idx="1">
+            <a:schemeClr val="accent1"/>
+          </a:fillRef>
+          <a:effectRef idx="0">
+            <a:schemeClr val="accent1"/>
+          </a:effectRef>
+          <a:fontRef idx="minor">
+            <a:schemeClr val="lt1"/>
+          </a:fontRef>
+        </p:style>
+        <p:txBody>
+          <a:bodyPr rtlCol="0" anchor="ctr"/>
+          <a:lstStyle/>
+          <a:p>
+            <a:r>
+              <a:rPr kumimoji="1" lang="ja-JP" altLang="en-US" dirty="0">
+                <a:solidFill>
+                  <a:schemeClr val="tx1"/>
+                </a:solidFill>
+              </a:rPr>
+              <a:t>コントロール</a:t>
+            </a:r>
+            <a:br>
+              <a:rPr kumimoji="1" lang="en-US" altLang="ja-JP" dirty="0">
+                <a:solidFill>
+                  <a:schemeClr val="tx1"/>
+                </a:solidFill>
+              </a:rPr>
+            </a:br>
+            <a:r>
+              <a:rPr kumimoji="1" lang="ja-JP" altLang="en-US" dirty="0">
+                <a:solidFill>
+                  <a:schemeClr val="tx1"/>
+                </a:solidFill>
+              </a:rPr>
+              <a:t>プレーン</a:t>
+            </a:r>
+          </a:p>
+        </p:txBody>
+      </p:sp>
+      <p:sp>
+        <p:nvSpPr>
+          <p:cNvPr id="6" name="四角形: 角を丸くする 5">
+            <a:extLst>
+              <a:ext uri="{FF2B5EF4-FFF2-40B4-BE49-F238E27FC236}">
+                <a16:creationId xmlns:a16="http://schemas.microsoft.com/office/drawing/2014/main" id="{EC28EE7C-AE8C-439F-8934-4FDFCA73EC8F}"/>
+              </a:ext>
+            </a:extLst>
+          </p:cNvPr>
+          <p:cNvSpPr/>
+          <p:nvPr/>
+        </p:nvSpPr>
+        <p:spPr>
+          <a:xfrm>
+            <a:off x="4694984" y="1223702"/>
+            <a:ext cx="1756618" cy="932169"/>
+          </a:xfrm>
+          <a:prstGeom prst="roundRect">
+            <a:avLst/>
+          </a:prstGeom>
+          <a:noFill/>
+          <a:ln w="28575"/>
+        </p:spPr>
+        <p:style>
+          <a:lnRef idx="2">
+            <a:schemeClr val="accent1">
+              <a:shade val="50000"/>
+            </a:schemeClr>
+          </a:lnRef>
+          <a:fillRef idx="1">
+            <a:schemeClr val="accent1"/>
+          </a:fillRef>
+          <a:effectRef idx="0">
+            <a:schemeClr val="accent1"/>
+          </a:effectRef>
+          <a:fontRef idx="minor">
+            <a:schemeClr val="lt1"/>
+          </a:fontRef>
+        </p:style>
+        <p:txBody>
+          <a:bodyPr rtlCol="0" anchor="ctr"/>
+          <a:lstStyle/>
+          <a:p>
+            <a:r>
+              <a:rPr kumimoji="1" lang="ja-JP" altLang="en-US" dirty="0">
+                <a:solidFill>
+                  <a:schemeClr val="tx1"/>
+                </a:solidFill>
+              </a:rPr>
+              <a:t>データ</a:t>
+            </a:r>
+            <a:br>
+              <a:rPr kumimoji="1" lang="en-US" altLang="ja-JP" dirty="0">
+                <a:solidFill>
+                  <a:schemeClr val="tx1"/>
+                </a:solidFill>
+              </a:rPr>
+            </a:br>
+            <a:r>
+              <a:rPr kumimoji="1" lang="ja-JP" altLang="en-US" dirty="0">
+                <a:solidFill>
+                  <a:schemeClr val="tx1"/>
+                </a:solidFill>
+              </a:rPr>
+              <a:t>プレーン</a:t>
+            </a:r>
+          </a:p>
+        </p:txBody>
+      </p:sp>
+      <p:sp>
+        <p:nvSpPr>
+          <p:cNvPr id="7" name="楕円 6">
+            <a:extLst>
+              <a:ext uri="{FF2B5EF4-FFF2-40B4-BE49-F238E27FC236}">
+                <a16:creationId xmlns:a16="http://schemas.microsoft.com/office/drawing/2014/main" id="{E62BD395-278A-47E0-A356-513DCA97FAF2}"/>
+              </a:ext>
+            </a:extLst>
+          </p:cNvPr>
+          <p:cNvSpPr/>
+          <p:nvPr/>
+        </p:nvSpPr>
+        <p:spPr>
+          <a:xfrm>
+            <a:off x="3413630" y="1540791"/>
+            <a:ext cx="297989" cy="297989"/>
+          </a:xfrm>
+          <a:prstGeom prst="ellipse">
+            <a:avLst/>
+          </a:prstGeom>
+        </p:spPr>
+        <p:style>
+          <a:lnRef idx="2">
+            <a:schemeClr val="accent1">
+              <a:shade val="50000"/>
+            </a:schemeClr>
+          </a:lnRef>
+          <a:fillRef idx="1">
+            <a:schemeClr val="accent1"/>
+          </a:fillRef>
+          <a:effectRef idx="0">
+            <a:schemeClr val="accent1"/>
+          </a:effectRef>
+          <a:fontRef idx="minor">
+            <a:schemeClr val="lt1"/>
+          </a:fontRef>
+        </p:style>
+        <p:txBody>
+          <a:bodyPr rtlCol="0" anchor="ctr"/>
+          <a:lstStyle/>
+          <a:p>
+            <a:pPr algn="ctr"/>
+            <a:endParaRPr kumimoji="1" lang="ja-JP" altLang="en-US"/>
+          </a:p>
+        </p:txBody>
+      </p:sp>
+      <p:cxnSp>
+        <p:nvCxnSpPr>
+          <p:cNvPr id="9" name="直線コネクタ 8">
+            <a:extLst>
+              <a:ext uri="{FF2B5EF4-FFF2-40B4-BE49-F238E27FC236}">
+                <a16:creationId xmlns:a16="http://schemas.microsoft.com/office/drawing/2014/main" id="{7CEA9682-0B73-447B-9710-700924131D8C}"/>
+              </a:ext>
+            </a:extLst>
+          </p:cNvPr>
+          <p:cNvCxnSpPr>
+            <a:cxnSpLocks/>
+            <a:stCxn id="7" idx="6"/>
+            <a:endCxn id="6" idx="1"/>
+          </p:cNvCxnSpPr>
+          <p:nvPr/>
+        </p:nvCxnSpPr>
+        <p:spPr>
+          <a:xfrm>
+            <a:off x="3711619" y="1689786"/>
+            <a:ext cx="983365" cy="1"/>
+          </a:xfrm>
+          <a:prstGeom prst="line">
+            <a:avLst/>
+          </a:prstGeom>
+          <a:ln w="28575"/>
+        </p:spPr>
+        <p:style>
+          <a:lnRef idx="1">
+            <a:schemeClr val="accent1"/>
+          </a:lnRef>
+          <a:fillRef idx="0">
+            <a:schemeClr val="accent1"/>
+          </a:fillRef>
+          <a:effectRef idx="0">
+            <a:schemeClr val="accent1"/>
+          </a:effectRef>
+          <a:fontRef idx="minor">
+            <a:schemeClr val="tx1"/>
+          </a:fontRef>
+        </p:style>
+      </p:cxnSp>
+      <p:sp>
+        <p:nvSpPr>
+          <p:cNvPr id="11" name="楕円 10">
+            <a:extLst>
+              <a:ext uri="{FF2B5EF4-FFF2-40B4-BE49-F238E27FC236}">
+                <a16:creationId xmlns:a16="http://schemas.microsoft.com/office/drawing/2014/main" id="{96D1C5D4-A727-4FD6-85E9-E81C02F20827}"/>
+              </a:ext>
+            </a:extLst>
+          </p:cNvPr>
+          <p:cNvSpPr/>
+          <p:nvPr/>
+        </p:nvSpPr>
+        <p:spPr>
+          <a:xfrm>
+            <a:off x="3413631" y="2981781"/>
+            <a:ext cx="297989" cy="297989"/>
+          </a:xfrm>
+          <a:prstGeom prst="ellipse">
+            <a:avLst/>
+          </a:prstGeom>
+        </p:spPr>
+        <p:style>
+          <a:lnRef idx="2">
+            <a:schemeClr val="accent1">
+              <a:shade val="50000"/>
+            </a:schemeClr>
+          </a:lnRef>
+          <a:fillRef idx="1">
+            <a:schemeClr val="accent1"/>
+          </a:fillRef>
+          <a:effectRef idx="0">
+            <a:schemeClr val="accent1"/>
+          </a:effectRef>
+          <a:fontRef idx="minor">
+            <a:schemeClr val="lt1"/>
+          </a:fontRef>
+        </p:style>
+        <p:txBody>
+          <a:bodyPr rtlCol="0" anchor="ctr"/>
+          <a:lstStyle/>
+          <a:p>
+            <a:pPr algn="ctr"/>
+            <a:endParaRPr kumimoji="1" lang="ja-JP" altLang="en-US"/>
+          </a:p>
+        </p:txBody>
+      </p:sp>
+      <p:cxnSp>
+        <p:nvCxnSpPr>
+          <p:cNvPr id="13" name="直線コネクタ 12">
+            <a:extLst>
+              <a:ext uri="{FF2B5EF4-FFF2-40B4-BE49-F238E27FC236}">
+                <a16:creationId xmlns:a16="http://schemas.microsoft.com/office/drawing/2014/main" id="{1AB2C7ED-E01C-4CFC-9419-436D4446D416}"/>
+              </a:ext>
+            </a:extLst>
+          </p:cNvPr>
+          <p:cNvCxnSpPr>
+            <a:cxnSpLocks/>
+            <a:stCxn id="11" idx="6"/>
+            <a:endCxn id="4" idx="1"/>
+          </p:cNvCxnSpPr>
+          <p:nvPr/>
+        </p:nvCxnSpPr>
+        <p:spPr>
+          <a:xfrm>
+            <a:off x="3711620" y="3130776"/>
+            <a:ext cx="983365" cy="0"/>
+          </a:xfrm>
+          <a:prstGeom prst="line">
+            <a:avLst/>
+          </a:prstGeom>
+          <a:ln w="28575"/>
+        </p:spPr>
+        <p:style>
+          <a:lnRef idx="1">
+            <a:schemeClr val="accent1"/>
+          </a:lnRef>
+          <a:fillRef idx="0">
+            <a:schemeClr val="accent1"/>
+          </a:fillRef>
+          <a:effectRef idx="0">
+            <a:schemeClr val="accent1"/>
+          </a:effectRef>
+          <a:fontRef idx="minor">
+            <a:schemeClr val="tx1"/>
+          </a:fontRef>
+        </p:style>
+      </p:cxnSp>
       <p:pic>
         <p:nvPicPr>
-          <p:cNvPr id="3" name="図 2">
-            <a:extLst>
-              <a:ext uri="{FF2B5EF4-FFF2-40B4-BE49-F238E27FC236}">
-                <a16:creationId xmlns:a16="http://schemas.microsoft.com/office/drawing/2014/main" id="{53D3ACF9-2CB5-42FC-AD99-43C4C4725B63}"/>
+          <p:cNvPr id="25" name="グラフィックス 24">
+            <a:extLst>
+              <a:ext uri="{FF2B5EF4-FFF2-40B4-BE49-F238E27FC236}">
+                <a16:creationId xmlns:a16="http://schemas.microsoft.com/office/drawing/2014/main" id="{4EA477ED-7EFB-4787-8F2B-88475753B17D}"/>
               </a:ext>
             </a:extLst>
           </p:cNvPr>
@@ -5436,35 +6119,1386 @@
           <p:nvPr/>
         </p:nvPicPr>
         <p:blipFill>
-          <a:blip r:embed="rId2"/>
+          <a:blip r:embed="rId2">
+            <a:extLst>
+              <a:ext uri="{28A0092B-C50C-407E-A947-70E740481C1C}">
+                <a14:useLocalDpi xmlns:a14="http://schemas.microsoft.com/office/drawing/2010/main" val="0"/>
+              </a:ext>
+              <a:ext uri="{96DAC541-7B7A-43D3-8B79-37D633B846F1}">
+                <asvg:svgBlip xmlns:asvg="http://schemas.microsoft.com/office/drawing/2016/SVG/main" r:embed="rId3"/>
+              </a:ext>
+            </a:extLst>
+          </a:blip>
           <a:stretch>
             <a:fillRect/>
           </a:stretch>
         </p:blipFill>
         <p:spPr>
           <a:xfrm>
-            <a:off x="1057984" y="1548934"/>
-            <a:ext cx="10076033" cy="3760132"/>
+            <a:off x="8546525" y="2834827"/>
+            <a:ext cx="591895" cy="591895"/>
           </a:xfrm>
           <a:prstGeom prst="rect">
             <a:avLst/>
           </a:prstGeom>
-          <a:ln>
-            <a:noFill/>
+        </p:spPr>
+      </p:pic>
+      <p:sp>
+        <p:nvSpPr>
+          <p:cNvPr id="28" name="四角形: 角を丸くする 27">
+            <a:extLst>
+              <a:ext uri="{FF2B5EF4-FFF2-40B4-BE49-F238E27FC236}">
+                <a16:creationId xmlns:a16="http://schemas.microsoft.com/office/drawing/2014/main" id="{9A810419-EF93-4002-A4A1-C904CF6D443D}"/>
+              </a:ext>
+            </a:extLst>
+          </p:cNvPr>
+          <p:cNvSpPr/>
+          <p:nvPr/>
+        </p:nvSpPr>
+        <p:spPr>
+          <a:xfrm>
+            <a:off x="6757258" y="1223702"/>
+            <a:ext cx="1334990" cy="2408884"/>
+          </a:xfrm>
+          <a:prstGeom prst="roundRect">
+            <a:avLst/>
+          </a:prstGeom>
+          <a:noFill/>
+        </p:spPr>
+        <p:style>
+          <a:lnRef idx="2">
+            <a:schemeClr val="accent2"/>
+          </a:lnRef>
+          <a:fillRef idx="1">
+            <a:schemeClr val="lt1"/>
+          </a:fillRef>
+          <a:effectRef idx="0">
+            <a:schemeClr val="accent2"/>
+          </a:effectRef>
+          <a:fontRef idx="minor">
+            <a:schemeClr val="dk1"/>
+          </a:fontRef>
+        </p:style>
+        <p:txBody>
+          <a:bodyPr rtlCol="0" anchor="ctr"/>
+          <a:lstStyle/>
+          <a:p>
+            <a:pPr algn="ctr"/>
+            <a:r>
+              <a:rPr kumimoji="1" lang="en-US" altLang="ja-JP" dirty="0"/>
+              <a:t>RBAC</a:t>
+            </a:r>
+            <a:endParaRPr kumimoji="1" lang="ja-JP" altLang="en-US" dirty="0"/>
+          </a:p>
+        </p:txBody>
+      </p:sp>
+      <p:sp>
+        <p:nvSpPr>
+          <p:cNvPr id="31" name="四角形: 角を丸くする 30">
+            <a:extLst>
+              <a:ext uri="{FF2B5EF4-FFF2-40B4-BE49-F238E27FC236}">
+                <a16:creationId xmlns:a16="http://schemas.microsoft.com/office/drawing/2014/main" id="{79034F7C-0F45-4105-B786-870B36A57149}"/>
+              </a:ext>
+            </a:extLst>
+          </p:cNvPr>
+          <p:cNvSpPr/>
+          <p:nvPr/>
+        </p:nvSpPr>
+        <p:spPr>
+          <a:xfrm>
+            <a:off x="6822428" y="2738328"/>
+            <a:ext cx="753566" cy="300005"/>
+          </a:xfrm>
+          <a:prstGeom prst="roundRect">
+            <a:avLst/>
+          </a:prstGeom>
+        </p:spPr>
+        <p:style>
+          <a:lnRef idx="2">
+            <a:schemeClr val="accent2">
+              <a:shade val="50000"/>
+            </a:schemeClr>
+          </a:lnRef>
+          <a:fillRef idx="1">
+            <a:schemeClr val="accent2"/>
+          </a:fillRef>
+          <a:effectRef idx="0">
+            <a:schemeClr val="accent2"/>
+          </a:effectRef>
+          <a:fontRef idx="minor">
+            <a:schemeClr val="lt1"/>
+          </a:fontRef>
+        </p:style>
+        <p:txBody>
+          <a:bodyPr rtlCol="0" anchor="ctr"/>
+          <a:lstStyle/>
+          <a:p>
+            <a:pPr algn="ctr"/>
+            <a:r>
+              <a:rPr kumimoji="1" lang="en-US" altLang="ja-JP" sz="1200" dirty="0"/>
+              <a:t>Actions</a:t>
+            </a:r>
+            <a:endParaRPr kumimoji="1" lang="ja-JP" altLang="en-US" sz="1200" dirty="0"/>
+          </a:p>
+        </p:txBody>
+      </p:sp>
+      <p:sp>
+        <p:nvSpPr>
+          <p:cNvPr id="33" name="四角形: 角を丸くする 32">
+            <a:extLst>
+              <a:ext uri="{FF2B5EF4-FFF2-40B4-BE49-F238E27FC236}">
+                <a16:creationId xmlns:a16="http://schemas.microsoft.com/office/drawing/2014/main" id="{70FAD5BC-47EE-4CED-83E2-5BF8F47375B5}"/>
+              </a:ext>
+            </a:extLst>
+          </p:cNvPr>
+          <p:cNvSpPr/>
+          <p:nvPr/>
+        </p:nvSpPr>
+        <p:spPr>
+          <a:xfrm>
+            <a:off x="6974828" y="2890728"/>
+            <a:ext cx="753566" cy="300005"/>
+          </a:xfrm>
+          <a:prstGeom prst="roundRect">
+            <a:avLst/>
+          </a:prstGeom>
+        </p:spPr>
+        <p:style>
+          <a:lnRef idx="2">
+            <a:schemeClr val="accent2">
+              <a:shade val="50000"/>
+            </a:schemeClr>
+          </a:lnRef>
+          <a:fillRef idx="1">
+            <a:schemeClr val="accent2"/>
+          </a:fillRef>
+          <a:effectRef idx="0">
+            <a:schemeClr val="accent2"/>
+          </a:effectRef>
+          <a:fontRef idx="minor">
+            <a:schemeClr val="lt1"/>
+          </a:fontRef>
+        </p:style>
+        <p:txBody>
+          <a:bodyPr rtlCol="0" anchor="ctr"/>
+          <a:lstStyle/>
+          <a:p>
+            <a:pPr algn="ctr"/>
+            <a:r>
+              <a:rPr kumimoji="1" lang="en-US" altLang="ja-JP" sz="1200" dirty="0"/>
+              <a:t>Actions</a:t>
+            </a:r>
+            <a:endParaRPr kumimoji="1" lang="ja-JP" altLang="en-US" sz="1200" dirty="0"/>
+          </a:p>
+        </p:txBody>
+      </p:sp>
+      <p:sp>
+        <p:nvSpPr>
+          <p:cNvPr id="35" name="四角形: 角を丸くする 34">
+            <a:extLst>
+              <a:ext uri="{FF2B5EF4-FFF2-40B4-BE49-F238E27FC236}">
+                <a16:creationId xmlns:a16="http://schemas.microsoft.com/office/drawing/2014/main" id="{2F05B8BE-BAFA-46DA-A32E-A2A80EE48909}"/>
+              </a:ext>
+            </a:extLst>
+          </p:cNvPr>
+          <p:cNvSpPr/>
+          <p:nvPr/>
+        </p:nvSpPr>
+        <p:spPr>
+          <a:xfrm>
+            <a:off x="7127228" y="3043128"/>
+            <a:ext cx="753566" cy="300005"/>
+          </a:xfrm>
+          <a:prstGeom prst="roundRect">
+            <a:avLst/>
+          </a:prstGeom>
+        </p:spPr>
+        <p:style>
+          <a:lnRef idx="2">
+            <a:schemeClr val="accent2">
+              <a:shade val="50000"/>
+            </a:schemeClr>
+          </a:lnRef>
+          <a:fillRef idx="1">
+            <a:schemeClr val="accent2"/>
+          </a:fillRef>
+          <a:effectRef idx="0">
+            <a:schemeClr val="accent2"/>
+          </a:effectRef>
+          <a:fontRef idx="minor">
+            <a:schemeClr val="lt1"/>
+          </a:fontRef>
+        </p:style>
+        <p:txBody>
+          <a:bodyPr rtlCol="0" anchor="ctr"/>
+          <a:lstStyle/>
+          <a:p>
+            <a:pPr algn="ctr"/>
+            <a:r>
+              <a:rPr kumimoji="1" lang="en-US" altLang="ja-JP" sz="1200" dirty="0"/>
+              <a:t>Actions</a:t>
+            </a:r>
+            <a:endParaRPr kumimoji="1" lang="ja-JP" altLang="en-US" sz="1200" dirty="0"/>
+          </a:p>
+        </p:txBody>
+      </p:sp>
+      <p:sp>
+        <p:nvSpPr>
+          <p:cNvPr id="37" name="四角形: 角を丸くする 36">
+            <a:extLst>
+              <a:ext uri="{FF2B5EF4-FFF2-40B4-BE49-F238E27FC236}">
+                <a16:creationId xmlns:a16="http://schemas.microsoft.com/office/drawing/2014/main" id="{4D574B7F-AF92-4E38-A21E-312BD290E068}"/>
+              </a:ext>
+            </a:extLst>
+          </p:cNvPr>
+          <p:cNvSpPr/>
+          <p:nvPr/>
+        </p:nvSpPr>
+        <p:spPr>
+          <a:xfrm>
+            <a:off x="7279628" y="3195528"/>
+            <a:ext cx="753566" cy="300005"/>
+          </a:xfrm>
+          <a:prstGeom prst="roundRect">
+            <a:avLst/>
+          </a:prstGeom>
+        </p:spPr>
+        <p:style>
+          <a:lnRef idx="2">
+            <a:schemeClr val="accent2">
+              <a:shade val="50000"/>
+            </a:schemeClr>
+          </a:lnRef>
+          <a:fillRef idx="1">
+            <a:schemeClr val="accent2"/>
+          </a:fillRef>
+          <a:effectRef idx="0">
+            <a:schemeClr val="accent2"/>
+          </a:effectRef>
+          <a:fontRef idx="minor">
+            <a:schemeClr val="lt1"/>
+          </a:fontRef>
+        </p:style>
+        <p:txBody>
+          <a:bodyPr rtlCol="0" anchor="ctr"/>
+          <a:lstStyle/>
+          <a:p>
+            <a:pPr algn="ctr"/>
+            <a:r>
+              <a:rPr kumimoji="1" lang="en-US" altLang="ja-JP" sz="1200" dirty="0"/>
+              <a:t>Actions</a:t>
+            </a:r>
+            <a:endParaRPr kumimoji="1" lang="ja-JP" altLang="en-US" sz="1200" dirty="0"/>
+          </a:p>
+        </p:txBody>
+      </p:sp>
+      <p:sp>
+        <p:nvSpPr>
+          <p:cNvPr id="39" name="四角形: 角を丸くする 38">
+            <a:extLst>
+              <a:ext uri="{FF2B5EF4-FFF2-40B4-BE49-F238E27FC236}">
+                <a16:creationId xmlns:a16="http://schemas.microsoft.com/office/drawing/2014/main" id="{779757E5-1AA0-45A9-8D76-9CE297D1C273}"/>
+              </a:ext>
+            </a:extLst>
+          </p:cNvPr>
+          <p:cNvSpPr/>
+          <p:nvPr/>
+        </p:nvSpPr>
+        <p:spPr>
+          <a:xfrm>
+            <a:off x="6894411" y="1384986"/>
+            <a:ext cx="753566" cy="355614"/>
+          </a:xfrm>
+          <a:prstGeom prst="roundRect">
+            <a:avLst/>
+          </a:prstGeom>
+        </p:spPr>
+        <p:style>
+          <a:lnRef idx="2">
+            <a:schemeClr val="accent2">
+              <a:shade val="50000"/>
+            </a:schemeClr>
+          </a:lnRef>
+          <a:fillRef idx="1">
+            <a:schemeClr val="accent2"/>
+          </a:fillRef>
+          <a:effectRef idx="0">
+            <a:schemeClr val="accent2"/>
+          </a:effectRef>
+          <a:fontRef idx="minor">
+            <a:schemeClr val="lt1"/>
+          </a:fontRef>
+        </p:style>
+        <p:txBody>
+          <a:bodyPr rtlCol="0" anchor="ctr"/>
+          <a:lstStyle/>
+          <a:p>
+            <a:pPr algn="ctr"/>
+            <a:r>
+              <a:rPr kumimoji="1" lang="en-US" altLang="ja-JP" sz="1200" dirty="0"/>
+              <a:t>Data</a:t>
+            </a:r>
+            <a:br>
+              <a:rPr kumimoji="1" lang="en-US" altLang="ja-JP" sz="1200" dirty="0"/>
+            </a:br>
+            <a:r>
+              <a:rPr kumimoji="1" lang="en-US" altLang="ja-JP" sz="1200" dirty="0"/>
+              <a:t>Actions</a:t>
+            </a:r>
+            <a:endParaRPr kumimoji="1" lang="ja-JP" altLang="en-US" sz="1200" dirty="0"/>
+          </a:p>
+        </p:txBody>
+      </p:sp>
+      <p:sp>
+        <p:nvSpPr>
+          <p:cNvPr id="41" name="四角形: 角を丸くする 40">
+            <a:extLst>
+              <a:ext uri="{FF2B5EF4-FFF2-40B4-BE49-F238E27FC236}">
+                <a16:creationId xmlns:a16="http://schemas.microsoft.com/office/drawing/2014/main" id="{5AAC973D-B3D9-438E-A178-24FBAC99854E}"/>
+              </a:ext>
+            </a:extLst>
+          </p:cNvPr>
+          <p:cNvSpPr/>
+          <p:nvPr/>
+        </p:nvSpPr>
+        <p:spPr>
+          <a:xfrm>
+            <a:off x="7046811" y="1537386"/>
+            <a:ext cx="753566" cy="355614"/>
+          </a:xfrm>
+          <a:prstGeom prst="roundRect">
+            <a:avLst/>
+          </a:prstGeom>
+        </p:spPr>
+        <p:style>
+          <a:lnRef idx="2">
+            <a:schemeClr val="accent2">
+              <a:shade val="50000"/>
+            </a:schemeClr>
+          </a:lnRef>
+          <a:fillRef idx="1">
+            <a:schemeClr val="accent2"/>
+          </a:fillRef>
+          <a:effectRef idx="0">
+            <a:schemeClr val="accent2"/>
+          </a:effectRef>
+          <a:fontRef idx="minor">
+            <a:schemeClr val="lt1"/>
+          </a:fontRef>
+        </p:style>
+        <p:txBody>
+          <a:bodyPr rtlCol="0" anchor="ctr"/>
+          <a:lstStyle/>
+          <a:p>
+            <a:pPr algn="ctr"/>
+            <a:r>
+              <a:rPr kumimoji="1" lang="en-US" altLang="ja-JP" sz="1200" dirty="0"/>
+              <a:t>Data</a:t>
+            </a:r>
+            <a:br>
+              <a:rPr kumimoji="1" lang="en-US" altLang="ja-JP" sz="1200" dirty="0"/>
+            </a:br>
+            <a:r>
+              <a:rPr kumimoji="1" lang="en-US" altLang="ja-JP" sz="1200" dirty="0"/>
+              <a:t>Actions</a:t>
+            </a:r>
+            <a:endParaRPr kumimoji="1" lang="ja-JP" altLang="en-US" sz="1200" dirty="0"/>
+          </a:p>
+        </p:txBody>
+      </p:sp>
+      <p:sp>
+        <p:nvSpPr>
+          <p:cNvPr id="43" name="四角形: 角を丸くする 42">
+            <a:extLst>
+              <a:ext uri="{FF2B5EF4-FFF2-40B4-BE49-F238E27FC236}">
+                <a16:creationId xmlns:a16="http://schemas.microsoft.com/office/drawing/2014/main" id="{8BF97DDB-65EA-4073-BEE7-10A103DF70D2}"/>
+              </a:ext>
+            </a:extLst>
+          </p:cNvPr>
+          <p:cNvSpPr/>
+          <p:nvPr/>
+        </p:nvSpPr>
+        <p:spPr>
+          <a:xfrm>
+            <a:off x="7199211" y="1689786"/>
+            <a:ext cx="753566" cy="355614"/>
+          </a:xfrm>
+          <a:prstGeom prst="roundRect">
+            <a:avLst/>
+          </a:prstGeom>
+        </p:spPr>
+        <p:style>
+          <a:lnRef idx="2">
+            <a:schemeClr val="accent2">
+              <a:shade val="50000"/>
+            </a:schemeClr>
+          </a:lnRef>
+          <a:fillRef idx="1">
+            <a:schemeClr val="accent2"/>
+          </a:fillRef>
+          <a:effectRef idx="0">
+            <a:schemeClr val="accent2"/>
+          </a:effectRef>
+          <a:fontRef idx="minor">
+            <a:schemeClr val="lt1"/>
+          </a:fontRef>
+        </p:style>
+        <p:txBody>
+          <a:bodyPr rtlCol="0" anchor="ctr"/>
+          <a:lstStyle/>
+          <a:p>
+            <a:pPr algn="ctr"/>
+            <a:r>
+              <a:rPr kumimoji="1" lang="en-US" altLang="ja-JP" sz="1200" dirty="0"/>
+              <a:t>Data</a:t>
+            </a:r>
+            <a:br>
+              <a:rPr kumimoji="1" lang="en-US" altLang="ja-JP" sz="1200" dirty="0"/>
+            </a:br>
+            <a:r>
+              <a:rPr kumimoji="1" lang="en-US" altLang="ja-JP" sz="1200" dirty="0"/>
+              <a:t>Actions</a:t>
+            </a:r>
+            <a:endParaRPr kumimoji="1" lang="ja-JP" altLang="en-US" sz="1200" dirty="0"/>
+          </a:p>
+        </p:txBody>
+      </p:sp>
+      <p:sp>
+        <p:nvSpPr>
+          <p:cNvPr id="46" name="テキスト ボックス 45">
+            <a:extLst>
+              <a:ext uri="{FF2B5EF4-FFF2-40B4-BE49-F238E27FC236}">
+                <a16:creationId xmlns:a16="http://schemas.microsoft.com/office/drawing/2014/main" id="{0D1C0DD0-0B72-4144-9179-EC2D99830AA7}"/>
+              </a:ext>
+            </a:extLst>
+          </p:cNvPr>
+          <p:cNvSpPr txBox="1"/>
+          <p:nvPr/>
+        </p:nvSpPr>
+        <p:spPr>
+          <a:xfrm>
+            <a:off x="8301298" y="3459716"/>
+            <a:ext cx="1082348" cy="523220"/>
+          </a:xfrm>
+          <a:prstGeom prst="rect">
+            <a:avLst/>
+          </a:prstGeom>
+          <a:noFill/>
+        </p:spPr>
+        <p:txBody>
+          <a:bodyPr wrap="none" rtlCol="0">
+            <a:spAutoFit/>
+          </a:bodyPr>
+          <a:lstStyle/>
+          <a:p>
+            <a:r>
+              <a:rPr lang="ja-JP" altLang="en-US" sz="1400" dirty="0"/>
+              <a:t>ストレージ</a:t>
+            </a:r>
+            <a:br>
+              <a:rPr lang="en-US" altLang="ja-JP" sz="1400" dirty="0"/>
+            </a:br>
+            <a:r>
+              <a:rPr lang="ja-JP" altLang="en-US" sz="1400" dirty="0"/>
+              <a:t>アカウント</a:t>
+            </a:r>
+            <a:endParaRPr kumimoji="1" lang="ja-JP" altLang="en-US" sz="1400" dirty="0"/>
+          </a:p>
+        </p:txBody>
+      </p:sp>
+      <p:sp>
+        <p:nvSpPr>
+          <p:cNvPr id="47" name="吹き出し: 角を丸めた四角形 46">
+            <a:extLst>
+              <a:ext uri="{FF2B5EF4-FFF2-40B4-BE49-F238E27FC236}">
+                <a16:creationId xmlns:a16="http://schemas.microsoft.com/office/drawing/2014/main" id="{CF34E990-7D1C-4EE4-8088-49DCDC058D18}"/>
+              </a:ext>
+            </a:extLst>
+          </p:cNvPr>
+          <p:cNvSpPr/>
+          <p:nvPr/>
+        </p:nvSpPr>
+        <p:spPr>
+          <a:xfrm>
+            <a:off x="8626358" y="1187976"/>
+            <a:ext cx="1334990" cy="967895"/>
+          </a:xfrm>
+          <a:prstGeom prst="wedgeRoundRectCallout">
+            <a:avLst>
+              <a:gd name="adj1" fmla="val -42165"/>
+              <a:gd name="adj2" fmla="val 137620"/>
+              <a:gd name="adj3" fmla="val 16667"/>
+            </a:avLst>
+          </a:prstGeom>
+        </p:spPr>
+        <p:style>
+          <a:lnRef idx="2">
+            <a:schemeClr val="accent1"/>
+          </a:lnRef>
+          <a:fillRef idx="1">
+            <a:schemeClr val="lt1"/>
+          </a:fillRef>
+          <a:effectRef idx="0">
+            <a:schemeClr val="accent1"/>
+          </a:effectRef>
+          <a:fontRef idx="minor">
+            <a:schemeClr val="dk1"/>
+          </a:fontRef>
+        </p:style>
+        <p:txBody>
+          <a:bodyPr rtlCol="0" anchor="ctr"/>
+          <a:lstStyle/>
+          <a:p>
+            <a:pPr algn="ctr"/>
+            <a:endParaRPr kumimoji="1" lang="ja-JP" altLang="en-US"/>
+          </a:p>
+        </p:txBody>
+      </p:sp>
+      <p:pic>
+        <p:nvPicPr>
+          <p:cNvPr id="48" name="グラフィックス 47">
+            <a:extLst>
+              <a:ext uri="{FF2B5EF4-FFF2-40B4-BE49-F238E27FC236}">
+                <a16:creationId xmlns:a16="http://schemas.microsoft.com/office/drawing/2014/main" id="{F4396ADF-A49A-498C-8D25-CA5C2B277A28}"/>
+              </a:ext>
+            </a:extLst>
+          </p:cNvPr>
+          <p:cNvPicPr>
+            <a:picLocks noChangeAspect="1"/>
+          </p:cNvPicPr>
+          <p:nvPr/>
+        </p:nvPicPr>
+        <p:blipFill>
+          <a:blip r:embed="rId4">
+            <a:extLst>
+              <a:ext uri="{28A0092B-C50C-407E-A947-70E740481C1C}">
+                <a14:useLocalDpi xmlns:a14="http://schemas.microsoft.com/office/drawing/2010/main" val="0"/>
+              </a:ext>
+              <a:ext uri="{96DAC541-7B7A-43D3-8B79-37D633B846F1}">
+                <asvg:svgBlip xmlns:asvg="http://schemas.microsoft.com/office/drawing/2016/SVG/main" r:embed="rId5"/>
+              </a:ext>
+            </a:extLst>
+          </a:blip>
+          <a:stretch>
+            <a:fillRect/>
+          </a:stretch>
+        </p:blipFill>
+        <p:spPr>
+          <a:xfrm>
+            <a:off x="8979374" y="1267651"/>
+            <a:ext cx="404272" cy="404272"/>
+          </a:xfrm>
+          <a:prstGeom prst="rect">
+            <a:avLst/>
+          </a:prstGeom>
+        </p:spPr>
+      </p:pic>
+      <p:sp>
+        <p:nvSpPr>
+          <p:cNvPr id="54" name="吹き出し: 角を丸めた四角形 53">
+            <a:extLst>
+              <a:ext uri="{FF2B5EF4-FFF2-40B4-BE49-F238E27FC236}">
+                <a16:creationId xmlns:a16="http://schemas.microsoft.com/office/drawing/2014/main" id="{CBE113A4-9919-4DA6-9F38-6C3403B8D5CB}"/>
+              </a:ext>
+            </a:extLst>
+          </p:cNvPr>
+          <p:cNvSpPr/>
+          <p:nvPr/>
+        </p:nvSpPr>
+        <p:spPr>
+          <a:xfrm>
+            <a:off x="10619164" y="1205837"/>
+            <a:ext cx="2157439" cy="967895"/>
+          </a:xfrm>
+          <a:prstGeom prst="wedgeRoundRectCallout">
+            <a:avLst>
+              <a:gd name="adj1" fmla="val -100075"/>
+              <a:gd name="adj2" fmla="val 13856"/>
+              <a:gd name="adj3" fmla="val 16667"/>
+            </a:avLst>
+          </a:prstGeom>
+        </p:spPr>
+        <p:style>
+          <a:lnRef idx="2">
+            <a:schemeClr val="accent1"/>
+          </a:lnRef>
+          <a:fillRef idx="1">
+            <a:schemeClr val="lt1"/>
+          </a:fillRef>
+          <a:effectRef idx="0">
+            <a:schemeClr val="accent1"/>
+          </a:effectRef>
+          <a:fontRef idx="minor">
+            <a:schemeClr val="dk1"/>
+          </a:fontRef>
+        </p:style>
+        <p:txBody>
+          <a:bodyPr rtlCol="0" anchor="ctr"/>
+          <a:lstStyle/>
+          <a:p>
+            <a:pPr algn="ctr"/>
+            <a:endParaRPr kumimoji="1" lang="ja-JP" altLang="en-US"/>
+          </a:p>
+        </p:txBody>
+      </p:sp>
+      <p:pic>
+        <p:nvPicPr>
+          <p:cNvPr id="56" name="グラフィックス 55">
+            <a:extLst>
+              <a:ext uri="{FF2B5EF4-FFF2-40B4-BE49-F238E27FC236}">
+                <a16:creationId xmlns:a16="http://schemas.microsoft.com/office/drawing/2014/main" id="{0C2CD08B-F629-4834-AD0E-0C021DB5D91D}"/>
+              </a:ext>
+            </a:extLst>
+          </p:cNvPr>
+          <p:cNvPicPr>
+            <a:picLocks noChangeAspect="1"/>
+          </p:cNvPicPr>
+          <p:nvPr/>
+        </p:nvPicPr>
+        <p:blipFill>
+          <a:blip r:embed="rId4">
+            <a:extLst>
+              <a:ext uri="{28A0092B-C50C-407E-A947-70E740481C1C}">
+                <a14:useLocalDpi xmlns:a14="http://schemas.microsoft.com/office/drawing/2010/main" val="0"/>
+              </a:ext>
+              <a:ext uri="{96DAC541-7B7A-43D3-8B79-37D633B846F1}">
+                <asvg:svgBlip xmlns:asvg="http://schemas.microsoft.com/office/drawing/2016/SVG/main" r:embed="rId5"/>
+              </a:ext>
+            </a:extLst>
+          </a:blip>
+          <a:stretch>
+            <a:fillRect/>
+          </a:stretch>
+        </p:blipFill>
+        <p:spPr>
+          <a:xfrm>
+            <a:off x="9131774" y="1420051"/>
+            <a:ext cx="404272" cy="404272"/>
+          </a:xfrm>
+          <a:prstGeom prst="rect">
+            <a:avLst/>
+          </a:prstGeom>
+        </p:spPr>
+      </p:pic>
+      <p:pic>
+        <p:nvPicPr>
+          <p:cNvPr id="58" name="グラフィックス 57">
+            <a:extLst>
+              <a:ext uri="{FF2B5EF4-FFF2-40B4-BE49-F238E27FC236}">
+                <a16:creationId xmlns:a16="http://schemas.microsoft.com/office/drawing/2014/main" id="{1530B479-041D-4A6D-A2A6-52B02732F081}"/>
+              </a:ext>
+            </a:extLst>
+          </p:cNvPr>
+          <p:cNvPicPr>
+            <a:picLocks noChangeAspect="1"/>
+          </p:cNvPicPr>
+          <p:nvPr/>
+        </p:nvPicPr>
+        <p:blipFill>
+          <a:blip r:embed="rId4">
+            <a:extLst>
+              <a:ext uri="{28A0092B-C50C-407E-A947-70E740481C1C}">
+                <a14:useLocalDpi xmlns:a14="http://schemas.microsoft.com/office/drawing/2010/main" val="0"/>
+              </a:ext>
+              <a:ext uri="{96DAC541-7B7A-43D3-8B79-37D633B846F1}">
+                <asvg:svgBlip xmlns:asvg="http://schemas.microsoft.com/office/drawing/2016/SVG/main" r:embed="rId5"/>
+              </a:ext>
+            </a:extLst>
+          </a:blip>
+          <a:stretch>
+            <a:fillRect/>
+          </a:stretch>
+        </p:blipFill>
+        <p:spPr>
+          <a:xfrm>
+            <a:off x="9284174" y="1572451"/>
+            <a:ext cx="404272" cy="404272"/>
+          </a:xfrm>
+          <a:prstGeom prst="rect">
+            <a:avLst/>
+          </a:prstGeom>
+        </p:spPr>
+      </p:pic>
+      <p:sp>
+        <p:nvSpPr>
+          <p:cNvPr id="60" name="テキスト ボックス 59">
+            <a:extLst>
+              <a:ext uri="{FF2B5EF4-FFF2-40B4-BE49-F238E27FC236}">
+                <a16:creationId xmlns:a16="http://schemas.microsoft.com/office/drawing/2014/main" id="{0E241092-B2A8-41A5-8F59-A5E1B3605ED2}"/>
+              </a:ext>
+            </a:extLst>
+          </p:cNvPr>
+          <p:cNvSpPr txBox="1"/>
+          <p:nvPr/>
+        </p:nvSpPr>
+        <p:spPr>
+          <a:xfrm>
+            <a:off x="8646551" y="1849784"/>
+            <a:ext cx="902811" cy="307777"/>
+          </a:xfrm>
+          <a:prstGeom prst="rect">
+            <a:avLst/>
+          </a:prstGeom>
+          <a:noFill/>
+        </p:spPr>
+        <p:txBody>
+          <a:bodyPr wrap="none" rtlCol="0">
+            <a:spAutoFit/>
+          </a:bodyPr>
+          <a:lstStyle/>
+          <a:p>
+            <a:r>
+              <a:rPr kumimoji="1" lang="ja-JP" altLang="en-US" sz="1400" dirty="0"/>
+              <a:t>コンテナ</a:t>
+            </a:r>
+          </a:p>
+        </p:txBody>
+      </p:sp>
+      <p:pic>
+        <p:nvPicPr>
+          <p:cNvPr id="62" name="図 61" descr="アイコン&#10;&#10;自動的に生成された説明">
+            <a:extLst>
+              <a:ext uri="{FF2B5EF4-FFF2-40B4-BE49-F238E27FC236}">
+                <a16:creationId xmlns:a16="http://schemas.microsoft.com/office/drawing/2014/main" id="{476990EA-99EF-4AB6-B53A-0F74C98C41F2}"/>
+              </a:ext>
+            </a:extLst>
+          </p:cNvPr>
+          <p:cNvPicPr>
+            <a:picLocks noChangeAspect="1"/>
+          </p:cNvPicPr>
+          <p:nvPr/>
+        </p:nvPicPr>
+        <p:blipFill>
+          <a:blip r:embed="rId6">
+            <a:extLst>
+              <a:ext uri="{28A0092B-C50C-407E-A947-70E740481C1C}">
+                <a14:useLocalDpi xmlns:a14="http://schemas.microsoft.com/office/drawing/2010/main" val="0"/>
+              </a:ext>
+            </a:extLst>
+          </a:blip>
+          <a:stretch>
+            <a:fillRect/>
+          </a:stretch>
+        </p:blipFill>
+        <p:spPr>
+          <a:xfrm>
+            <a:off x="10897331" y="1426081"/>
+            <a:ext cx="246123" cy="527405"/>
+          </a:xfrm>
+          <a:prstGeom prst="rect">
+            <a:avLst/>
+          </a:prstGeom>
+        </p:spPr>
+      </p:pic>
+      <p:pic>
+        <p:nvPicPr>
+          <p:cNvPr id="64" name="図 63" descr="文字が書かれた看板&#10;&#10;自動的に生成された説明">
+            <a:extLst>
+              <a:ext uri="{FF2B5EF4-FFF2-40B4-BE49-F238E27FC236}">
+                <a16:creationId xmlns:a16="http://schemas.microsoft.com/office/drawing/2014/main" id="{02B72BEE-B8E3-4B13-9219-B800D0B860AC}"/>
+              </a:ext>
+            </a:extLst>
+          </p:cNvPr>
+          <p:cNvPicPr>
+            <a:picLocks noChangeAspect="1"/>
+          </p:cNvPicPr>
+          <p:nvPr/>
+        </p:nvPicPr>
+        <p:blipFill>
+          <a:blip r:embed="rId7">
+            <a:extLst>
+              <a:ext uri="{28A0092B-C50C-407E-A947-70E740481C1C}">
+                <a14:useLocalDpi xmlns:a14="http://schemas.microsoft.com/office/drawing/2010/main" val="0"/>
+              </a:ext>
+            </a:extLst>
+          </a:blip>
+          <a:stretch>
+            <a:fillRect/>
+          </a:stretch>
+        </p:blipFill>
+        <p:spPr>
+          <a:xfrm>
+            <a:off x="11565000" y="1431905"/>
+            <a:ext cx="246123" cy="527405"/>
+          </a:xfrm>
+          <a:prstGeom prst="rect">
+            <a:avLst/>
+          </a:prstGeom>
+        </p:spPr>
+      </p:pic>
+      <p:pic>
+        <p:nvPicPr>
+          <p:cNvPr id="66" name="図 65" descr="白いバックグラウンドの前にある交通標識&#10;&#10;自動的に生成された説明">
+            <a:extLst>
+              <a:ext uri="{FF2B5EF4-FFF2-40B4-BE49-F238E27FC236}">
+                <a16:creationId xmlns:a16="http://schemas.microsoft.com/office/drawing/2014/main" id="{003BCB73-B30C-4D93-B8EF-1A355C24DD98}"/>
+              </a:ext>
+            </a:extLst>
+          </p:cNvPr>
+          <p:cNvPicPr>
+            <a:picLocks noChangeAspect="1"/>
+          </p:cNvPicPr>
+          <p:nvPr/>
+        </p:nvPicPr>
+        <p:blipFill>
+          <a:blip r:embed="rId8">
+            <a:extLst>
+              <a:ext uri="{28A0092B-C50C-407E-A947-70E740481C1C}">
+                <a14:useLocalDpi xmlns:a14="http://schemas.microsoft.com/office/drawing/2010/main" val="0"/>
+              </a:ext>
+            </a:extLst>
+          </a:blip>
+          <a:stretch>
+            <a:fillRect/>
+          </a:stretch>
+        </p:blipFill>
+        <p:spPr>
+          <a:xfrm>
+            <a:off x="12089290" y="1427378"/>
+            <a:ext cx="583734" cy="583734"/>
+          </a:xfrm>
+          <a:prstGeom prst="rect">
+            <a:avLst/>
+          </a:prstGeom>
+        </p:spPr>
+      </p:pic>
+      <p:sp>
+        <p:nvSpPr>
+          <p:cNvPr id="67" name="テキスト ボックス 66">
+            <a:extLst>
+              <a:ext uri="{FF2B5EF4-FFF2-40B4-BE49-F238E27FC236}">
+                <a16:creationId xmlns:a16="http://schemas.microsoft.com/office/drawing/2014/main" id="{661F7DDD-CDA2-4CDA-8896-048D0A88154B}"/>
+              </a:ext>
+            </a:extLst>
+          </p:cNvPr>
+          <p:cNvSpPr txBox="1"/>
+          <p:nvPr/>
+        </p:nvSpPr>
+        <p:spPr>
+          <a:xfrm>
+            <a:off x="3243535" y="3675159"/>
+            <a:ext cx="1919531" cy="307777"/>
+          </a:xfrm>
+          <a:prstGeom prst="rect">
+            <a:avLst/>
+          </a:prstGeom>
+          <a:noFill/>
+        </p:spPr>
+        <p:txBody>
+          <a:bodyPr wrap="none" rtlCol="0">
+            <a:spAutoFit/>
+          </a:bodyPr>
+          <a:lstStyle/>
+          <a:p>
+            <a:r>
+              <a:rPr lang="en-US" altLang="ja-JP" sz="1400" dirty="0"/>
+              <a:t>https://management.azure.com</a:t>
+            </a:r>
+            <a:endParaRPr kumimoji="1" lang="ja-JP" altLang="en-US" sz="1400" dirty="0"/>
+          </a:p>
+        </p:txBody>
+      </p:sp>
+      <p:sp>
+        <p:nvSpPr>
+          <p:cNvPr id="69" name="テキスト ボックス 68">
+            <a:extLst>
+              <a:ext uri="{FF2B5EF4-FFF2-40B4-BE49-F238E27FC236}">
+                <a16:creationId xmlns:a16="http://schemas.microsoft.com/office/drawing/2014/main" id="{E978C273-1577-4D0D-82F4-D382077D6422}"/>
+              </a:ext>
+            </a:extLst>
+          </p:cNvPr>
+          <p:cNvSpPr txBox="1"/>
+          <p:nvPr/>
+        </p:nvSpPr>
+        <p:spPr>
+          <a:xfrm>
+            <a:off x="3208275" y="2186551"/>
+            <a:ext cx="3879588" cy="307777"/>
+          </a:xfrm>
+          <a:prstGeom prst="rect">
+            <a:avLst/>
+          </a:prstGeom>
+          <a:noFill/>
+        </p:spPr>
+        <p:txBody>
+          <a:bodyPr wrap="none" rtlCol="0">
+            <a:spAutoFit/>
+          </a:bodyPr>
+          <a:lstStyle/>
+          <a:p>
+            <a:r>
+              <a:rPr lang="en-US" altLang="ja-JP" sz="1400" dirty="0"/>
+              <a:t>https://accountName.blob.core.windows.net</a:t>
+            </a:r>
+            <a:endParaRPr kumimoji="1" lang="ja-JP" altLang="en-US" sz="1400" dirty="0"/>
+          </a:p>
+        </p:txBody>
+      </p:sp>
+      <p:pic>
+        <p:nvPicPr>
+          <p:cNvPr id="71" name="グラフィックス 70">
+            <a:extLst>
+              <a:ext uri="{FF2B5EF4-FFF2-40B4-BE49-F238E27FC236}">
+                <a16:creationId xmlns:a16="http://schemas.microsoft.com/office/drawing/2014/main" id="{20387635-2809-459F-88C2-493690F39938}"/>
+              </a:ext>
+            </a:extLst>
+          </p:cNvPr>
+          <p:cNvPicPr>
+            <a:picLocks noChangeAspect="1"/>
+          </p:cNvPicPr>
+          <p:nvPr/>
+        </p:nvPicPr>
+        <p:blipFill>
+          <a:blip r:embed="rId9">
+            <a:extLst>
+              <a:ext uri="{28A0092B-C50C-407E-A947-70E740481C1C}">
+                <a14:useLocalDpi xmlns:a14="http://schemas.microsoft.com/office/drawing/2010/main" val="0"/>
+              </a:ext>
+              <a:ext uri="{96DAC541-7B7A-43D3-8B79-37D633B846F1}">
+                <asvg:svgBlip xmlns:asvg="http://schemas.microsoft.com/office/drawing/2016/SVG/main" r:embed="rId10"/>
+              </a:ext>
+            </a:extLst>
+          </a:blip>
+          <a:stretch>
+            <a:fillRect/>
+          </a:stretch>
+        </p:blipFill>
+        <p:spPr>
+          <a:xfrm>
+            <a:off x="1282547" y="2021843"/>
+            <a:ext cx="1121337" cy="866487"/>
+          </a:xfrm>
+          <a:prstGeom prst="rect">
+            <a:avLst/>
+          </a:prstGeom>
+        </p:spPr>
+      </p:pic>
+      <p:cxnSp>
+        <p:nvCxnSpPr>
+          <p:cNvPr id="73" name="直線矢印コネクタ 72">
+            <a:extLst>
+              <a:ext uri="{FF2B5EF4-FFF2-40B4-BE49-F238E27FC236}">
+                <a16:creationId xmlns:a16="http://schemas.microsoft.com/office/drawing/2014/main" id="{05AFE3A3-2FBB-4F36-A544-DD26E594B316}"/>
+              </a:ext>
+            </a:extLst>
+          </p:cNvPr>
+          <p:cNvCxnSpPr>
+            <a:endCxn id="7" idx="2"/>
+          </p:cNvCxnSpPr>
+          <p:nvPr/>
+        </p:nvCxnSpPr>
+        <p:spPr>
+          <a:xfrm flipV="1">
+            <a:off x="2155924" y="1689786"/>
+            <a:ext cx="1257706" cy="496765"/>
+          </a:xfrm>
+          <a:prstGeom prst="straightConnector1">
+            <a:avLst/>
+          </a:prstGeom>
+          <a:ln w="38100" cap="flat" cmpd="sng" algn="ctr">
+            <a:solidFill>
+              <a:schemeClr val="accent6"/>
+            </a:solidFill>
+            <a:prstDash val="solid"/>
+            <a:round/>
+            <a:headEnd type="none" w="med" len="med"/>
+            <a:tailEnd type="arrow" w="med" len="med"/>
           </a:ln>
-          <a:effectLst>
-            <a:outerShdw blurRad="292100" dist="139700" dir="2700000" algn="tl" rotWithShape="0">
-              <a:srgbClr val="333333">
-                <a:alpha val="65000"/>
-              </a:srgbClr>
-            </a:outerShdw>
-          </a:effectLst>
+        </p:spPr>
+        <p:style>
+          <a:lnRef idx="0">
+            <a:scrgbClr r="0" g="0" b="0"/>
+          </a:lnRef>
+          <a:fillRef idx="0">
+            <a:scrgbClr r="0" g="0" b="0"/>
+          </a:fillRef>
+          <a:effectRef idx="0">
+            <a:scrgbClr r="0" g="0" b="0"/>
+          </a:effectRef>
+          <a:fontRef idx="minor">
+            <a:schemeClr val="tx1"/>
+          </a:fontRef>
+        </p:style>
+      </p:cxnSp>
+      <p:cxnSp>
+        <p:nvCxnSpPr>
+          <p:cNvPr id="75" name="直線矢印コネクタ 74">
+            <a:extLst>
+              <a:ext uri="{FF2B5EF4-FFF2-40B4-BE49-F238E27FC236}">
+                <a16:creationId xmlns:a16="http://schemas.microsoft.com/office/drawing/2014/main" id="{2ED93F28-CBAA-46A1-98B2-FD24170B1570}"/>
+              </a:ext>
+            </a:extLst>
+          </p:cNvPr>
+          <p:cNvCxnSpPr>
+            <a:cxnSpLocks/>
+          </p:cNvCxnSpPr>
+          <p:nvPr/>
+        </p:nvCxnSpPr>
+        <p:spPr>
+          <a:xfrm flipV="1">
+            <a:off x="3687079" y="1590517"/>
+            <a:ext cx="7302654" cy="5339"/>
+          </a:xfrm>
+          <a:prstGeom prst="straightConnector1">
+            <a:avLst/>
+          </a:prstGeom>
+          <a:ln w="38100" cap="flat" cmpd="sng" algn="ctr">
+            <a:solidFill>
+              <a:schemeClr val="accent6"/>
+            </a:solidFill>
+            <a:prstDash val="solid"/>
+            <a:round/>
+            <a:headEnd type="none" w="med" len="med"/>
+            <a:tailEnd type="arrow" w="med" len="med"/>
+          </a:ln>
+        </p:spPr>
+        <p:style>
+          <a:lnRef idx="0">
+            <a:scrgbClr r="0" g="0" b="0"/>
+          </a:lnRef>
+          <a:fillRef idx="0">
+            <a:scrgbClr r="0" g="0" b="0"/>
+          </a:fillRef>
+          <a:effectRef idx="0">
+            <a:scrgbClr r="0" g="0" b="0"/>
+          </a:effectRef>
+          <a:fontRef idx="minor">
+            <a:schemeClr val="tx1"/>
+          </a:fontRef>
+        </p:style>
+      </p:cxnSp>
+      <p:cxnSp>
+        <p:nvCxnSpPr>
+          <p:cNvPr id="78" name="直線矢印コネクタ 77">
+            <a:extLst>
+              <a:ext uri="{FF2B5EF4-FFF2-40B4-BE49-F238E27FC236}">
+                <a16:creationId xmlns:a16="http://schemas.microsoft.com/office/drawing/2014/main" id="{DE43AC06-69B4-411B-9402-AA04969381AB}"/>
+              </a:ext>
+            </a:extLst>
+          </p:cNvPr>
+          <p:cNvCxnSpPr>
+            <a:cxnSpLocks/>
+          </p:cNvCxnSpPr>
+          <p:nvPr/>
+        </p:nvCxnSpPr>
+        <p:spPr>
+          <a:xfrm>
+            <a:off x="2167748" y="2664692"/>
+            <a:ext cx="1219501" cy="466082"/>
+          </a:xfrm>
+          <a:prstGeom prst="straightConnector1">
+            <a:avLst/>
+          </a:prstGeom>
+          <a:ln w="38100" cap="flat" cmpd="sng" algn="ctr">
+            <a:solidFill>
+              <a:schemeClr val="accent6"/>
+            </a:solidFill>
+            <a:prstDash val="solid"/>
+            <a:round/>
+            <a:headEnd type="none" w="med" len="med"/>
+            <a:tailEnd type="arrow" w="med" len="med"/>
+          </a:ln>
+        </p:spPr>
+        <p:style>
+          <a:lnRef idx="0">
+            <a:scrgbClr r="0" g="0" b="0"/>
+          </a:lnRef>
+          <a:fillRef idx="0">
+            <a:scrgbClr r="0" g="0" b="0"/>
+          </a:fillRef>
+          <a:effectRef idx="0">
+            <a:scrgbClr r="0" g="0" b="0"/>
+          </a:effectRef>
+          <a:fontRef idx="minor">
+            <a:schemeClr val="tx1"/>
+          </a:fontRef>
+        </p:style>
+      </p:cxnSp>
+      <p:cxnSp>
+        <p:nvCxnSpPr>
+          <p:cNvPr id="81" name="直線矢印コネクタ 80">
+            <a:extLst>
+              <a:ext uri="{FF2B5EF4-FFF2-40B4-BE49-F238E27FC236}">
+                <a16:creationId xmlns:a16="http://schemas.microsoft.com/office/drawing/2014/main" id="{642D3543-A3F6-4163-B4FC-66008B74230D}"/>
+              </a:ext>
+            </a:extLst>
+          </p:cNvPr>
+          <p:cNvCxnSpPr>
+            <a:cxnSpLocks/>
+          </p:cNvCxnSpPr>
+          <p:nvPr/>
+        </p:nvCxnSpPr>
+        <p:spPr>
+          <a:xfrm flipV="1">
+            <a:off x="3741995" y="3245732"/>
+            <a:ext cx="4959408" cy="65"/>
+          </a:xfrm>
+          <a:prstGeom prst="straightConnector1">
+            <a:avLst/>
+          </a:prstGeom>
+          <a:ln w="38100" cap="flat" cmpd="sng" algn="ctr">
+            <a:solidFill>
+              <a:schemeClr val="accent6"/>
+            </a:solidFill>
+            <a:prstDash val="solid"/>
+            <a:round/>
+            <a:headEnd type="none" w="med" len="med"/>
+            <a:tailEnd type="arrow" w="med" len="med"/>
+          </a:ln>
+        </p:spPr>
+        <p:style>
+          <a:lnRef idx="0">
+            <a:scrgbClr r="0" g="0" b="0"/>
+          </a:lnRef>
+          <a:fillRef idx="0">
+            <a:scrgbClr r="0" g="0" b="0"/>
+          </a:fillRef>
+          <a:effectRef idx="0">
+            <a:scrgbClr r="0" g="0" b="0"/>
+          </a:effectRef>
+          <a:fontRef idx="minor">
+            <a:schemeClr val="tx1"/>
+          </a:fontRef>
+        </p:style>
+      </p:cxnSp>
+      <p:sp>
+        <p:nvSpPr>
+          <p:cNvPr id="83" name="テキスト ボックス 82">
+            <a:extLst>
+              <a:ext uri="{FF2B5EF4-FFF2-40B4-BE49-F238E27FC236}">
+                <a16:creationId xmlns:a16="http://schemas.microsoft.com/office/drawing/2014/main" id="{CD36FCDB-0F0F-480A-A39F-29CB4648ADA2}"/>
+              </a:ext>
+            </a:extLst>
+          </p:cNvPr>
+          <p:cNvSpPr txBox="1"/>
+          <p:nvPr/>
+        </p:nvSpPr>
+        <p:spPr>
+          <a:xfrm>
+            <a:off x="1675063" y="2929123"/>
+            <a:ext cx="1599540" cy="523220"/>
+          </a:xfrm>
+          <a:prstGeom prst="rect">
+            <a:avLst/>
+          </a:prstGeom>
+          <a:noFill/>
+        </p:spPr>
+        <p:txBody>
+          <a:bodyPr wrap="square" rtlCol="0">
+            <a:spAutoFit/>
+          </a:bodyPr>
+          <a:lstStyle/>
+          <a:p>
+            <a:r>
+              <a:rPr kumimoji="1" lang="ja-JP" altLang="en-US" sz="1400" dirty="0"/>
+              <a:t>作成・削除などの管理操作</a:t>
+            </a:r>
+          </a:p>
+        </p:txBody>
+      </p:sp>
+      <p:sp>
+        <p:nvSpPr>
+          <p:cNvPr id="85" name="テキスト ボックス 84">
+            <a:extLst>
+              <a:ext uri="{FF2B5EF4-FFF2-40B4-BE49-F238E27FC236}">
+                <a16:creationId xmlns:a16="http://schemas.microsoft.com/office/drawing/2014/main" id="{AB69B772-9316-426D-9FA5-7328DDBA9472}"/>
+              </a:ext>
+            </a:extLst>
+          </p:cNvPr>
+          <p:cNvSpPr txBox="1"/>
+          <p:nvPr/>
+        </p:nvSpPr>
+        <p:spPr>
+          <a:xfrm>
+            <a:off x="1649770" y="1407780"/>
+            <a:ext cx="1599540" cy="523220"/>
+          </a:xfrm>
+          <a:prstGeom prst="rect">
+            <a:avLst/>
+          </a:prstGeom>
+          <a:noFill/>
+        </p:spPr>
+        <p:txBody>
+          <a:bodyPr wrap="square" rtlCol="0">
+            <a:spAutoFit/>
+          </a:bodyPr>
+          <a:lstStyle/>
+          <a:p>
+            <a:r>
+              <a:rPr kumimoji="1" lang="ja-JP" altLang="en-US" sz="1400" dirty="0"/>
+              <a:t>読取・書込などのデータ操作</a:t>
+            </a:r>
+          </a:p>
+        </p:txBody>
+      </p:sp>
+      <p:pic>
+        <p:nvPicPr>
+          <p:cNvPr id="87" name="図 86" descr="アイコン&#10;&#10;自動的に生成された説明">
+            <a:extLst>
+              <a:ext uri="{FF2B5EF4-FFF2-40B4-BE49-F238E27FC236}">
+                <a16:creationId xmlns:a16="http://schemas.microsoft.com/office/drawing/2014/main" id="{6A9D739C-7289-4543-BF7D-6FABFF99564C}"/>
+              </a:ext>
+            </a:extLst>
+          </p:cNvPr>
+          <p:cNvPicPr>
+            <a:picLocks noChangeAspect="1"/>
+          </p:cNvPicPr>
+          <p:nvPr/>
+        </p:nvPicPr>
+        <p:blipFill>
+          <a:blip r:embed="rId11">
+            <a:extLst>
+              <a:ext uri="{28A0092B-C50C-407E-A947-70E740481C1C}">
+                <a14:useLocalDpi xmlns:a14="http://schemas.microsoft.com/office/drawing/2010/main" val="0"/>
+              </a:ext>
+            </a:extLst>
+          </a:blip>
+          <a:stretch>
+            <a:fillRect/>
+          </a:stretch>
+        </p:blipFill>
+        <p:spPr>
+          <a:xfrm>
+            <a:off x="229410" y="627709"/>
+            <a:ext cx="644868" cy="644868"/>
+          </a:xfrm>
+          <a:prstGeom prst="rect">
+            <a:avLst/>
+          </a:prstGeom>
         </p:spPr>
       </p:pic>
+      <p:cxnSp>
+        <p:nvCxnSpPr>
+          <p:cNvPr id="94" name="コネクタ: カギ線 93">
+            <a:extLst>
+              <a:ext uri="{FF2B5EF4-FFF2-40B4-BE49-F238E27FC236}">
+                <a16:creationId xmlns:a16="http://schemas.microsoft.com/office/drawing/2014/main" id="{47BDC9D2-0A46-4F9A-9FF5-1003C92A8CA0}"/>
+              </a:ext>
+            </a:extLst>
+          </p:cNvPr>
+          <p:cNvCxnSpPr>
+            <a:cxnSpLocks/>
+            <a:stCxn id="71" idx="1"/>
+            <a:endCxn id="87" idx="2"/>
+          </p:cNvCxnSpPr>
+          <p:nvPr/>
+        </p:nvCxnSpPr>
+        <p:spPr>
+          <a:xfrm rot="10800000">
+            <a:off x="551845" y="1272577"/>
+            <a:ext cx="730703" cy="1182510"/>
+          </a:xfrm>
+          <a:prstGeom prst="bentConnector2">
+            <a:avLst/>
+          </a:prstGeom>
+          <a:ln w="38100" cap="flat" cmpd="sng" algn="ctr">
+            <a:solidFill>
+              <a:schemeClr val="accent6"/>
+            </a:solidFill>
+            <a:prstDash val="solid"/>
+            <a:round/>
+            <a:headEnd type="none" w="med" len="med"/>
+            <a:tailEnd type="arrow" w="med" len="med"/>
+          </a:ln>
+        </p:spPr>
+        <p:style>
+          <a:lnRef idx="0">
+            <a:scrgbClr r="0" g="0" b="0"/>
+          </a:lnRef>
+          <a:fillRef idx="0">
+            <a:scrgbClr r="0" g="0" b="0"/>
+          </a:fillRef>
+          <a:effectRef idx="0">
+            <a:scrgbClr r="0" g="0" b="0"/>
+          </a:effectRef>
+          <a:fontRef idx="minor">
+            <a:schemeClr val="tx1"/>
+          </a:fontRef>
+        </p:style>
+      </p:cxnSp>
+      <p:sp>
+        <p:nvSpPr>
+          <p:cNvPr id="97" name="テキスト ボックス 96">
+            <a:extLst>
+              <a:ext uri="{FF2B5EF4-FFF2-40B4-BE49-F238E27FC236}">
+                <a16:creationId xmlns:a16="http://schemas.microsoft.com/office/drawing/2014/main" id="{4EA632BB-9E5F-4185-8209-E7185014439B}"/>
+              </a:ext>
+            </a:extLst>
+          </p:cNvPr>
+          <p:cNvSpPr txBox="1"/>
+          <p:nvPr/>
+        </p:nvSpPr>
+        <p:spPr>
+          <a:xfrm>
+            <a:off x="-34173" y="2515113"/>
+            <a:ext cx="1810139" cy="523220"/>
+          </a:xfrm>
+          <a:prstGeom prst="rect">
+            <a:avLst/>
+          </a:prstGeom>
+          <a:noFill/>
+        </p:spPr>
+        <p:txBody>
+          <a:bodyPr wrap="square" rtlCol="0">
+            <a:spAutoFit/>
+          </a:bodyPr>
+          <a:lstStyle/>
+          <a:p>
+            <a:r>
+              <a:rPr lang="ja-JP" altLang="en-US" sz="1400" dirty="0"/>
+              <a:t>アクセストークン</a:t>
+            </a:r>
+            <a:br>
+              <a:rPr lang="en-US" altLang="ja-JP" sz="1400" dirty="0"/>
+            </a:br>
+            <a:r>
+              <a:rPr lang="ja-JP" altLang="en-US" sz="1400" dirty="0"/>
+              <a:t> 取得</a:t>
+            </a:r>
+            <a:endParaRPr kumimoji="1" lang="ja-JP" altLang="en-US" sz="1400" dirty="0"/>
+          </a:p>
+        </p:txBody>
+      </p:sp>
+      <p:sp>
+        <p:nvSpPr>
+          <p:cNvPr id="99" name="テキスト ボックス 98">
+            <a:extLst>
+              <a:ext uri="{FF2B5EF4-FFF2-40B4-BE49-F238E27FC236}">
+                <a16:creationId xmlns:a16="http://schemas.microsoft.com/office/drawing/2014/main" id="{2A98EBF9-E05E-4857-A1A1-FD10D17A5B10}"/>
+              </a:ext>
+            </a:extLst>
+          </p:cNvPr>
+          <p:cNvSpPr txBox="1"/>
+          <p:nvPr/>
+        </p:nvSpPr>
+        <p:spPr>
+          <a:xfrm>
+            <a:off x="-6580" y="317956"/>
+            <a:ext cx="2578253" cy="307777"/>
+          </a:xfrm>
+          <a:prstGeom prst="rect">
+            <a:avLst/>
+          </a:prstGeom>
+          <a:noFill/>
+        </p:spPr>
+        <p:txBody>
+          <a:bodyPr wrap="square" rtlCol="0">
+            <a:spAutoFit/>
+          </a:bodyPr>
+          <a:lstStyle/>
+          <a:p>
+            <a:r>
+              <a:rPr kumimoji="1" lang="en-US" altLang="ja-JP" sz="1400" dirty="0"/>
+              <a:t>Azure Active Directory</a:t>
+            </a:r>
+            <a:endParaRPr kumimoji="1" lang="ja-JP" altLang="en-US" sz="1400" dirty="0"/>
+          </a:p>
+        </p:txBody>
+      </p:sp>
     </p:spTree>
     <p:extLst>
       <p:ext uri="{BB962C8B-B14F-4D97-AF65-F5344CB8AC3E}">
-        <p14:creationId xmlns:p14="http://schemas.microsoft.com/office/powerpoint/2010/main" val="351650060"/>
+        <p14:creationId xmlns:p14="http://schemas.microsoft.com/office/powerpoint/2010/main" val="2163546853"/>
       </p:ext>
     </p:extLst>
   </p:cSld>
@@ -5491,6 +7525,146 @@
           <a:chExt cx="0" cy="0"/>
         </a:xfrm>
       </p:grpSpPr>
+      <p:pic>
+        <p:nvPicPr>
+          <p:cNvPr id="7" name="図 6">
+            <a:extLst>
+              <a:ext uri="{FF2B5EF4-FFF2-40B4-BE49-F238E27FC236}">
+                <a16:creationId xmlns:a16="http://schemas.microsoft.com/office/drawing/2014/main" id="{6AD59D88-DBE4-4CE6-A345-ECFEB0EE2934}"/>
+              </a:ext>
+            </a:extLst>
+          </p:cNvPr>
+          <p:cNvPicPr>
+            <a:picLocks noChangeAspect="1"/>
+          </p:cNvPicPr>
+          <p:nvPr/>
+        </p:nvPicPr>
+        <p:blipFill>
+          <a:blip r:embed="rId2"/>
+          <a:stretch>
+            <a:fillRect/>
+          </a:stretch>
+        </p:blipFill>
+        <p:spPr>
+          <a:xfrm>
+            <a:off x="1057984" y="1315553"/>
+            <a:ext cx="10076033" cy="4226895"/>
+          </a:xfrm>
+          <a:prstGeom prst="rect">
+            <a:avLst/>
+          </a:prstGeom>
+          <a:ln>
+            <a:noFill/>
+          </a:ln>
+          <a:effectLst>
+            <a:outerShdw blurRad="292100" dist="139700" dir="2700000" algn="tl" rotWithShape="0">
+              <a:srgbClr val="333333">
+                <a:alpha val="65000"/>
+              </a:srgbClr>
+            </a:outerShdw>
+          </a:effectLst>
+        </p:spPr>
+      </p:pic>
+    </p:spTree>
+    <p:extLst>
+      <p:ext uri="{BB962C8B-B14F-4D97-AF65-F5344CB8AC3E}">
+        <p14:creationId xmlns:p14="http://schemas.microsoft.com/office/powerpoint/2010/main" val="765789854"/>
+      </p:ext>
+    </p:extLst>
+  </p:cSld>
+  <p:clrMapOvr>
+    <a:masterClrMapping/>
+  </p:clrMapOvr>
+</p:sld>
+</file>
+
+<file path=ppt/slides/slide5.xml><?xml version="1.0" encoding="utf-8"?>
+<p:sld xmlns:a="http://schemas.openxmlformats.org/drawingml/2006/main" xmlns:r="http://schemas.openxmlformats.org/officeDocument/2006/relationships" xmlns:p="http://schemas.openxmlformats.org/presentationml/2006/main">
+  <p:cSld>
+    <p:spTree>
+      <p:nvGrpSpPr>
+        <p:cNvPr id="1" name=""/>
+        <p:cNvGrpSpPr/>
+        <p:nvPr/>
+      </p:nvGrpSpPr>
+      <p:grpSpPr>
+        <a:xfrm>
+          <a:off x="0" y="0"/>
+          <a:ext cx="0" cy="0"/>
+          <a:chOff x="0" y="0"/>
+          <a:chExt cx="0" cy="0"/>
+        </a:xfrm>
+      </p:grpSpPr>
+      <p:pic>
+        <p:nvPicPr>
+          <p:cNvPr id="3" name="図 2">
+            <a:extLst>
+              <a:ext uri="{FF2B5EF4-FFF2-40B4-BE49-F238E27FC236}">
+                <a16:creationId xmlns:a16="http://schemas.microsoft.com/office/drawing/2014/main" id="{53D3ACF9-2CB5-42FC-AD99-43C4C4725B63}"/>
+              </a:ext>
+            </a:extLst>
+          </p:cNvPr>
+          <p:cNvPicPr>
+            <a:picLocks noChangeAspect="1"/>
+          </p:cNvPicPr>
+          <p:nvPr/>
+        </p:nvPicPr>
+        <p:blipFill>
+          <a:blip r:embed="rId2"/>
+          <a:stretch>
+            <a:fillRect/>
+          </a:stretch>
+        </p:blipFill>
+        <p:spPr>
+          <a:xfrm>
+            <a:off x="1057984" y="1548934"/>
+            <a:ext cx="10076033" cy="3760132"/>
+          </a:xfrm>
+          <a:prstGeom prst="rect">
+            <a:avLst/>
+          </a:prstGeom>
+          <a:ln>
+            <a:noFill/>
+          </a:ln>
+          <a:effectLst>
+            <a:outerShdw blurRad="292100" dist="139700" dir="2700000" algn="tl" rotWithShape="0">
+              <a:srgbClr val="333333">
+                <a:alpha val="65000"/>
+              </a:srgbClr>
+            </a:outerShdw>
+          </a:effectLst>
+        </p:spPr>
+      </p:pic>
+    </p:spTree>
+    <p:extLst>
+      <p:ext uri="{BB962C8B-B14F-4D97-AF65-F5344CB8AC3E}">
+        <p14:creationId xmlns:p14="http://schemas.microsoft.com/office/powerpoint/2010/main" val="351650060"/>
+      </p:ext>
+    </p:extLst>
+  </p:cSld>
+  <p:clrMapOvr>
+    <a:masterClrMapping/>
+  </p:clrMapOvr>
+</p:sld>
+</file>
+
+<file path=ppt/slides/slide6.xml><?xml version="1.0" encoding="utf-8"?>
+<p:sld xmlns:a="http://schemas.openxmlformats.org/drawingml/2006/main" xmlns:r="http://schemas.openxmlformats.org/officeDocument/2006/relationships" xmlns:p="http://schemas.openxmlformats.org/presentationml/2006/main">
+  <p:cSld>
+    <p:spTree>
+      <p:nvGrpSpPr>
+        <p:cNvPr id="1" name=""/>
+        <p:cNvGrpSpPr/>
+        <p:nvPr/>
+      </p:nvGrpSpPr>
+      <p:grpSpPr>
+        <a:xfrm>
+          <a:off x="0" y="0"/>
+          <a:ext cx="0" cy="0"/>
+          <a:chOff x="0" y="0"/>
+          <a:chExt cx="0" cy="0"/>
+        </a:xfrm>
+      </p:grpSpPr>
       <p:sp>
         <p:nvSpPr>
           <p:cNvPr id="6" name="四角形: 角を丸くする 5">
@@ -6427,7 +8601,7 @@
 </p:sld>
 </file>
 
-<file path=ppt/slides/slide5.xml><?xml version="1.0" encoding="utf-8"?>
+<file path=ppt/slides/slide7.xml><?xml version="1.0" encoding="utf-8"?>
 <p:sld xmlns:a="http://schemas.openxmlformats.org/drawingml/2006/main" xmlns:r="http://schemas.openxmlformats.org/officeDocument/2006/relationships" xmlns:p="http://schemas.openxmlformats.org/presentationml/2006/main">
   <p:cSld>
     <p:spTree>
@@ -7677,4 +9851,299 @@
     </a:ext>
   </a:extLst>
 </a:theme>
+</file>
+
+<file path=ppt/theme/theme2.xml><?xml version="1.0" encoding="utf-8"?>
+<a:theme xmlns:a="http://schemas.openxmlformats.org/drawingml/2006/main" name="Office テーマ">
+  <a:themeElements>
+    <a:clrScheme name="Office">
+      <a:dk1>
+        <a:sysClr val="windowText" lastClr="000000"/>
+      </a:dk1>
+      <a:lt1>
+        <a:sysClr val="window" lastClr="FFFFFF"/>
+      </a:lt1>
+      <a:dk2>
+        <a:srgbClr val="44546A"/>
+      </a:dk2>
+      <a:lt2>
+        <a:srgbClr val="E7E6E6"/>
+      </a:lt2>
+      <a:accent1>
+        <a:srgbClr val="4472C4"/>
+      </a:accent1>
+      <a:accent2>
+        <a:srgbClr val="ED7D31"/>
+      </a:accent2>
+      <a:accent3>
+        <a:srgbClr val="A5A5A5"/>
+      </a:accent3>
+      <a:accent4>
+        <a:srgbClr val="FFC000"/>
+      </a:accent4>
+      <a:accent5>
+        <a:srgbClr val="5B9BD5"/>
+      </a:accent5>
+      <a:accent6>
+        <a:srgbClr val="70AD47"/>
+      </a:accent6>
+      <a:hlink>
+        <a:srgbClr val="0563C1"/>
+      </a:hlink>
+      <a:folHlink>
+        <a:srgbClr val="954F72"/>
+      </a:folHlink>
+    </a:clrScheme>
+    <a:fontScheme name="Office">
+      <a:majorFont>
+        <a:latin typeface="游ゴシック Light" panose="020F0302020204030204"/>
+        <a:ea typeface=""/>
+        <a:cs typeface=""/>
+        <a:font script="Jpan" typeface="游ゴシック Light"/>
+        <a:font script="Hang" typeface="맑은 고딕"/>
+        <a:font script="Hans" typeface="等线 Light"/>
+        <a:font script="Hant" typeface="新細明體"/>
+        <a:font script="Arab" typeface="Times New Roman"/>
+        <a:font script="Hebr" typeface="Times New Roman"/>
+        <a:font script="Thai" typeface="Angsana New"/>
+        <a:font script="Ethi" typeface="Nyala"/>
+        <a:font script="Beng" typeface="Vrinda"/>
+        <a:font script="Gujr" typeface="Shruti"/>
+        <a:font script="Khmr" typeface="MoolBoran"/>
+        <a:font script="Knda" typeface="Tunga"/>
+        <a:font script="Guru" typeface="Raavi"/>
+        <a:font script="Cans" typeface="Euphemia"/>
+        <a:font script="Cher" typeface="Plantagenet Cherokee"/>
+        <a:font script="Yiii" typeface="Microsoft Yi Baiti"/>
+        <a:font script="Tibt" typeface="Microsoft Himalaya"/>
+        <a:font script="Thaa" typeface="MV Boli"/>
+        <a:font script="Deva" typeface="Mangal"/>
+        <a:font script="Telu" typeface="Gautami"/>
+        <a:font script="Taml" typeface="Latha"/>
+        <a:font script="Syrc" typeface="Estrangelo Edessa"/>
+        <a:font script="Orya" typeface="Kalinga"/>
+        <a:font script="Mlym" typeface="Kartika"/>
+        <a:font script="Laoo" typeface="DokChampa"/>
+        <a:font script="Sinh" typeface="Iskoola Pota"/>
+        <a:font script="Mong" typeface="Mongolian Baiti"/>
+        <a:font script="Viet" typeface="Times New Roman"/>
+        <a:font script="Uigh" typeface="Microsoft Uighur"/>
+        <a:font script="Geor" typeface="Sylfaen"/>
+        <a:font script="Armn" typeface="Arial"/>
+        <a:font script="Bugi" typeface="Leelawadee UI"/>
+        <a:font script="Bopo" typeface="Microsoft JhengHei"/>
+        <a:font script="Java" typeface="Javanese Text"/>
+        <a:font script="Lisu" typeface="Segoe UI"/>
+        <a:font script="Mymr" typeface="Myanmar Text"/>
+        <a:font script="Nkoo" typeface="Ebrima"/>
+        <a:font script="Olck" typeface="Nirmala UI"/>
+        <a:font script="Osma" typeface="Ebrima"/>
+        <a:font script="Phag" typeface="Phagspa"/>
+        <a:font script="Syrn" typeface="Estrangelo Edessa"/>
+        <a:font script="Syrj" typeface="Estrangelo Edessa"/>
+        <a:font script="Syre" typeface="Estrangelo Edessa"/>
+        <a:font script="Sora" typeface="Nirmala UI"/>
+        <a:font script="Tale" typeface="Microsoft Tai Le"/>
+        <a:font script="Talu" typeface="Microsoft New Tai Lue"/>
+        <a:font script="Tfng" typeface="Ebrima"/>
+      </a:majorFont>
+      <a:minorFont>
+        <a:latin typeface="游ゴシック" panose="020F0502020204030204"/>
+        <a:ea typeface=""/>
+        <a:cs typeface=""/>
+        <a:font script="Jpan" typeface="游ゴシック"/>
+        <a:font script="Hang" typeface="맑은 고딕"/>
+        <a:font script="Hans" typeface="等线"/>
+        <a:font script="Hant" typeface="新細明體"/>
+        <a:font script="Arab" typeface="Arial"/>
+        <a:font script="Hebr" typeface="Arial"/>
+        <a:font script="Thai" typeface="Cordia New"/>
+        <a:font script="Ethi" typeface="Nyala"/>
+        <a:font script="Beng" typeface="Vrinda"/>
+        <a:font script="Gujr" typeface="Shruti"/>
+        <a:font script="Khmr" typeface="DaunPenh"/>
+        <a:font script="Knda" typeface="Tunga"/>
+        <a:font script="Guru" typeface="Raavi"/>
+        <a:font script="Cans" typeface="Euphemia"/>
+        <a:font script="Cher" typeface="Plantagenet Cherokee"/>
+        <a:font script="Yiii" typeface="Microsoft Yi Baiti"/>
+        <a:font script="Tibt" typeface="Microsoft Himalaya"/>
+        <a:font script="Thaa" typeface="MV Boli"/>
+        <a:font script="Deva" typeface="Mangal"/>
+        <a:font script="Telu" typeface="Gautami"/>
+        <a:font script="Taml" typeface="Latha"/>
+        <a:font script="Syrc" typeface="Estrangelo Edessa"/>
+        <a:font script="Orya" typeface="Kalinga"/>
+        <a:font script="Mlym" typeface="Kartika"/>
+        <a:font script="Laoo" typeface="DokChampa"/>
+        <a:font script="Sinh" typeface="Iskoola Pota"/>
+        <a:font script="Mong" typeface="Mongolian Baiti"/>
+        <a:font script="Viet" typeface="Arial"/>
+        <a:font script="Uigh" typeface="Microsoft Uighur"/>
+        <a:font script="Geor" typeface="Sylfaen"/>
+        <a:font script="Armn" typeface="Arial"/>
+        <a:font script="Bugi" typeface="Leelawadee UI"/>
+        <a:font script="Bopo" typeface="Microsoft JhengHei"/>
+        <a:font script="Java" typeface="Javanese Text"/>
+        <a:font script="Lisu" typeface="Segoe UI"/>
+        <a:font script="Mymr" typeface="Myanmar Text"/>
+        <a:font script="Nkoo" typeface="Ebrima"/>
+        <a:font script="Olck" typeface="Nirmala UI"/>
+        <a:font script="Osma" typeface="Ebrima"/>
+        <a:font script="Phag" typeface="Phagspa"/>
+        <a:font script="Syrn" typeface="Estrangelo Edessa"/>
+        <a:font script="Syrj" typeface="Estrangelo Edessa"/>
+        <a:font script="Syre" typeface="Estrangelo Edessa"/>
+        <a:font script="Sora" typeface="Nirmala UI"/>
+        <a:font script="Tale" typeface="Microsoft Tai Le"/>
+        <a:font script="Talu" typeface="Microsoft New Tai Lue"/>
+        <a:font script="Tfng" typeface="Ebrima"/>
+      </a:minorFont>
+    </a:fontScheme>
+    <a:fmtScheme name="Office">
+      <a:fillStyleLst>
+        <a:solidFill>
+          <a:schemeClr val="phClr"/>
+        </a:solidFill>
+        <a:gradFill rotWithShape="1">
+          <a:gsLst>
+            <a:gs pos="0">
+              <a:schemeClr val="phClr">
+                <a:lumMod val="110000"/>
+                <a:satMod val="105000"/>
+                <a:tint val="67000"/>
+              </a:schemeClr>
+            </a:gs>
+            <a:gs pos="50000">
+              <a:schemeClr val="phClr">
+                <a:lumMod val="105000"/>
+                <a:satMod val="103000"/>
+                <a:tint val="73000"/>
+              </a:schemeClr>
+            </a:gs>
+            <a:gs pos="100000">
+              <a:schemeClr val="phClr">
+                <a:lumMod val="105000"/>
+                <a:satMod val="109000"/>
+                <a:tint val="81000"/>
+              </a:schemeClr>
+            </a:gs>
+          </a:gsLst>
+          <a:lin ang="5400000" scaled="0"/>
+        </a:gradFill>
+        <a:gradFill rotWithShape="1">
+          <a:gsLst>
+            <a:gs pos="0">
+              <a:schemeClr val="phClr">
+                <a:satMod val="103000"/>
+                <a:lumMod val="102000"/>
+                <a:tint val="94000"/>
+              </a:schemeClr>
+            </a:gs>
+            <a:gs pos="50000">
+              <a:schemeClr val="phClr">
+                <a:satMod val="110000"/>
+                <a:lumMod val="100000"/>
+                <a:shade val="100000"/>
+              </a:schemeClr>
+            </a:gs>
+            <a:gs pos="100000">
+              <a:schemeClr val="phClr">
+                <a:lumMod val="99000"/>
+                <a:satMod val="120000"/>
+                <a:shade val="78000"/>
+              </a:schemeClr>
+            </a:gs>
+          </a:gsLst>
+          <a:lin ang="5400000" scaled="0"/>
+        </a:gradFill>
+      </a:fillStyleLst>
+      <a:lnStyleLst>
+        <a:ln w="6350" cap="flat" cmpd="sng" algn="ctr">
+          <a:solidFill>
+            <a:schemeClr val="phClr"/>
+          </a:solidFill>
+          <a:prstDash val="solid"/>
+          <a:miter lim="800000"/>
+        </a:ln>
+        <a:ln w="12700" cap="flat" cmpd="sng" algn="ctr">
+          <a:solidFill>
+            <a:schemeClr val="phClr"/>
+          </a:solidFill>
+          <a:prstDash val="solid"/>
+          <a:miter lim="800000"/>
+        </a:ln>
+        <a:ln w="19050" cap="flat" cmpd="sng" algn="ctr">
+          <a:solidFill>
+            <a:schemeClr val="phClr"/>
+          </a:solidFill>
+          <a:prstDash val="solid"/>
+          <a:miter lim="800000"/>
+        </a:ln>
+      </a:lnStyleLst>
+      <a:effectStyleLst>
+        <a:effectStyle>
+          <a:effectLst/>
+        </a:effectStyle>
+        <a:effectStyle>
+          <a:effectLst/>
+        </a:effectStyle>
+        <a:effectStyle>
+          <a:effectLst>
+            <a:outerShdw blurRad="57150" dist="19050" dir="5400000" algn="ctr" rotWithShape="0">
+              <a:srgbClr val="000000">
+                <a:alpha val="63000"/>
+              </a:srgbClr>
+            </a:outerShdw>
+          </a:effectLst>
+        </a:effectStyle>
+      </a:effectStyleLst>
+      <a:bgFillStyleLst>
+        <a:solidFill>
+          <a:schemeClr val="phClr"/>
+        </a:solidFill>
+        <a:solidFill>
+          <a:schemeClr val="phClr">
+            <a:tint val="95000"/>
+            <a:satMod val="170000"/>
+          </a:schemeClr>
+        </a:solidFill>
+        <a:gradFill rotWithShape="1">
+          <a:gsLst>
+            <a:gs pos="0">
+              <a:schemeClr val="phClr">
+                <a:tint val="93000"/>
+                <a:satMod val="150000"/>
+                <a:shade val="98000"/>
+                <a:lumMod val="102000"/>
+              </a:schemeClr>
+            </a:gs>
+            <a:gs pos="50000">
+              <a:schemeClr val="phClr">
+                <a:tint val="98000"/>
+                <a:satMod val="130000"/>
+                <a:shade val="90000"/>
+                <a:lumMod val="103000"/>
+              </a:schemeClr>
+            </a:gs>
+            <a:gs pos="100000">
+              <a:schemeClr val="phClr">
+                <a:shade val="63000"/>
+                <a:satMod val="120000"/>
+              </a:schemeClr>
+            </a:gs>
+          </a:gsLst>
+          <a:lin ang="5400000" scaled="0"/>
+        </a:gradFill>
+      </a:bgFillStyleLst>
+    </a:fmtScheme>
+  </a:themeElements>
+  <a:objectDefaults/>
+  <a:extraClrSchemeLst/>
+  <a:extLst>
+    <a:ext uri="{05A4C25C-085E-4340-85A3-A5531E510DB2}">
+      <thm15:themeFamily xmlns:thm15="http://schemas.microsoft.com/office/thememl/2012/main" name="Office Theme" id="{62F939B6-93AF-4DB8-9C6B-D6C7DFDC589F}" vid="{4A3C46E8-61CC-4603-A589-7422A47A8E4A}"/>
+    </a:ext>
+  </a:extLst>
+</a:theme>
 </file>